--- a/Présentation/MODELISATION-DU-NOMBRE-DE-VISITES.pptx
+++ b/Présentation/MODELISATION-DU-NOMBRE-DE-VISITES.pptx
@@ -107,6 +107,11 @@
       </a:defRPr>
     </a:lvl9pPr>
   </p:defaultTextStyle>
+  <p:extLst>
+    <p:ext uri="{EFAFB233-063F-42B5-8137-9DF3F51BA10A}">
+      <p15:sldGuideLst xmlns:p15="http://schemas.microsoft.com/office/powerpoint/2012/main"/>
+    </p:ext>
+  </p:extLst>
 </p:presentation>
 </file>
 
@@ -192,7 +197,7 @@
           <a:p>
             <a:fld id="{685D38A0-6625-420E-984B-5040EA439569}" type="datetimeFigureOut">
               <a:rPr lang="fr-FR" smtClean="0"/>
-              <a:t>03/04/2025</a:t>
+              <a:t>06/04/2025</a:t>
             </a:fld>
             <a:endParaRPr lang="fr-FR"/>
           </a:p>
@@ -679,7 +684,7 @@
           <a:p>
             <a:fld id="{A9C50A28-6A05-4D1F-9987-845550122DAD}" type="datetimeFigureOut">
               <a:rPr lang="fr-FR" smtClean="0"/>
-              <a:t>03/04/2025</a:t>
+              <a:t>06/04/2025</a:t>
             </a:fld>
             <a:endParaRPr lang="fr-FR"/>
           </a:p>
@@ -849,7 +854,7 @@
           <a:p>
             <a:fld id="{A9C50A28-6A05-4D1F-9987-845550122DAD}" type="datetimeFigureOut">
               <a:rPr lang="fr-FR" smtClean="0"/>
-              <a:t>03/04/2025</a:t>
+              <a:t>06/04/2025</a:t>
             </a:fld>
             <a:endParaRPr lang="fr-FR"/>
           </a:p>
@@ -1029,7 +1034,7 @@
           <a:p>
             <a:fld id="{A9C50A28-6A05-4D1F-9987-845550122DAD}" type="datetimeFigureOut">
               <a:rPr lang="fr-FR" smtClean="0"/>
-              <a:t>03/04/2025</a:t>
+              <a:t>06/04/2025</a:t>
             </a:fld>
             <a:endParaRPr lang="fr-FR"/>
           </a:p>
@@ -1199,7 +1204,7 @@
           <a:p>
             <a:fld id="{A9C50A28-6A05-4D1F-9987-845550122DAD}" type="datetimeFigureOut">
               <a:rPr lang="fr-FR" smtClean="0"/>
-              <a:t>03/04/2025</a:t>
+              <a:t>06/04/2025</a:t>
             </a:fld>
             <a:endParaRPr lang="fr-FR"/>
           </a:p>
@@ -1443,7 +1448,7 @@
           <a:p>
             <a:fld id="{A9C50A28-6A05-4D1F-9987-845550122DAD}" type="datetimeFigureOut">
               <a:rPr lang="fr-FR" smtClean="0"/>
-              <a:t>03/04/2025</a:t>
+              <a:t>06/04/2025</a:t>
             </a:fld>
             <a:endParaRPr lang="fr-FR"/>
           </a:p>
@@ -1675,7 +1680,7 @@
           <a:p>
             <a:fld id="{A9C50A28-6A05-4D1F-9987-845550122DAD}" type="datetimeFigureOut">
               <a:rPr lang="fr-FR" smtClean="0"/>
-              <a:t>03/04/2025</a:t>
+              <a:t>06/04/2025</a:t>
             </a:fld>
             <a:endParaRPr lang="fr-FR"/>
           </a:p>
@@ -2042,7 +2047,7 @@
           <a:p>
             <a:fld id="{A9C50A28-6A05-4D1F-9987-845550122DAD}" type="datetimeFigureOut">
               <a:rPr lang="fr-FR" smtClean="0"/>
-              <a:t>03/04/2025</a:t>
+              <a:t>06/04/2025</a:t>
             </a:fld>
             <a:endParaRPr lang="fr-FR"/>
           </a:p>
@@ -2160,7 +2165,7 @@
           <a:p>
             <a:fld id="{A9C50A28-6A05-4D1F-9987-845550122DAD}" type="datetimeFigureOut">
               <a:rPr lang="fr-FR" smtClean="0"/>
-              <a:t>03/04/2025</a:t>
+              <a:t>06/04/2025</a:t>
             </a:fld>
             <a:endParaRPr lang="fr-FR"/>
           </a:p>
@@ -2255,7 +2260,7 @@
           <a:p>
             <a:fld id="{A9C50A28-6A05-4D1F-9987-845550122DAD}" type="datetimeFigureOut">
               <a:rPr lang="fr-FR" smtClean="0"/>
-              <a:t>03/04/2025</a:t>
+              <a:t>06/04/2025</a:t>
             </a:fld>
             <a:endParaRPr lang="fr-FR"/>
           </a:p>
@@ -2532,7 +2537,7 @@
           <a:p>
             <a:fld id="{A9C50A28-6A05-4D1F-9987-845550122DAD}" type="datetimeFigureOut">
               <a:rPr lang="fr-FR" smtClean="0"/>
-              <a:t>03/04/2025</a:t>
+              <a:t>06/04/2025</a:t>
             </a:fld>
             <a:endParaRPr lang="fr-FR"/>
           </a:p>
@@ -2789,7 +2794,7 @@
           <a:p>
             <a:fld id="{A9C50A28-6A05-4D1F-9987-845550122DAD}" type="datetimeFigureOut">
               <a:rPr lang="fr-FR" smtClean="0"/>
-              <a:t>03/04/2025</a:t>
+              <a:t>06/04/2025</a:t>
             </a:fld>
             <a:endParaRPr lang="fr-FR"/>
           </a:p>
@@ -3002,7 +3007,7 @@
           <a:p>
             <a:fld id="{A9C50A28-6A05-4D1F-9987-845550122DAD}" type="datetimeFigureOut">
               <a:rPr lang="fr-FR" smtClean="0"/>
-              <a:t>03/04/2025</a:t>
+              <a:t>06/04/2025</a:t>
             </a:fld>
             <a:endParaRPr lang="fr-FR"/>
           </a:p>
@@ -3407,47 +3412,6 @@
           <a:chExt cx="0" cy="0"/>
         </a:xfrm>
       </p:grpSpPr>
-      <p:sp>
-        <p:nvSpPr>
-          <p:cNvPr id="4" name="ZoneTexte 3">
-            <a:extLst>
-              <a:ext uri="{FF2B5EF4-FFF2-40B4-BE49-F238E27FC236}">
-                <a16:creationId xmlns:a16="http://schemas.microsoft.com/office/drawing/2014/main" id="{0D6C4BEB-2FE4-3D11-5C65-2E8895C54CD5}"/>
-              </a:ext>
-            </a:extLst>
-          </p:cNvPr>
-          <p:cNvSpPr txBox="1"/>
-          <p:nvPr/>
-        </p:nvSpPr>
-        <p:spPr>
-          <a:xfrm>
-            <a:off x="2815532" y="500707"/>
-            <a:ext cx="16828973" cy="400110"/>
-          </a:xfrm>
-          <a:prstGeom prst="rect">
-            <a:avLst/>
-          </a:prstGeom>
-          <a:noFill/>
-        </p:spPr>
-        <p:txBody>
-          <a:bodyPr wrap="square" rtlCol="0">
-            <a:spAutoFit/>
-          </a:bodyPr>
-          <a:lstStyle/>
-          <a:p>
-            <a:pPr algn="ctr"/>
-            <a:r>
-              <a:rPr lang="fr-FR" sz="2000" b="1" dirty="0">
-                <a:solidFill>
-                  <a:srgbClr val="002060"/>
-                </a:solidFill>
-                <a:latin typeface="Gill Sans MT" panose="020B0502020104020203" pitchFamily="34" charset="0"/>
-              </a:rPr>
-              <a:t>MODELISATION DU TAUX DE CONSULTATIONS EN MEDECINE DE VILLE : APPROCHE PAR MODELES D’ECONOMETRIE SPATIALE </a:t>
-            </a:r>
-          </a:p>
-        </p:txBody>
-      </p:sp>
       <p:pic>
         <p:nvPicPr>
           <p:cNvPr id="6" name="Image 5">
@@ -3534,8 +3498,8 @@
         </p:nvSpPr>
         <p:spPr>
           <a:xfrm>
-            <a:off x="4254380" y="1062042"/>
-            <a:ext cx="12874861" cy="646331"/>
+            <a:off x="4254375" y="1003457"/>
+            <a:ext cx="12874861" cy="874535"/>
           </a:xfrm>
           <a:prstGeom prst="rect">
             <a:avLst/>
@@ -3548,7 +3512,11 @@
           </a:bodyPr>
           <a:lstStyle/>
           <a:p>
-            <a:pPr algn="ctr"/>
+            <a:pPr algn="ctr">
+              <a:lnSpc>
+                <a:spcPct val="150000"/>
+              </a:lnSpc>
+            </a:pPr>
             <a:r>
               <a:rPr lang="fr-FR" dirty="0">
                 <a:latin typeface="Gill Sans MT" panose="020B0502020104020203" pitchFamily="34" charset="0"/>
@@ -3593,7 +3561,11 @@
             </a:r>
           </a:p>
           <a:p>
-            <a:pPr algn="ctr"/>
+            <a:pPr algn="ctr">
+              <a:lnSpc>
+                <a:spcPct val="150000"/>
+              </a:lnSpc>
+            </a:pPr>
             <a:r>
               <a:rPr lang="fr-FR" dirty="0">
                 <a:latin typeface="Gill Sans MT" panose="020B0502020104020203" pitchFamily="34" charset="0"/>
@@ -3669,7 +3641,7 @@
         </p:nvSpPr>
         <p:spPr>
           <a:xfrm>
-            <a:off x="264700" y="2126229"/>
+            <a:off x="264700" y="2469129"/>
             <a:ext cx="11753588" cy="2905354"/>
           </a:xfrm>
           <a:prstGeom prst="roundRect">
@@ -3750,7 +3722,7 @@
         </p:nvSpPr>
         <p:spPr>
           <a:xfrm>
-            <a:off x="12225177" y="2126228"/>
+            <a:off x="12225177" y="2469128"/>
             <a:ext cx="8893743" cy="2905353"/>
           </a:xfrm>
           <a:prstGeom prst="roundRect">
@@ -4368,7 +4340,7 @@
         <p:spPr>
           <a:xfrm>
             <a:off x="6590222" y="9087288"/>
-            <a:ext cx="2929612" cy="1943798"/>
+            <a:ext cx="3150544" cy="2090386"/>
           </a:xfrm>
           <a:prstGeom prst="rect">
             <a:avLst/>
@@ -4445,7 +4417,7 @@
         </p:blipFill>
         <p:spPr>
           <a:xfrm>
-            <a:off x="17086358" y="9260068"/>
+            <a:off x="17086358" y="9107487"/>
             <a:ext cx="2844277" cy="1969115"/>
           </a:xfrm>
           <a:prstGeom prst="rect">
@@ -4471,7 +4443,7 @@
         <p:spPr>
           <a:xfrm>
             <a:off x="16465491" y="8814456"/>
-            <a:ext cx="4086013" cy="3809367"/>
+            <a:ext cx="4086013" cy="4034974"/>
           </a:xfrm>
           <a:prstGeom prst="roundRect">
             <a:avLst/>
@@ -4528,7 +4500,7 @@
         <p:spPr>
           <a:xfrm>
             <a:off x="11285668" y="8800412"/>
-            <a:ext cx="4086013" cy="3809367"/>
+            <a:ext cx="4381060" cy="4049018"/>
           </a:xfrm>
           <a:prstGeom prst="roundRect">
             <a:avLst/>
@@ -4585,7 +4557,7 @@
         <p:spPr>
           <a:xfrm>
             <a:off x="782405" y="8809514"/>
-            <a:ext cx="4086013" cy="3809367"/>
+            <a:ext cx="4381060" cy="4039916"/>
           </a:xfrm>
           <a:prstGeom prst="roundRect">
             <a:avLst/>
@@ -4642,7 +4614,7 @@
         <p:spPr>
           <a:xfrm>
             <a:off x="6012022" y="8819994"/>
-            <a:ext cx="4086013" cy="3809367"/>
+            <a:ext cx="4381060" cy="4029436"/>
           </a:xfrm>
           <a:prstGeom prst="roundRect">
             <a:avLst/>
@@ -4757,7 +4729,7 @@
         </p:nvSpPr>
         <p:spPr>
           <a:xfrm>
-            <a:off x="1201678" y="8401543"/>
+            <a:off x="1346318" y="8401543"/>
             <a:ext cx="3253233" cy="535722"/>
           </a:xfrm>
           <a:prstGeom prst="roundRect">
@@ -4885,7 +4857,7 @@
         </p:nvSpPr>
         <p:spPr>
           <a:xfrm>
-            <a:off x="11494885" y="8401543"/>
+            <a:off x="11512239" y="8430892"/>
             <a:ext cx="3667577" cy="535722"/>
           </a:xfrm>
           <a:prstGeom prst="roundRect">
@@ -5188,6 +5160,259 @@
               </a:rPr>
               <a:t>Conclusion et recommandations</a:t>
             </a:r>
+          </a:p>
+        </p:txBody>
+      </p:sp>
+      <p:sp>
+        <p:nvSpPr>
+          <p:cNvPr id="2" name="Rectangle : coins arrondis 1">
+            <a:extLst>
+              <a:ext uri="{FF2B5EF4-FFF2-40B4-BE49-F238E27FC236}">
+                <a16:creationId xmlns:a16="http://schemas.microsoft.com/office/drawing/2014/main" id="{3803207F-9DE5-602C-09EB-2D7E072ED844}"/>
+              </a:ext>
+            </a:extLst>
+          </p:cNvPr>
+          <p:cNvSpPr/>
+          <p:nvPr/>
+        </p:nvSpPr>
+        <p:spPr>
+          <a:xfrm>
+            <a:off x="2687352" y="188054"/>
+            <a:ext cx="16828973" cy="732803"/>
+          </a:xfrm>
+          <a:prstGeom prst="roundRect">
+            <a:avLst>
+              <a:gd name="adj" fmla="val 50000"/>
+            </a:avLst>
+          </a:prstGeom>
+          <a:ln>
+            <a:noFill/>
+          </a:ln>
+        </p:spPr>
+        <p:style>
+          <a:lnRef idx="2">
+            <a:schemeClr val="accent1">
+              <a:shade val="15000"/>
+            </a:schemeClr>
+          </a:lnRef>
+          <a:fillRef idx="1">
+            <a:schemeClr val="accent1"/>
+          </a:fillRef>
+          <a:effectRef idx="0">
+            <a:schemeClr val="accent1"/>
+          </a:effectRef>
+          <a:fontRef idx="minor">
+            <a:schemeClr val="lt1"/>
+          </a:fontRef>
+        </p:style>
+        <p:txBody>
+          <a:bodyPr rtlCol="0" anchor="ctr"/>
+          <a:lstStyle/>
+          <a:p>
+            <a:pPr algn="ctr"/>
+            <a:endParaRPr lang="fr-FR"/>
+          </a:p>
+        </p:txBody>
+      </p:sp>
+      <p:sp>
+        <p:nvSpPr>
+          <p:cNvPr id="4" name="ZoneTexte 3">
+            <a:extLst>
+              <a:ext uri="{FF2B5EF4-FFF2-40B4-BE49-F238E27FC236}">
+                <a16:creationId xmlns:a16="http://schemas.microsoft.com/office/drawing/2014/main" id="{0D6C4BEB-2FE4-3D11-5C65-2E8895C54CD5}"/>
+              </a:ext>
+            </a:extLst>
+          </p:cNvPr>
+          <p:cNvSpPr txBox="1"/>
+          <p:nvPr/>
+        </p:nvSpPr>
+        <p:spPr>
+          <a:xfrm>
+            <a:off x="2687352" y="356937"/>
+            <a:ext cx="16828973" cy="400110"/>
+          </a:xfrm>
+          <a:prstGeom prst="rect">
+            <a:avLst/>
+          </a:prstGeom>
+          <a:noFill/>
+        </p:spPr>
+        <p:txBody>
+          <a:bodyPr wrap="square" rtlCol="0">
+            <a:spAutoFit/>
+          </a:bodyPr>
+          <a:lstStyle/>
+          <a:p>
+            <a:pPr algn="ctr"/>
+            <a:r>
+              <a:rPr lang="fr-FR" sz="2000" b="1" dirty="0">
+                <a:solidFill>
+                  <a:schemeClr val="bg1"/>
+                </a:solidFill>
+                <a:latin typeface="Gill Sans MT" panose="020B0502020104020203" pitchFamily="34" charset="0"/>
+              </a:rPr>
+              <a:t>MODELISATION DU TAUX DE CONSULTATIONS EN MEDECINE DE VILLE :  APPROCHE PAR MODELES D’ECONOMETRIE SPATIALE </a:t>
+            </a:r>
+          </a:p>
+        </p:txBody>
+      </p:sp>
+      <p:sp>
+        <p:nvSpPr>
+          <p:cNvPr id="5" name="ZoneTexte 4">
+            <a:extLst>
+              <a:ext uri="{FF2B5EF4-FFF2-40B4-BE49-F238E27FC236}">
+                <a16:creationId xmlns:a16="http://schemas.microsoft.com/office/drawing/2014/main" id="{F85BA840-5817-3E7C-0C40-7A06ADEF9B55}"/>
+              </a:ext>
+            </a:extLst>
+          </p:cNvPr>
+          <p:cNvSpPr txBox="1"/>
+          <p:nvPr/>
+        </p:nvSpPr>
+        <p:spPr>
+          <a:xfrm>
+            <a:off x="877827" y="11499333"/>
+            <a:ext cx="4190214" cy="1077218"/>
+          </a:xfrm>
+          <a:prstGeom prst="rect">
+            <a:avLst/>
+          </a:prstGeom>
+          <a:noFill/>
+        </p:spPr>
+        <p:txBody>
+          <a:bodyPr wrap="square">
+            <a:spAutoFit/>
+          </a:bodyPr>
+          <a:lstStyle/>
+          <a:p>
+            <a:pPr algn="just"/>
+            <a:r>
+              <a:rPr lang="fr-FR" sz="1600" dirty="0">
+                <a:latin typeface="Gill Sans MT" panose="020B0502020104020203" pitchFamily="34" charset="0"/>
+              </a:rPr>
+              <a:t>La distribution, centrée autour de la moyenne, est légèrement asymétrique à droite, traduisant des disparités entre communes, avec quelques zones à taux de consultation très élevé.</a:t>
+            </a:r>
+          </a:p>
+        </p:txBody>
+      </p:sp>
+      <p:sp>
+        <p:nvSpPr>
+          <p:cNvPr id="9" name="ZoneTexte 8">
+            <a:extLst>
+              <a:ext uri="{FF2B5EF4-FFF2-40B4-BE49-F238E27FC236}">
+                <a16:creationId xmlns:a16="http://schemas.microsoft.com/office/drawing/2014/main" id="{16105B04-A36E-358C-6F80-541A5E8B46E5}"/>
+              </a:ext>
+            </a:extLst>
+          </p:cNvPr>
+          <p:cNvSpPr txBox="1"/>
+          <p:nvPr/>
+        </p:nvSpPr>
+        <p:spPr>
+          <a:xfrm>
+            <a:off x="6293231" y="11454396"/>
+            <a:ext cx="3523593" cy="1077218"/>
+          </a:xfrm>
+          <a:prstGeom prst="rect">
+            <a:avLst/>
+          </a:prstGeom>
+          <a:noFill/>
+        </p:spPr>
+        <p:txBody>
+          <a:bodyPr wrap="square">
+            <a:spAutoFit/>
+          </a:bodyPr>
+          <a:lstStyle/>
+          <a:p>
+            <a:pPr algn="just"/>
+            <a:r>
+              <a:rPr lang="fr-FR" sz="1600" dirty="0">
+                <a:latin typeface="Gill Sans MT" panose="020B0502020104020203" pitchFamily="34" charset="0"/>
+              </a:rPr>
+              <a:t>Les consultations augmentent avec la natalité et les enfants jeunes, mais diminuent dans les familles sans enfants et les zones à forte mortalité.</a:t>
+            </a:r>
+          </a:p>
+        </p:txBody>
+      </p:sp>
+      <p:sp>
+        <p:nvSpPr>
+          <p:cNvPr id="18" name="ZoneTexte 17">
+            <a:extLst>
+              <a:ext uri="{FF2B5EF4-FFF2-40B4-BE49-F238E27FC236}">
+                <a16:creationId xmlns:a16="http://schemas.microsoft.com/office/drawing/2014/main" id="{FE99EEFE-744F-C737-619A-78985F65CEAB}"/>
+              </a:ext>
+            </a:extLst>
+          </p:cNvPr>
+          <p:cNvSpPr txBox="1"/>
+          <p:nvPr/>
+        </p:nvSpPr>
+        <p:spPr>
+          <a:xfrm>
+            <a:off x="11670670" y="11201108"/>
+            <a:ext cx="3795687" cy="1569660"/>
+          </a:xfrm>
+          <a:prstGeom prst="rect">
+            <a:avLst/>
+          </a:prstGeom>
+          <a:noFill/>
+        </p:spPr>
+        <p:txBody>
+          <a:bodyPr wrap="square">
+            <a:spAutoFit/>
+          </a:bodyPr>
+          <a:lstStyle/>
+          <a:p>
+            <a:pPr algn="just"/>
+            <a:r>
+              <a:rPr lang="fr-FR" sz="1600" dirty="0">
+                <a:latin typeface="Gill Sans MT" panose="020B0502020104020203" pitchFamily="34" charset="0"/>
+              </a:rPr>
+              <a:t>L’analyse LISA révèle que la majorité des communes appartiennent au cluster HH, suivi du cluster LH, indiquant des zones à taux élevés entourées de communes également à taux élevés, ou à taux bas proches de zones à taux élevés.</a:t>
+            </a:r>
+          </a:p>
+        </p:txBody>
+      </p:sp>
+      <p:sp>
+        <p:nvSpPr>
+          <p:cNvPr id="20" name="ZoneTexte 19">
+            <a:extLst>
+              <a:ext uri="{FF2B5EF4-FFF2-40B4-BE49-F238E27FC236}">
+                <a16:creationId xmlns:a16="http://schemas.microsoft.com/office/drawing/2014/main" id="{A0C40C16-DA59-4B84-8FF8-33A64A8669B5}"/>
+              </a:ext>
+            </a:extLst>
+          </p:cNvPr>
+          <p:cNvSpPr txBox="1"/>
+          <p:nvPr/>
+        </p:nvSpPr>
+        <p:spPr>
+          <a:xfrm>
+            <a:off x="16831733" y="11215139"/>
+            <a:ext cx="3549864" cy="1569660"/>
+          </a:xfrm>
+          <a:prstGeom prst="rect">
+            <a:avLst/>
+          </a:prstGeom>
+          <a:noFill/>
+        </p:spPr>
+        <p:txBody>
+          <a:bodyPr wrap="square">
+            <a:spAutoFit/>
+          </a:bodyPr>
+          <a:lstStyle/>
+          <a:p>
+            <a:pPr algn="just">
+              <a:buNone/>
+            </a:pPr>
+            <a:r>
+              <a:rPr lang="fr-FR" sz="1600" dirty="0">
+                <a:solidFill>
+                  <a:srgbClr val="000000"/>
+                </a:solidFill>
+                <a:effectLst/>
+                <a:latin typeface="Gill Sans MT" panose="020B0502020104020203" pitchFamily="34" charset="0"/>
+              </a:rPr>
+              <a:t>Certaines communes concentrent les services et attirent les patients des alentours, tandis que d’autres souffrent d’un accès limité aux soins, renforçant ainsi les inégalités spatiales en matière de santé.</a:t>
+            </a:r>
+            <a:endParaRPr lang="fr-FR" sz="1600" dirty="0">
+              <a:latin typeface="Gill Sans MT" panose="020B0502020104020203" pitchFamily="34" charset="0"/>
+            </a:endParaRPr>
           </a:p>
         </p:txBody>
       </p:sp>

--- a/Présentation/MODELISATION-DU-NOMBRE-DE-VISITES.pptx
+++ b/Présentation/MODELISATION-DU-NOMBRE-DE-VISITES.pptx
@@ -197,7 +197,7 @@
           <a:p>
             <a:fld id="{685D38A0-6625-420E-984B-5040EA439569}" type="datetimeFigureOut">
               <a:rPr lang="fr-FR" smtClean="0"/>
-              <a:t>06/04/2025</a:t>
+              <a:t>08/04/2025</a:t>
             </a:fld>
             <a:endParaRPr lang="fr-FR"/>
           </a:p>
@@ -684,7 +684,7 @@
           <a:p>
             <a:fld id="{A9C50A28-6A05-4D1F-9987-845550122DAD}" type="datetimeFigureOut">
               <a:rPr lang="fr-FR" smtClean="0"/>
-              <a:t>06/04/2025</a:t>
+              <a:t>08/04/2025</a:t>
             </a:fld>
             <a:endParaRPr lang="fr-FR"/>
           </a:p>
@@ -854,7 +854,7 @@
           <a:p>
             <a:fld id="{A9C50A28-6A05-4D1F-9987-845550122DAD}" type="datetimeFigureOut">
               <a:rPr lang="fr-FR" smtClean="0"/>
-              <a:t>06/04/2025</a:t>
+              <a:t>08/04/2025</a:t>
             </a:fld>
             <a:endParaRPr lang="fr-FR"/>
           </a:p>
@@ -1034,7 +1034,7 @@
           <a:p>
             <a:fld id="{A9C50A28-6A05-4D1F-9987-845550122DAD}" type="datetimeFigureOut">
               <a:rPr lang="fr-FR" smtClean="0"/>
-              <a:t>06/04/2025</a:t>
+              <a:t>08/04/2025</a:t>
             </a:fld>
             <a:endParaRPr lang="fr-FR"/>
           </a:p>
@@ -1204,7 +1204,7 @@
           <a:p>
             <a:fld id="{A9C50A28-6A05-4D1F-9987-845550122DAD}" type="datetimeFigureOut">
               <a:rPr lang="fr-FR" smtClean="0"/>
-              <a:t>06/04/2025</a:t>
+              <a:t>08/04/2025</a:t>
             </a:fld>
             <a:endParaRPr lang="fr-FR"/>
           </a:p>
@@ -1448,7 +1448,7 @@
           <a:p>
             <a:fld id="{A9C50A28-6A05-4D1F-9987-845550122DAD}" type="datetimeFigureOut">
               <a:rPr lang="fr-FR" smtClean="0"/>
-              <a:t>06/04/2025</a:t>
+              <a:t>08/04/2025</a:t>
             </a:fld>
             <a:endParaRPr lang="fr-FR"/>
           </a:p>
@@ -1680,7 +1680,7 @@
           <a:p>
             <a:fld id="{A9C50A28-6A05-4D1F-9987-845550122DAD}" type="datetimeFigureOut">
               <a:rPr lang="fr-FR" smtClean="0"/>
-              <a:t>06/04/2025</a:t>
+              <a:t>08/04/2025</a:t>
             </a:fld>
             <a:endParaRPr lang="fr-FR"/>
           </a:p>
@@ -2047,7 +2047,7 @@
           <a:p>
             <a:fld id="{A9C50A28-6A05-4D1F-9987-845550122DAD}" type="datetimeFigureOut">
               <a:rPr lang="fr-FR" smtClean="0"/>
-              <a:t>06/04/2025</a:t>
+              <a:t>08/04/2025</a:t>
             </a:fld>
             <a:endParaRPr lang="fr-FR"/>
           </a:p>
@@ -2165,7 +2165,7 @@
           <a:p>
             <a:fld id="{A9C50A28-6A05-4D1F-9987-845550122DAD}" type="datetimeFigureOut">
               <a:rPr lang="fr-FR" smtClean="0"/>
-              <a:t>06/04/2025</a:t>
+              <a:t>08/04/2025</a:t>
             </a:fld>
             <a:endParaRPr lang="fr-FR"/>
           </a:p>
@@ -2260,7 +2260,7 @@
           <a:p>
             <a:fld id="{A9C50A28-6A05-4D1F-9987-845550122DAD}" type="datetimeFigureOut">
               <a:rPr lang="fr-FR" smtClean="0"/>
-              <a:t>06/04/2025</a:t>
+              <a:t>08/04/2025</a:t>
             </a:fld>
             <a:endParaRPr lang="fr-FR"/>
           </a:p>
@@ -2537,7 +2537,7 @@
           <a:p>
             <a:fld id="{A9C50A28-6A05-4D1F-9987-845550122DAD}" type="datetimeFigureOut">
               <a:rPr lang="fr-FR" smtClean="0"/>
-              <a:t>06/04/2025</a:t>
+              <a:t>08/04/2025</a:t>
             </a:fld>
             <a:endParaRPr lang="fr-FR"/>
           </a:p>
@@ -2794,7 +2794,7 @@
           <a:p>
             <a:fld id="{A9C50A28-6A05-4D1F-9987-845550122DAD}" type="datetimeFigureOut">
               <a:rPr lang="fr-FR" smtClean="0"/>
-              <a:t>06/04/2025</a:t>
+              <a:t>08/04/2025</a:t>
             </a:fld>
             <a:endParaRPr lang="fr-FR"/>
           </a:p>
@@ -2859,9 +2859,15 @@
 <p:sldMaster xmlns:a="http://schemas.openxmlformats.org/drawingml/2006/main" xmlns:r="http://schemas.openxmlformats.org/officeDocument/2006/relationships" xmlns:p="http://schemas.openxmlformats.org/presentationml/2006/main">
   <p:cSld>
     <p:bg>
-      <p:bgRef idx="1001">
-        <a:schemeClr val="bg1"/>
-      </p:bgRef>
+      <p:bgPr>
+        <a:solidFill>
+          <a:schemeClr val="accent1">
+            <a:lumMod val="20000"/>
+            <a:lumOff val="80000"/>
+          </a:schemeClr>
+        </a:solidFill>
+        <a:effectLst/>
+      </p:bgPr>
     </p:bg>
     <p:spTree>
       <p:nvGrpSpPr>
@@ -3007,7 +3013,7 @@
           <a:p>
             <a:fld id="{A9C50A28-6A05-4D1F-9987-845550122DAD}" type="datetimeFigureOut">
               <a:rPr lang="fr-FR" smtClean="0"/>
-              <a:t>06/04/2025</a:t>
+              <a:t>08/04/2025</a:t>
             </a:fld>
             <a:endParaRPr lang="fr-FR"/>
           </a:p>
@@ -3498,8 +3504,8 @@
         </p:nvSpPr>
         <p:spPr>
           <a:xfrm>
-            <a:off x="4254375" y="1003457"/>
-            <a:ext cx="12874861" cy="874535"/>
+            <a:off x="4299941" y="1271425"/>
+            <a:ext cx="12874861" cy="707886"/>
           </a:xfrm>
           <a:prstGeom prst="rect">
             <a:avLst/>
@@ -3512,62 +3518,60 @@
           </a:bodyPr>
           <a:lstStyle/>
           <a:p>
-            <a:pPr algn="ctr">
-              <a:lnSpc>
-                <a:spcPct val="150000"/>
-              </a:lnSpc>
-            </a:pPr>
-            <a:r>
-              <a:rPr lang="fr-FR" dirty="0">
+            <a:pPr algn="ctr"/>
+            <a:r>
+              <a:rPr lang="fr-FR" sz="2000" b="1" dirty="0">
                 <a:latin typeface="Gill Sans MT" panose="020B0502020104020203" pitchFamily="34" charset="0"/>
               </a:rPr>
-              <a:t>Rédigé par : Toussaint BOCO, </a:t>
-            </a:r>
-            <a:r>
-              <a:rPr lang="fr-FR" dirty="0" err="1">
+              <a:t>Rédigé par</a:t>
+            </a:r>
+            <a:r>
+              <a:rPr lang="fr-FR" sz="2000" dirty="0">
+                <a:latin typeface="Gill Sans MT" panose="020B0502020104020203" pitchFamily="34" charset="0"/>
+              </a:rPr>
+              <a:t> :  Ali Nour </a:t>
+            </a:r>
+            <a:r>
+              <a:rPr lang="fr-FR" sz="2000" dirty="0" err="1">
+                <a:latin typeface="Gill Sans MT" panose="020B0502020104020203" pitchFamily="34" charset="0"/>
+              </a:rPr>
+              <a:t>Guedemi</a:t>
+            </a:r>
+            <a:r>
+              <a:rPr lang="fr-FR" sz="2000" dirty="0">
+                <a:latin typeface="Gill Sans MT" panose="020B0502020104020203" pitchFamily="34" charset="0"/>
+              </a:rPr>
+              <a:t> ABDELWAHID,  Toussaint BOCO, Komi </a:t>
+            </a:r>
+            <a:r>
+              <a:rPr lang="fr-FR" sz="2000" dirty="0" err="1">
+                <a:latin typeface="Gill Sans MT" panose="020B0502020104020203" pitchFamily="34" charset="0"/>
+              </a:rPr>
+              <a:t>Amégbor</a:t>
+            </a:r>
+            <a:r>
+              <a:rPr lang="fr-FR" sz="2000" dirty="0">
+                <a:latin typeface="Gill Sans MT" panose="020B0502020104020203" pitchFamily="34" charset="0"/>
+              </a:rPr>
+              <a:t> Richard GOZAN, </a:t>
+            </a:r>
+            <a:r>
+              <a:rPr lang="fr-FR" sz="2000" dirty="0" err="1">
                 <a:latin typeface="Gill Sans MT" panose="020B0502020104020203" pitchFamily="34" charset="0"/>
               </a:rPr>
               <a:t>Komla</a:t>
             </a:r>
             <a:r>
-              <a:rPr lang="fr-FR" dirty="0">
+              <a:rPr lang="fr-FR" sz="2000" dirty="0">
                 <a:latin typeface="Gill Sans MT" panose="020B0502020104020203" pitchFamily="34" charset="0"/>
               </a:rPr>
-              <a:t> Alex LABOU, Ali Nour </a:t>
-            </a:r>
-            <a:r>
-              <a:rPr lang="fr-FR" dirty="0" err="1">
-                <a:latin typeface="Gill Sans MT" panose="020B0502020104020203" pitchFamily="34" charset="0"/>
-              </a:rPr>
-              <a:t>Guedemi</a:t>
-            </a:r>
-            <a:r>
-              <a:rPr lang="fr-FR" dirty="0">
-                <a:latin typeface="Gill Sans MT" panose="020B0502020104020203" pitchFamily="34" charset="0"/>
-              </a:rPr>
-              <a:t> ABDELWAHID, Komi </a:t>
-            </a:r>
-            <a:r>
-              <a:rPr lang="fr-FR" dirty="0" err="1">
-                <a:latin typeface="Gill Sans MT" panose="020B0502020104020203" pitchFamily="34" charset="0"/>
-              </a:rPr>
-              <a:t>Amégbor</a:t>
-            </a:r>
-            <a:r>
-              <a:rPr lang="fr-FR" dirty="0">
-                <a:latin typeface="Gill Sans MT" panose="020B0502020104020203" pitchFamily="34" charset="0"/>
-              </a:rPr>
-              <a:t> Richard GOZAN</a:t>
-            </a:r>
-          </a:p>
-          <a:p>
-            <a:pPr algn="ctr">
-              <a:lnSpc>
-                <a:spcPct val="150000"/>
-              </a:lnSpc>
-            </a:pPr>
-            <a:r>
-              <a:rPr lang="fr-FR" dirty="0">
+              <a:t> Alex LABOU,</a:t>
+            </a:r>
+          </a:p>
+          <a:p>
+            <a:pPr algn="ctr"/>
+            <a:r>
+              <a:rPr lang="fr-FR" sz="2000" dirty="0">
                 <a:latin typeface="Gill Sans MT" panose="020B0502020104020203" pitchFamily="34" charset="0"/>
               </a:rPr>
               <a:t>Tutrice :  Audrey LAVENU</a:t>
@@ -3589,7 +3593,7 @@
         </p:nvSpPr>
         <p:spPr>
           <a:xfrm>
-            <a:off x="264700" y="1864235"/>
+            <a:off x="264700" y="2054735"/>
             <a:ext cx="20854220" cy="87001"/>
           </a:xfrm>
           <a:prstGeom prst="rect">
@@ -3836,8 +3840,8 @@
         </p:nvSpPr>
         <p:spPr>
           <a:xfrm>
-            <a:off x="264699" y="5838979"/>
-            <a:ext cx="20854220" cy="7205588"/>
+            <a:off x="264697" y="5838979"/>
+            <a:ext cx="20854222" cy="7205588"/>
           </a:xfrm>
           <a:prstGeom prst="roundRect">
             <a:avLst/>
@@ -3964,8 +3968,8 @@
         </p:blipFill>
         <p:spPr>
           <a:xfrm>
-            <a:off x="2034902" y="15137606"/>
-            <a:ext cx="5667032" cy="2638163"/>
+            <a:off x="678692" y="18197660"/>
+            <a:ext cx="8172393" cy="3951575"/>
           </a:xfrm>
           <a:prstGeom prst="rect">
             <a:avLst/>
@@ -3974,10 +3978,10 @@
       </p:pic>
       <p:pic>
         <p:nvPicPr>
-          <p:cNvPr id="34" name="Image 33">
+          <p:cNvPr id="40" name="Image 39">
             <a:extLst>
               <a:ext uri="{FF2B5EF4-FFF2-40B4-BE49-F238E27FC236}">
-                <a16:creationId xmlns:a16="http://schemas.microsoft.com/office/drawing/2014/main" id="{E1AD6551-BC3A-6B1D-D296-7314D95783D4}"/>
+                <a16:creationId xmlns:a16="http://schemas.microsoft.com/office/drawing/2014/main" id="{754C9DE8-F573-B58E-385E-B5E898A1FBA3}"/>
               </a:ext>
             </a:extLst>
           </p:cNvPr>
@@ -4000,44 +4004,8 @@
         </p:blipFill>
         <p:spPr>
           <a:xfrm>
-            <a:off x="15586922" y="18560292"/>
-            <a:ext cx="4662751" cy="2768719"/>
-          </a:xfrm>
-          <a:prstGeom prst="rect">
-            <a:avLst/>
-          </a:prstGeom>
-        </p:spPr>
-      </p:pic>
-      <p:pic>
-        <p:nvPicPr>
-          <p:cNvPr id="40" name="Image 39">
-            <a:extLst>
-              <a:ext uri="{FF2B5EF4-FFF2-40B4-BE49-F238E27FC236}">
-                <a16:creationId xmlns:a16="http://schemas.microsoft.com/office/drawing/2014/main" id="{754C9DE8-F573-B58E-385E-B5E898A1FBA3}"/>
-              </a:ext>
-            </a:extLst>
-          </p:cNvPr>
-          <p:cNvPicPr>
-            <a:picLocks noChangeAspect="1"/>
-          </p:cNvPicPr>
-          <p:nvPr/>
-        </p:nvPicPr>
-        <p:blipFill>
-          <a:blip r:embed="rId7">
-            <a:extLst>
-              <a:ext uri="{28A0092B-C50C-407E-A947-70E740481C1C}">
-                <a14:useLocalDpi xmlns:a14="http://schemas.microsoft.com/office/drawing/2010/main" val="0"/>
-              </a:ext>
-            </a:extLst>
-          </a:blip>
-          <a:stretch>
-            <a:fillRect/>
-          </a:stretch>
-        </p:blipFill>
-        <p:spPr>
-          <a:xfrm>
-            <a:off x="11287774" y="14427682"/>
-            <a:ext cx="4561480" cy="2625312"/>
+            <a:off x="11806196" y="18607300"/>
+            <a:ext cx="4314337" cy="2483071"/>
           </a:xfrm>
           <a:prstGeom prst="rect">
             <a:avLst/>
@@ -4157,19 +4125,10 @@
                 </a:solidFill>
                 <a:latin typeface="Gill Sans MT" panose="020B0502020104020203" pitchFamily="34" charset="0"/>
               </a:rPr>
-              <a:t>et </a:t>
-            </a:r>
-            <a:r>
-              <a:rPr lang="fr-FR" sz="2400" b="1">
-                <a:solidFill>
-                  <a:srgbClr val="0070C0"/>
-                </a:solidFill>
-                <a:latin typeface="Gill Sans MT" panose="020B0502020104020203" pitchFamily="34" charset="0"/>
-              </a:rPr>
-              <a:t>analyses descriptives </a:t>
-            </a:r>
-            <a:r>
-              <a:rPr lang="fr-FR" sz="2400">
+              <a:t>et analyses descriptives </a:t>
+            </a:r>
+            <a:r>
+              <a:rPr lang="fr-FR" sz="2400" dirty="0">
                 <a:solidFill>
                   <a:schemeClr val="tx1"/>
                 </a:solidFill>
@@ -4177,12 +4136,6 @@
               </a:rPr>
               <a:t>:</a:t>
             </a:r>
-            <a:endParaRPr lang="fr-FR" sz="2400" dirty="0">
-              <a:solidFill>
-                <a:schemeClr val="tx1"/>
-              </a:solidFill>
-              <a:latin typeface="Gill Sans MT" panose="020B0502020104020203" pitchFamily="34" charset="0"/>
-            </a:endParaRPr>
           </a:p>
           <a:p>
             <a:pPr algn="just"/>
@@ -4234,45 +4187,102 @@
           </a:p>
         </p:txBody>
       </p:sp>
-      <p:pic>
-        <p:nvPicPr>
-          <p:cNvPr id="61" name="Image 60">
+      <p:grpSp>
+        <p:nvGrpSpPr>
+          <p:cNvPr id="24" name="Groupe 23">
             <a:extLst>
               <a:ext uri="{FF2B5EF4-FFF2-40B4-BE49-F238E27FC236}">
-                <a16:creationId xmlns:a16="http://schemas.microsoft.com/office/drawing/2014/main" id="{90D82231-180F-CF32-C269-801481471C24}"/>
+                <a16:creationId xmlns:a16="http://schemas.microsoft.com/office/drawing/2014/main" id="{57D07641-1A1D-D518-2E8B-9913CCB9B882}"/>
               </a:ext>
             </a:extLst>
           </p:cNvPr>
-          <p:cNvPicPr>
-            <a:picLocks noChangeAspect="1"/>
-          </p:cNvPicPr>
+          <p:cNvGrpSpPr/>
           <p:nvPr/>
-        </p:nvPicPr>
-        <p:blipFill>
-          <a:blip r:embed="rId8">
-            <a:extLst>
-              <a:ext uri="{28A0092B-C50C-407E-A947-70E740481C1C}">
-                <a14:useLocalDpi xmlns:a14="http://schemas.microsoft.com/office/drawing/2010/main" val="0"/>
-              </a:ext>
-            </a:extLst>
-          </a:blip>
-          <a:stretch>
-            <a:fillRect/>
-          </a:stretch>
-        </p:blipFill>
-        <p:spPr>
+        </p:nvGrpSpPr>
+        <p:grpSpPr>
           <a:xfrm>
-            <a:off x="11230018" y="18549224"/>
-            <a:ext cx="4152862" cy="2779787"/>
+            <a:off x="11494941" y="21254357"/>
+            <a:ext cx="8998191" cy="2779787"/>
+            <a:chOff x="11230017" y="19700691"/>
+            <a:chExt cx="8998191" cy="2779787"/>
           </a:xfrm>
-          <a:prstGeom prst="rect">
-            <a:avLst/>
-          </a:prstGeom>
-          <a:ln w="28575">
-            <a:noFill/>
-          </a:ln>
-        </p:spPr>
-      </p:pic>
+        </p:grpSpPr>
+        <p:pic>
+          <p:nvPicPr>
+            <p:cNvPr id="34" name="Image 33">
+              <a:extLst>
+                <a:ext uri="{FF2B5EF4-FFF2-40B4-BE49-F238E27FC236}">
+                  <a16:creationId xmlns:a16="http://schemas.microsoft.com/office/drawing/2014/main" id="{E1AD6551-BC3A-6B1D-D296-7314D95783D4}"/>
+                </a:ext>
+              </a:extLst>
+            </p:cNvPr>
+            <p:cNvPicPr>
+              <a:picLocks noChangeAspect="1"/>
+            </p:cNvPicPr>
+            <p:nvPr/>
+          </p:nvPicPr>
+          <p:blipFill>
+            <a:blip r:embed="rId7">
+              <a:extLst>
+                <a:ext uri="{28A0092B-C50C-407E-A947-70E740481C1C}">
+                  <a14:useLocalDpi xmlns:a14="http://schemas.microsoft.com/office/drawing/2010/main" val="0"/>
+                </a:ext>
+              </a:extLst>
+            </a:blip>
+            <a:stretch>
+              <a:fillRect/>
+            </a:stretch>
+          </p:blipFill>
+          <p:spPr>
+            <a:xfrm>
+              <a:off x="15666728" y="19711759"/>
+              <a:ext cx="4561480" cy="2768719"/>
+            </a:xfrm>
+            <a:prstGeom prst="rect">
+              <a:avLst/>
+            </a:prstGeom>
+          </p:spPr>
+        </p:pic>
+        <p:pic>
+          <p:nvPicPr>
+            <p:cNvPr id="61" name="Image 60">
+              <a:extLst>
+                <a:ext uri="{FF2B5EF4-FFF2-40B4-BE49-F238E27FC236}">
+                  <a16:creationId xmlns:a16="http://schemas.microsoft.com/office/drawing/2014/main" id="{90D82231-180F-CF32-C269-801481471C24}"/>
+                </a:ext>
+              </a:extLst>
+            </p:cNvPr>
+            <p:cNvPicPr>
+              <a:picLocks noChangeAspect="1"/>
+            </p:cNvPicPr>
+            <p:nvPr/>
+          </p:nvPicPr>
+          <p:blipFill>
+            <a:blip r:embed="rId8">
+              <a:extLst>
+                <a:ext uri="{28A0092B-C50C-407E-A947-70E740481C1C}">
+                  <a14:useLocalDpi xmlns:a14="http://schemas.microsoft.com/office/drawing/2010/main" val="0"/>
+                </a:ext>
+              </a:extLst>
+            </a:blip>
+            <a:stretch>
+              <a:fillRect/>
+            </a:stretch>
+          </p:blipFill>
+          <p:spPr>
+            <a:xfrm>
+              <a:off x="11230017" y="19700691"/>
+              <a:ext cx="4561480" cy="2779787"/>
+            </a:xfrm>
+            <a:prstGeom prst="rect">
+              <a:avLst/>
+            </a:prstGeom>
+            <a:ln w="28575">
+              <a:noFill/>
+            </a:ln>
+          </p:spPr>
+        </p:pic>
+      </p:grpSp>
       <p:pic>
         <p:nvPicPr>
           <p:cNvPr id="62" name="Image 61">
@@ -4766,13 +4776,13 @@
           <a:p>
             <a:pPr algn="ctr"/>
             <a:r>
-              <a:rPr lang="fr-FR" sz="2400" dirty="0">
+              <a:rPr lang="fr-FR" sz="2000" dirty="0">
                 <a:ln>
                   <a:solidFill>
                     <a:schemeClr val="bg1"/>
                   </a:solidFill>
                 </a:ln>
-                <a:latin typeface="Gill Sans MT" panose="020B0502020104020203" pitchFamily="34" charset="0"/>
+                <a:latin typeface="Montserrat" panose="02000505000000020004" pitchFamily="2" charset="0"/>
               </a:rPr>
               <a:t>Taux de consultations</a:t>
             </a:r>
@@ -4793,8 +4803,8 @@
         </p:nvSpPr>
         <p:spPr>
           <a:xfrm>
-            <a:off x="5372684" y="8401543"/>
-            <a:ext cx="5364688" cy="535722"/>
+            <a:off x="5267235" y="8401543"/>
+            <a:ext cx="5572140" cy="535722"/>
           </a:xfrm>
           <a:prstGeom prst="roundRect">
             <a:avLst>
@@ -4830,13 +4840,13 @@
           <a:p>
             <a:pPr algn="ctr"/>
             <a:r>
-              <a:rPr lang="fr-FR" sz="2400" dirty="0">
+              <a:rPr lang="fr-FR" sz="2000" dirty="0">
                 <a:ln>
                   <a:solidFill>
                     <a:schemeClr val="bg1"/>
                   </a:solidFill>
                 </a:ln>
-                <a:latin typeface="Gill Sans MT" panose="020B0502020104020203" pitchFamily="34" charset="0"/>
+                <a:latin typeface="Montserrat" panose="02000505000000020004" pitchFamily="2" charset="0"/>
               </a:rPr>
               <a:t>Nombre de visites et quelques variables</a:t>
             </a:r>
@@ -4857,7 +4867,7 @@
         </p:nvSpPr>
         <p:spPr>
           <a:xfrm>
-            <a:off x="11512239" y="8430892"/>
+            <a:off x="11584162" y="8431305"/>
             <a:ext cx="3667577" cy="535722"/>
           </a:xfrm>
           <a:prstGeom prst="roundRect">
@@ -4894,13 +4904,13 @@
           <a:p>
             <a:pPr algn="ctr"/>
             <a:r>
-              <a:rPr lang="fr-FR" sz="2400" dirty="0">
+              <a:rPr lang="fr-FR" sz="2000" dirty="0">
                 <a:ln>
                   <a:solidFill>
                     <a:schemeClr val="bg1"/>
                   </a:solidFill>
                 </a:ln>
-                <a:latin typeface="Gill Sans MT" panose="020B0502020104020203" pitchFamily="34" charset="0"/>
+                <a:latin typeface="Montserrat" panose="02000505000000020004" pitchFamily="2" charset="0"/>
               </a:rPr>
               <a:t>Analyse spatiale LISA</a:t>
             </a:r>
@@ -4958,13 +4968,13 @@
           <a:p>
             <a:pPr algn="ctr"/>
             <a:r>
-              <a:rPr lang="fr-FR" sz="2400" dirty="0">
+              <a:rPr lang="fr-FR" sz="2000" dirty="0">
                 <a:ln>
                   <a:solidFill>
                     <a:schemeClr val="bg1"/>
                   </a:solidFill>
                 </a:ln>
-                <a:latin typeface="Gill Sans MT" panose="020B0502020104020203" pitchFamily="34" charset="0"/>
+                <a:latin typeface="Montserrat" panose="02000505000000020004" pitchFamily="2" charset="0"/>
               </a:rPr>
               <a:t>Diagramme de Moran</a:t>
             </a:r>
@@ -5028,7 +5038,7 @@
                     <a:schemeClr val="bg1"/>
                   </a:solidFill>
                 </a:ln>
-                <a:latin typeface="Gill Sans MT" panose="020B0502020104020203" pitchFamily="34" charset="0"/>
+                <a:latin typeface="Montserrat" panose="02000505000000020004" pitchFamily="2" charset="0"/>
               </a:rPr>
               <a:t>Méthodes employées</a:t>
             </a:r>
@@ -5092,7 +5102,7 @@
                     <a:schemeClr val="bg1"/>
                   </a:solidFill>
                 </a:ln>
-                <a:latin typeface="Gill Sans MT" panose="020B0502020104020203" pitchFamily="34" charset="0"/>
+                <a:latin typeface="Montserrat" panose="02000505000000020004" pitchFamily="2" charset="0"/>
               </a:rPr>
               <a:t>Résultats obtenus</a:t>
             </a:r>
@@ -5156,7 +5166,7 @@
                     <a:schemeClr val="bg1"/>
                   </a:solidFill>
                 </a:ln>
-                <a:latin typeface="Gill Sans MT" panose="020B0502020104020203" pitchFamily="34" charset="0"/>
+                <a:latin typeface="Montserrat" panose="02000505000000020004" pitchFamily="2" charset="0"/>
               </a:rPr>
               <a:t>Conclusion et recommandations</a:t>
             </a:r>
@@ -5178,7 +5188,7 @@
         <p:spPr>
           <a:xfrm>
             <a:off x="2687352" y="188054"/>
-            <a:ext cx="16828973" cy="732803"/>
+            <a:ext cx="16828973" cy="1046047"/>
           </a:xfrm>
           <a:prstGeom prst="roundRect">
             <a:avLst>
@@ -5228,8 +5238,8 @@
         </p:nvSpPr>
         <p:spPr>
           <a:xfrm>
-            <a:off x="2687352" y="356937"/>
-            <a:ext cx="16828973" cy="400110"/>
+            <a:off x="2815531" y="279994"/>
+            <a:ext cx="16828973" cy="954107"/>
           </a:xfrm>
           <a:prstGeom prst="rect">
             <a:avLst/>
@@ -5244,13 +5254,13 @@
           <a:p>
             <a:pPr algn="ctr"/>
             <a:r>
-              <a:rPr lang="fr-FR" sz="2000" b="1" dirty="0">
+              <a:rPr lang="fr-FR" sz="2800" b="1" dirty="0">
                 <a:solidFill>
                   <a:schemeClr val="bg1"/>
                 </a:solidFill>
-                <a:latin typeface="Gill Sans MT" panose="020B0502020104020203" pitchFamily="34" charset="0"/>
+                <a:latin typeface="Montserrat" panose="02000505000000020004" pitchFamily="2" charset="0"/>
               </a:rPr>
-              <a:t>MODELISATION DU TAUX DE CONSULTATIONS EN MEDECINE DE VILLE :  APPROCHE PAR MODELES D’ECONOMETRIE SPATIALE </a:t>
+              <a:t>MODELISATION DU TAUX DE CONSULTATIONS EN MEDECINE DE VILLE :  APPROCHE PAR MODELES D’ECONOMETRIE SPATIALE</a:t>
             </a:r>
           </a:p>
         </p:txBody>
@@ -5307,8 +5317,8 @@
         </p:nvSpPr>
         <p:spPr>
           <a:xfrm>
-            <a:off x="6293231" y="11454396"/>
-            <a:ext cx="3523593" cy="1077218"/>
+            <a:off x="6403697" y="11376222"/>
+            <a:ext cx="3523593" cy="1323439"/>
           </a:xfrm>
           <a:prstGeom prst="rect">
             <a:avLst/>
@@ -5326,7 +5336,7 @@
               <a:rPr lang="fr-FR" sz="1600" dirty="0">
                 <a:latin typeface="Gill Sans MT" panose="020B0502020104020203" pitchFamily="34" charset="0"/>
               </a:rPr>
-              <a:t>Les consultations augmentent avec la natalité et les enfants jeunes, mais diminuent dans les familles sans enfants et les zones à forte mortalité.</a:t>
+              <a:t>Les consultations augmentent avec le taux de natalité et la part des familles avec des enfants jeunes, mais évolue en sens inverse de la part des familles sans enfants et du taux de mortalité.</a:t>
             </a:r>
           </a:p>
         </p:txBody>
@@ -5384,7 +5394,7 @@
         <p:spPr>
           <a:xfrm>
             <a:off x="16831733" y="11215139"/>
-            <a:ext cx="3549864" cy="1569660"/>
+            <a:ext cx="3549864" cy="1323439"/>
           </a:xfrm>
           <a:prstGeom prst="rect">
             <a:avLst/>
@@ -5401,18 +5411,3292 @@
               <a:buNone/>
             </a:pPr>
             <a:r>
-              <a:rPr lang="fr-FR" sz="1600" dirty="0">
+              <a:rPr lang="fr-FR" sz="1600" b="0" i="0" dirty="0">
                 <a:solidFill>
-                  <a:srgbClr val="000000"/>
+                  <a:srgbClr val="202124"/>
                 </a:solidFill>
                 <a:effectLst/>
                 <a:latin typeface="Gill Sans MT" panose="020B0502020104020203" pitchFamily="34" charset="0"/>
               </a:rPr>
-              <a:t>Certaines communes concentrent les services et attirent les patients des alentours, tandis que d’autres souffrent d’un accès limité aux soins, renforçant ainsi les inégalités spatiales en matière de santé.</a:t>
+              <a:t>Le diagramme de Moran met en évidence une autocorrélation spatiale positive des taux de consultations, avec des regroupements de communes à taux élevés (High-High) ou faibles (Low-Low).</a:t>
             </a:r>
             <a:endParaRPr lang="fr-FR" sz="1600" dirty="0">
               <a:latin typeface="Gill Sans MT" panose="020B0502020104020203" pitchFamily="34" charset="0"/>
             </a:endParaRPr>
+          </a:p>
+        </p:txBody>
+      </p:sp>
+      <mc:AlternateContent xmlns:mc="http://schemas.openxmlformats.org/markup-compatibility/2006" xmlns:a14="http://schemas.microsoft.com/office/drawing/2010/main">
+        <mc:Choice Requires="a14">
+          <p:sp>
+            <p:nvSpPr>
+              <p:cNvPr id="3" name="ZoneTexte 2">
+                <a:extLst>
+                  <a:ext uri="{FF2B5EF4-FFF2-40B4-BE49-F238E27FC236}">
+                    <a16:creationId xmlns:a16="http://schemas.microsoft.com/office/drawing/2014/main" id="{44883C3E-2A5E-FDD7-6F5D-2DF48E5395A7}"/>
+                  </a:ext>
+                </a:extLst>
+              </p:cNvPr>
+              <p:cNvSpPr txBox="1"/>
+              <p:nvPr/>
+            </p:nvSpPr>
+            <p:spPr>
+              <a:xfrm>
+                <a:off x="378815" y="14787704"/>
+                <a:ext cx="5685754" cy="1001364"/>
+              </a:xfrm>
+              <a:prstGeom prst="rect">
+                <a:avLst/>
+              </a:prstGeom>
+              <a:noFill/>
+              <a:ln w="28575">
+                <a:solidFill>
+                  <a:srgbClr val="002060"/>
+                </a:solidFill>
+              </a:ln>
+            </p:spPr>
+            <p:txBody>
+              <a:bodyPr wrap="square" rtlCol="0">
+                <a:spAutoFit/>
+              </a:bodyPr>
+              <a:lstStyle>
+                <a:defPPr>
+                  <a:defRPr lang="en-US"/>
+                </a:defPPr>
+                <a:lvl1pPr marL="285750" indent="-285750" algn="just">
+                  <a:buFont typeface="Arial" panose="020B0604020202020204" pitchFamily="34" charset="0"/>
+                  <a:buChar char="•"/>
+                  <a:defRPr sz="1400">
+                    <a:latin typeface="Gill Sans MT" panose="020B0502020104020203" pitchFamily="34" charset="0"/>
+                  </a:defRPr>
+                </a:lvl1pPr>
+              </a:lstStyle>
+              <a:p>
+                <a:pPr marL="0" indent="0" algn="ctr">
+                  <a:buNone/>
+                </a:pPr>
+                <a:r>
+                  <a:rPr lang="fr-FR" b="1" dirty="0"/>
+                  <a:t>Distance de </a:t>
+                </a:r>
+                <a:r>
+                  <a:rPr lang="fr-FR" b="1" dirty="0" err="1"/>
+                  <a:t>Haversine</a:t>
+                </a:r>
+                <a:endParaRPr lang="fr-FR" b="1" dirty="0"/>
+              </a:p>
+              <a:p>
+                <a:pPr marL="0" indent="0">
+                  <a:buNone/>
+                </a:pPr>
+                <a14:m>
+                  <m:oMathPara xmlns:m="http://schemas.openxmlformats.org/officeDocument/2006/math">
+                    <m:oMathParaPr>
+                      <m:jc m:val="centerGroup"/>
+                    </m:oMathParaPr>
+                    <m:oMath xmlns:m="http://schemas.openxmlformats.org/officeDocument/2006/math">
+                      <m:sSub>
+                        <m:sSubPr>
+                          <m:ctrlPr>
+                            <a:rPr lang="fr-FR" i="1">
+                              <a:latin typeface="Cambria Math" panose="02040503050406030204" pitchFamily="18" charset="0"/>
+                            </a:rPr>
+                          </m:ctrlPr>
+                        </m:sSubPr>
+                        <m:e>
+                          <m:r>
+                            <a:rPr lang="fr-FR">
+                              <a:latin typeface="Cambria Math" panose="02040503050406030204" pitchFamily="18" charset="0"/>
+                            </a:rPr>
+                            <m:t>𝑑</m:t>
+                          </m:r>
+                        </m:e>
+                        <m:sub>
+                          <m:r>
+                            <a:rPr lang="fr-FR">
+                              <a:latin typeface="Cambria Math" panose="02040503050406030204" pitchFamily="18" charset="0"/>
+                            </a:rPr>
+                            <m:t>𝑖𝑗</m:t>
+                          </m:r>
+                        </m:sub>
+                      </m:sSub>
+                      <m:r>
+                        <a:rPr lang="fr-FR">
+                          <a:latin typeface="Cambria Math" panose="02040503050406030204" pitchFamily="18" charset="0"/>
+                        </a:rPr>
+                        <m:t>=2∙</m:t>
+                      </m:r>
+                      <m:r>
+                        <a:rPr lang="fr-FR">
+                          <a:latin typeface="Cambria Math" panose="02040503050406030204" pitchFamily="18" charset="0"/>
+                        </a:rPr>
+                        <m:t>𝑟</m:t>
+                      </m:r>
+                      <m:r>
+                        <a:rPr lang="fr-FR">
+                          <a:latin typeface="Cambria Math" panose="02040503050406030204" pitchFamily="18" charset="0"/>
+                        </a:rPr>
+                        <m:t>∙</m:t>
+                      </m:r>
+                      <m:r>
+                        <a:rPr lang="fr-FR">
+                          <a:latin typeface="Cambria Math" panose="02040503050406030204" pitchFamily="18" charset="0"/>
+                        </a:rPr>
+                        <m:t>𝑎𝑟𝑐𝑠𝑖𝑛</m:t>
+                      </m:r>
+                      <m:d>
+                        <m:dPr>
+                          <m:ctrlPr>
+                            <a:rPr lang="fr-FR" i="1">
+                              <a:latin typeface="Cambria Math" panose="02040503050406030204" pitchFamily="18" charset="0"/>
+                            </a:rPr>
+                          </m:ctrlPr>
+                        </m:dPr>
+                        <m:e>
+                          <m:rad>
+                            <m:radPr>
+                              <m:degHide m:val="on"/>
+                              <m:ctrlPr>
+                                <a:rPr lang="fr-FR" i="1">
+                                  <a:latin typeface="Cambria Math" panose="02040503050406030204" pitchFamily="18" charset="0"/>
+                                </a:rPr>
+                              </m:ctrlPr>
+                            </m:radPr>
+                            <m:deg/>
+                            <m:e>
+                              <m:sSup>
+                                <m:sSupPr>
+                                  <m:ctrlPr>
+                                    <a:rPr lang="fr-FR" i="1">
+                                      <a:latin typeface="Cambria Math" panose="02040503050406030204" pitchFamily="18" charset="0"/>
+                                    </a:rPr>
+                                  </m:ctrlPr>
+                                </m:sSupPr>
+                                <m:e>
+                                  <m:r>
+                                    <a:rPr lang="fr-FR">
+                                      <a:latin typeface="Cambria Math" panose="02040503050406030204" pitchFamily="18" charset="0"/>
+                                    </a:rPr>
+                                    <m:t>𝑠𝑖𝑛</m:t>
+                                  </m:r>
+                                </m:e>
+                                <m:sup>
+                                  <m:r>
+                                    <a:rPr lang="fr-FR">
+                                      <a:latin typeface="Cambria Math" panose="02040503050406030204" pitchFamily="18" charset="0"/>
+                                    </a:rPr>
+                                    <m:t>2</m:t>
+                                  </m:r>
+                                </m:sup>
+                              </m:sSup>
+                              <m:d>
+                                <m:dPr>
+                                  <m:ctrlPr>
+                                    <a:rPr lang="fr-FR" i="1">
+                                      <a:latin typeface="Cambria Math" panose="02040503050406030204" pitchFamily="18" charset="0"/>
+                                    </a:rPr>
+                                  </m:ctrlPr>
+                                </m:dPr>
+                                <m:e>
+                                  <m:f>
+                                    <m:fPr>
+                                      <m:ctrlPr>
+                                        <a:rPr lang="fr-FR" i="1">
+                                          <a:latin typeface="Cambria Math" panose="02040503050406030204" pitchFamily="18" charset="0"/>
+                                        </a:rPr>
+                                      </m:ctrlPr>
+                                    </m:fPr>
+                                    <m:num>
+                                      <m:sSub>
+                                        <m:sSubPr>
+                                          <m:ctrlPr>
+                                            <a:rPr lang="fr-FR" i="1">
+                                              <a:latin typeface="Cambria Math" panose="02040503050406030204" pitchFamily="18" charset="0"/>
+                                            </a:rPr>
+                                          </m:ctrlPr>
+                                        </m:sSubPr>
+                                        <m:e>
+                                          <m:r>
+                                            <a:rPr lang="fr-FR">
+                                              <a:latin typeface="Cambria Math" panose="02040503050406030204" pitchFamily="18" charset="0"/>
+                                            </a:rPr>
+                                            <m:t>𝜑</m:t>
+                                          </m:r>
+                                        </m:e>
+                                        <m:sub>
+                                          <m:r>
+                                            <a:rPr lang="fr-FR">
+                                              <a:latin typeface="Cambria Math" panose="02040503050406030204" pitchFamily="18" charset="0"/>
+                                            </a:rPr>
+                                            <m:t>𝑗</m:t>
+                                          </m:r>
+                                        </m:sub>
+                                      </m:sSub>
+                                      <m:r>
+                                        <a:rPr lang="fr-FR">
+                                          <a:latin typeface="Cambria Math" panose="02040503050406030204" pitchFamily="18" charset="0"/>
+                                        </a:rPr>
+                                        <m:t>−</m:t>
+                                      </m:r>
+                                      <m:sSub>
+                                        <m:sSubPr>
+                                          <m:ctrlPr>
+                                            <a:rPr lang="fr-FR" i="1">
+                                              <a:latin typeface="Cambria Math" panose="02040503050406030204" pitchFamily="18" charset="0"/>
+                                            </a:rPr>
+                                          </m:ctrlPr>
+                                        </m:sSubPr>
+                                        <m:e>
+                                          <m:r>
+                                            <a:rPr lang="fr-FR">
+                                              <a:latin typeface="Cambria Math" panose="02040503050406030204" pitchFamily="18" charset="0"/>
+                                            </a:rPr>
+                                            <m:t>𝜑</m:t>
+                                          </m:r>
+                                        </m:e>
+                                        <m:sub>
+                                          <m:r>
+                                            <a:rPr lang="fr-FR">
+                                              <a:latin typeface="Cambria Math" panose="02040503050406030204" pitchFamily="18" charset="0"/>
+                                            </a:rPr>
+                                            <m:t>𝑖</m:t>
+                                          </m:r>
+                                        </m:sub>
+                                      </m:sSub>
+                                    </m:num>
+                                    <m:den>
+                                      <m:r>
+                                        <a:rPr lang="fr-FR">
+                                          <a:latin typeface="Cambria Math" panose="02040503050406030204" pitchFamily="18" charset="0"/>
+                                        </a:rPr>
+                                        <m:t>2</m:t>
+                                      </m:r>
+                                    </m:den>
+                                  </m:f>
+                                </m:e>
+                              </m:d>
+                              <m:r>
+                                <a:rPr lang="fr-FR">
+                                  <a:latin typeface="Cambria Math" panose="02040503050406030204" pitchFamily="18" charset="0"/>
+                                </a:rPr>
+                                <m:t>+</m:t>
+                              </m:r>
+                              <m:r>
+                                <a:rPr lang="fr-FR">
+                                  <a:latin typeface="Cambria Math" panose="02040503050406030204" pitchFamily="18" charset="0"/>
+                                </a:rPr>
+                                <m:t>𝑐𝑜𝑠</m:t>
+                              </m:r>
+                              <m:d>
+                                <m:dPr>
+                                  <m:ctrlPr>
+                                    <a:rPr lang="fr-FR" i="1">
+                                      <a:latin typeface="Cambria Math" panose="02040503050406030204" pitchFamily="18" charset="0"/>
+                                    </a:rPr>
+                                  </m:ctrlPr>
+                                </m:dPr>
+                                <m:e>
+                                  <m:sSub>
+                                    <m:sSubPr>
+                                      <m:ctrlPr>
+                                        <a:rPr lang="fr-FR" i="1">
+                                          <a:latin typeface="Cambria Math" panose="02040503050406030204" pitchFamily="18" charset="0"/>
+                                        </a:rPr>
+                                      </m:ctrlPr>
+                                    </m:sSubPr>
+                                    <m:e>
+                                      <m:r>
+                                        <a:rPr lang="fr-FR">
+                                          <a:latin typeface="Cambria Math" panose="02040503050406030204" pitchFamily="18" charset="0"/>
+                                        </a:rPr>
+                                        <m:t>𝜑</m:t>
+                                      </m:r>
+                                    </m:e>
+                                    <m:sub>
+                                      <m:r>
+                                        <a:rPr lang="fr-FR">
+                                          <a:latin typeface="Cambria Math" panose="02040503050406030204" pitchFamily="18" charset="0"/>
+                                        </a:rPr>
+                                        <m:t>𝑖</m:t>
+                                      </m:r>
+                                    </m:sub>
+                                  </m:sSub>
+                                </m:e>
+                              </m:d>
+                              <m:r>
+                                <a:rPr lang="fr-FR">
+                                  <a:latin typeface="Cambria Math" panose="02040503050406030204" pitchFamily="18" charset="0"/>
+                                </a:rPr>
+                                <m:t>𝑐𝑜𝑠</m:t>
+                              </m:r>
+                              <m:d>
+                                <m:dPr>
+                                  <m:ctrlPr>
+                                    <a:rPr lang="fr-FR" i="1">
+                                      <a:latin typeface="Cambria Math" panose="02040503050406030204" pitchFamily="18" charset="0"/>
+                                    </a:rPr>
+                                  </m:ctrlPr>
+                                </m:dPr>
+                                <m:e>
+                                  <m:sSub>
+                                    <m:sSubPr>
+                                      <m:ctrlPr>
+                                        <a:rPr lang="fr-FR" i="1">
+                                          <a:latin typeface="Cambria Math" panose="02040503050406030204" pitchFamily="18" charset="0"/>
+                                        </a:rPr>
+                                      </m:ctrlPr>
+                                    </m:sSubPr>
+                                    <m:e>
+                                      <m:r>
+                                        <a:rPr lang="fr-FR">
+                                          <a:latin typeface="Cambria Math" panose="02040503050406030204" pitchFamily="18" charset="0"/>
+                                        </a:rPr>
+                                        <m:t>𝜑</m:t>
+                                      </m:r>
+                                    </m:e>
+                                    <m:sub>
+                                      <m:r>
+                                        <a:rPr lang="fr-FR">
+                                          <a:latin typeface="Cambria Math" panose="02040503050406030204" pitchFamily="18" charset="0"/>
+                                        </a:rPr>
+                                        <m:t>𝑗</m:t>
+                                      </m:r>
+                                    </m:sub>
+                                  </m:sSub>
+                                </m:e>
+                              </m:d>
+                              <m:sSup>
+                                <m:sSupPr>
+                                  <m:ctrlPr>
+                                    <a:rPr lang="fr-FR" i="1">
+                                      <a:latin typeface="Cambria Math" panose="02040503050406030204" pitchFamily="18" charset="0"/>
+                                    </a:rPr>
+                                  </m:ctrlPr>
+                                </m:sSupPr>
+                                <m:e>
+                                  <m:r>
+                                    <a:rPr lang="fr-FR">
+                                      <a:latin typeface="Cambria Math" panose="02040503050406030204" pitchFamily="18" charset="0"/>
+                                    </a:rPr>
+                                    <m:t>𝑠𝑖𝑛</m:t>
+                                  </m:r>
+                                </m:e>
+                                <m:sup>
+                                  <m:r>
+                                    <a:rPr lang="fr-FR">
+                                      <a:latin typeface="Cambria Math" panose="02040503050406030204" pitchFamily="18" charset="0"/>
+                                    </a:rPr>
+                                    <m:t>2</m:t>
+                                  </m:r>
+                                </m:sup>
+                              </m:sSup>
+                              <m:d>
+                                <m:dPr>
+                                  <m:ctrlPr>
+                                    <a:rPr lang="fr-FR" i="1">
+                                      <a:latin typeface="Cambria Math" panose="02040503050406030204" pitchFamily="18" charset="0"/>
+                                    </a:rPr>
+                                  </m:ctrlPr>
+                                </m:dPr>
+                                <m:e>
+                                  <m:f>
+                                    <m:fPr>
+                                      <m:ctrlPr>
+                                        <a:rPr lang="fr-FR" i="1">
+                                          <a:latin typeface="Cambria Math" panose="02040503050406030204" pitchFamily="18" charset="0"/>
+                                        </a:rPr>
+                                      </m:ctrlPr>
+                                    </m:fPr>
+                                    <m:num>
+                                      <m:sSub>
+                                        <m:sSubPr>
+                                          <m:ctrlPr>
+                                            <a:rPr lang="fr-FR" i="1">
+                                              <a:latin typeface="Cambria Math" panose="02040503050406030204" pitchFamily="18" charset="0"/>
+                                            </a:rPr>
+                                          </m:ctrlPr>
+                                        </m:sSubPr>
+                                        <m:e>
+                                          <m:r>
+                                            <a:rPr lang="fr-FR">
+                                              <a:latin typeface="Cambria Math" panose="02040503050406030204" pitchFamily="18" charset="0"/>
+                                            </a:rPr>
+                                            <m:t>𝜆</m:t>
+                                          </m:r>
+                                        </m:e>
+                                        <m:sub>
+                                          <m:r>
+                                            <a:rPr lang="fr-FR">
+                                              <a:latin typeface="Cambria Math" panose="02040503050406030204" pitchFamily="18" charset="0"/>
+                                            </a:rPr>
+                                            <m:t>𝑗</m:t>
+                                          </m:r>
+                                        </m:sub>
+                                      </m:sSub>
+                                      <m:r>
+                                        <a:rPr lang="fr-FR">
+                                          <a:latin typeface="Cambria Math" panose="02040503050406030204" pitchFamily="18" charset="0"/>
+                                        </a:rPr>
+                                        <m:t>−</m:t>
+                                      </m:r>
+                                      <m:sSub>
+                                        <m:sSubPr>
+                                          <m:ctrlPr>
+                                            <a:rPr lang="fr-FR" i="1">
+                                              <a:latin typeface="Cambria Math" panose="02040503050406030204" pitchFamily="18" charset="0"/>
+                                            </a:rPr>
+                                          </m:ctrlPr>
+                                        </m:sSubPr>
+                                        <m:e>
+                                          <m:r>
+                                            <a:rPr lang="fr-FR">
+                                              <a:latin typeface="Cambria Math" panose="02040503050406030204" pitchFamily="18" charset="0"/>
+                                            </a:rPr>
+                                            <m:t>𝜆</m:t>
+                                          </m:r>
+                                        </m:e>
+                                        <m:sub>
+                                          <m:r>
+                                            <a:rPr lang="fr-FR">
+                                              <a:latin typeface="Cambria Math" panose="02040503050406030204" pitchFamily="18" charset="0"/>
+                                            </a:rPr>
+                                            <m:t>𝑖</m:t>
+                                          </m:r>
+                                        </m:sub>
+                                      </m:sSub>
+                                    </m:num>
+                                    <m:den>
+                                      <m:r>
+                                        <a:rPr lang="fr-FR">
+                                          <a:latin typeface="Cambria Math" panose="02040503050406030204" pitchFamily="18" charset="0"/>
+                                        </a:rPr>
+                                        <m:t>2</m:t>
+                                      </m:r>
+                                    </m:den>
+                                  </m:f>
+                                </m:e>
+                              </m:d>
+                            </m:e>
+                          </m:rad>
+                        </m:e>
+                      </m:d>
+                    </m:oMath>
+                  </m:oMathPara>
+                </a14:m>
+                <a:endParaRPr lang="fr-FR" dirty="0"/>
+              </a:p>
+            </p:txBody>
+          </p:sp>
+        </mc:Choice>
+        <mc:Fallback xmlns="">
+          <p:sp>
+            <p:nvSpPr>
+              <p:cNvPr id="3" name="ZoneTexte 2">
+                <a:extLst>
+                  <a:ext uri="{FF2B5EF4-FFF2-40B4-BE49-F238E27FC236}">
+                    <a16:creationId xmlns:a16="http://schemas.microsoft.com/office/drawing/2014/main" id="{44883C3E-2A5E-FDD7-6F5D-2DF48E5395A7}"/>
+                  </a:ext>
+                </a:extLst>
+              </p:cNvPr>
+              <p:cNvSpPr txBox="1">
+                <a:spLocks noRot="1" noChangeAspect="1" noMove="1" noResize="1" noEditPoints="1" noAdjustHandles="1" noChangeArrowheads="1" noChangeShapeType="1" noTextEdit="1"/>
+              </p:cNvSpPr>
+              <p:nvPr/>
+            </p:nvSpPr>
+            <p:spPr>
+              <a:xfrm>
+                <a:off x="378815" y="14787704"/>
+                <a:ext cx="5685754" cy="1001364"/>
+              </a:xfrm>
+              <a:prstGeom prst="rect">
+                <a:avLst/>
+              </a:prstGeom>
+              <a:blipFill>
+                <a:blip r:embed="rId13"/>
+                <a:stretch>
+                  <a:fillRect/>
+                </a:stretch>
+              </a:blipFill>
+              <a:ln w="28575">
+                <a:solidFill>
+                  <a:srgbClr val="002060"/>
+                </a:solidFill>
+              </a:ln>
+            </p:spPr>
+            <p:txBody>
+              <a:bodyPr/>
+              <a:lstStyle/>
+              <a:p>
+                <a:r>
+                  <a:rPr lang="fr-FR">
+                    <a:noFill/>
+                  </a:rPr>
+                  <a:t> </a:t>
+                </a:r>
+              </a:p>
+            </p:txBody>
+          </p:sp>
+        </mc:Fallback>
+      </mc:AlternateContent>
+      <mc:AlternateContent xmlns:mc="http://schemas.openxmlformats.org/markup-compatibility/2006" xmlns:a14="http://schemas.microsoft.com/office/drawing/2010/main">
+        <mc:Choice Requires="a14">
+          <p:sp>
+            <p:nvSpPr>
+              <p:cNvPr id="15" name="ZoneTexte 14">
+                <a:extLst>
+                  <a:ext uri="{FF2B5EF4-FFF2-40B4-BE49-F238E27FC236}">
+                    <a16:creationId xmlns:a16="http://schemas.microsoft.com/office/drawing/2014/main" id="{C3B1FC5B-052E-6DDE-9DB3-DC96022BC6A3}"/>
+                  </a:ext>
+                </a:extLst>
+              </p:cNvPr>
+              <p:cNvSpPr txBox="1"/>
+              <p:nvPr/>
+            </p:nvSpPr>
+            <p:spPr>
+              <a:xfrm>
+                <a:off x="6202024" y="14869169"/>
+                <a:ext cx="4053566" cy="838435"/>
+              </a:xfrm>
+              <a:prstGeom prst="rect">
+                <a:avLst/>
+              </a:prstGeom>
+              <a:noFill/>
+              <a:ln w="28575">
+                <a:solidFill>
+                  <a:srgbClr val="002060"/>
+                </a:solidFill>
+              </a:ln>
+            </p:spPr>
+            <p:txBody>
+              <a:bodyPr wrap="square" rtlCol="0">
+                <a:spAutoFit/>
+              </a:bodyPr>
+              <a:lstStyle/>
+              <a:p>
+                <a:pPr algn="ctr"/>
+                <a:r>
+                  <a:rPr lang="fr-FR" sz="1400" b="1" dirty="0">
+                    <a:latin typeface="Gill Sans MT" panose="020B0502020104020203" pitchFamily="34" charset="0"/>
+                  </a:rPr>
+                  <a:t>Indice de Moran</a:t>
+                </a:r>
+              </a:p>
+              <a:p>
+                <a:pPr algn="ctr"/>
+                <a14:m>
+                  <m:oMathPara xmlns:m="http://schemas.openxmlformats.org/officeDocument/2006/math">
+                    <m:oMathParaPr>
+                      <m:jc m:val="centerGroup"/>
+                    </m:oMathParaPr>
+                    <m:oMath xmlns:m="http://schemas.openxmlformats.org/officeDocument/2006/math">
+                      <m:r>
+                        <a:rPr lang="fr-FR" sz="1400" b="0" i="1" smtClean="0">
+                          <a:latin typeface="Cambria Math" panose="02040503050406030204" pitchFamily="18" charset="0"/>
+                        </a:rPr>
+                        <m:t>𝐼</m:t>
+                      </m:r>
+                      <m:r>
+                        <a:rPr lang="fr-FR" sz="1400" b="0" i="1" smtClean="0">
+                          <a:latin typeface="Cambria Math" panose="02040503050406030204" pitchFamily="18" charset="0"/>
+                        </a:rPr>
+                        <m:t>=</m:t>
+                      </m:r>
+                      <m:f>
+                        <m:fPr>
+                          <m:ctrlPr>
+                            <a:rPr lang="fr-FR" sz="1400" b="0" i="1" smtClean="0">
+                              <a:latin typeface="Cambria Math" panose="02040503050406030204" pitchFamily="18" charset="0"/>
+                            </a:rPr>
+                          </m:ctrlPr>
+                        </m:fPr>
+                        <m:num>
+                          <m:r>
+                            <a:rPr lang="fr-FR" sz="1400" b="0" i="1" smtClean="0">
+                              <a:latin typeface="Cambria Math" panose="02040503050406030204" pitchFamily="18" charset="0"/>
+                            </a:rPr>
+                            <m:t>𝑁</m:t>
+                          </m:r>
+                        </m:num>
+                        <m:den>
+                          <m:nary>
+                            <m:naryPr>
+                              <m:chr m:val="∑"/>
+                              <m:limLoc m:val="subSup"/>
+                              <m:supHide m:val="on"/>
+                              <m:ctrlPr>
+                                <a:rPr lang="fr-FR" sz="1400" b="0" i="1" smtClean="0">
+                                  <a:latin typeface="Cambria Math" panose="02040503050406030204" pitchFamily="18" charset="0"/>
+                                </a:rPr>
+                              </m:ctrlPr>
+                            </m:naryPr>
+                            <m:sub>
+                              <m:r>
+                                <m:rPr>
+                                  <m:brk m:alnAt="9"/>
+                                </m:rPr>
+                                <a:rPr lang="fr-FR" sz="1400" b="0" i="1" smtClean="0">
+                                  <a:latin typeface="Cambria Math" panose="02040503050406030204" pitchFamily="18" charset="0"/>
+                                </a:rPr>
+                                <m:t>𝑖</m:t>
+                              </m:r>
+                            </m:sub>
+                            <m:sup/>
+                            <m:e>
+                              <m:nary>
+                                <m:naryPr>
+                                  <m:chr m:val="∑"/>
+                                  <m:limLoc m:val="subSup"/>
+                                  <m:supHide m:val="on"/>
+                                  <m:ctrlPr>
+                                    <a:rPr lang="fr-FR" sz="1400" b="0" i="1" smtClean="0">
+                                      <a:latin typeface="Cambria Math" panose="02040503050406030204" pitchFamily="18" charset="0"/>
+                                    </a:rPr>
+                                  </m:ctrlPr>
+                                </m:naryPr>
+                                <m:sub>
+                                  <m:r>
+                                    <m:rPr>
+                                      <m:brk m:alnAt="9"/>
+                                    </m:rPr>
+                                    <a:rPr lang="fr-FR" sz="1400" b="0" i="1" smtClean="0">
+                                      <a:latin typeface="Cambria Math" panose="02040503050406030204" pitchFamily="18" charset="0"/>
+                                    </a:rPr>
+                                    <m:t>𝑗</m:t>
+                                  </m:r>
+                                </m:sub>
+                                <m:sup/>
+                                <m:e>
+                                  <m:sSub>
+                                    <m:sSubPr>
+                                      <m:ctrlPr>
+                                        <a:rPr lang="fr-FR" sz="1400" b="0" i="1" smtClean="0">
+                                          <a:latin typeface="Cambria Math" panose="02040503050406030204" pitchFamily="18" charset="0"/>
+                                        </a:rPr>
+                                      </m:ctrlPr>
+                                    </m:sSubPr>
+                                    <m:e>
+                                      <m:r>
+                                        <a:rPr lang="fr-FR" sz="1400" b="0" i="1" smtClean="0">
+                                          <a:latin typeface="Cambria Math" panose="02040503050406030204" pitchFamily="18" charset="0"/>
+                                        </a:rPr>
+                                        <m:t>𝑊</m:t>
+                                      </m:r>
+                                    </m:e>
+                                    <m:sub>
+                                      <m:r>
+                                        <a:rPr lang="fr-FR" sz="1400" b="0" i="1" smtClean="0">
+                                          <a:latin typeface="Cambria Math" panose="02040503050406030204" pitchFamily="18" charset="0"/>
+                                        </a:rPr>
+                                        <m:t>𝑖𝑗</m:t>
+                                      </m:r>
+                                    </m:sub>
+                                  </m:sSub>
+                                </m:e>
+                              </m:nary>
+                            </m:e>
+                          </m:nary>
+                        </m:den>
+                      </m:f>
+                      <m:r>
+                        <a:rPr lang="fr-FR" sz="1400" b="0" i="1" smtClean="0">
+                          <a:latin typeface="Cambria Math" panose="02040503050406030204" pitchFamily="18" charset="0"/>
+                          <a:ea typeface="Cambria Math" panose="02040503050406030204" pitchFamily="18" charset="0"/>
+                        </a:rPr>
+                        <m:t>∙</m:t>
+                      </m:r>
+                      <m:f>
+                        <m:fPr>
+                          <m:ctrlPr>
+                            <a:rPr lang="fr-FR" sz="1400" b="0" i="1" smtClean="0">
+                              <a:latin typeface="Cambria Math" panose="02040503050406030204" pitchFamily="18" charset="0"/>
+                              <a:ea typeface="Cambria Math" panose="02040503050406030204" pitchFamily="18" charset="0"/>
+                            </a:rPr>
+                          </m:ctrlPr>
+                        </m:fPr>
+                        <m:num>
+                          <m:nary>
+                            <m:naryPr>
+                              <m:chr m:val="∑"/>
+                              <m:limLoc m:val="subSup"/>
+                              <m:supHide m:val="on"/>
+                              <m:ctrlPr>
+                                <a:rPr lang="fr-FR" sz="1400" i="1">
+                                  <a:latin typeface="Cambria Math" panose="02040503050406030204" pitchFamily="18" charset="0"/>
+                                </a:rPr>
+                              </m:ctrlPr>
+                            </m:naryPr>
+                            <m:sub>
+                              <m:r>
+                                <m:rPr>
+                                  <m:brk m:alnAt="9"/>
+                                </m:rPr>
+                                <a:rPr lang="fr-FR" sz="1400" i="1">
+                                  <a:latin typeface="Cambria Math" panose="02040503050406030204" pitchFamily="18" charset="0"/>
+                                </a:rPr>
+                                <m:t>𝑖</m:t>
+                              </m:r>
+                            </m:sub>
+                            <m:sup/>
+                            <m:e>
+                              <m:nary>
+                                <m:naryPr>
+                                  <m:chr m:val="∑"/>
+                                  <m:limLoc m:val="subSup"/>
+                                  <m:supHide m:val="on"/>
+                                  <m:ctrlPr>
+                                    <a:rPr lang="fr-FR" sz="1400" i="1">
+                                      <a:latin typeface="Cambria Math" panose="02040503050406030204" pitchFamily="18" charset="0"/>
+                                    </a:rPr>
+                                  </m:ctrlPr>
+                                </m:naryPr>
+                                <m:sub>
+                                  <m:r>
+                                    <m:rPr>
+                                      <m:brk m:alnAt="9"/>
+                                    </m:rPr>
+                                    <a:rPr lang="fr-FR" sz="1400" i="1">
+                                      <a:latin typeface="Cambria Math" panose="02040503050406030204" pitchFamily="18" charset="0"/>
+                                    </a:rPr>
+                                    <m:t>𝑗</m:t>
+                                  </m:r>
+                                </m:sub>
+                                <m:sup/>
+                                <m:e>
+                                  <m:sSub>
+                                    <m:sSubPr>
+                                      <m:ctrlPr>
+                                        <a:rPr lang="fr-FR" sz="1400" i="1">
+                                          <a:latin typeface="Cambria Math" panose="02040503050406030204" pitchFamily="18" charset="0"/>
+                                        </a:rPr>
+                                      </m:ctrlPr>
+                                    </m:sSubPr>
+                                    <m:e>
+                                      <m:r>
+                                        <a:rPr lang="fr-FR" sz="1400" i="1">
+                                          <a:latin typeface="Cambria Math" panose="02040503050406030204" pitchFamily="18" charset="0"/>
+                                        </a:rPr>
+                                        <m:t>𝑊</m:t>
+                                      </m:r>
+                                    </m:e>
+                                    <m:sub>
+                                      <m:r>
+                                        <a:rPr lang="fr-FR" sz="1400" i="1">
+                                          <a:latin typeface="Cambria Math" panose="02040503050406030204" pitchFamily="18" charset="0"/>
+                                        </a:rPr>
+                                        <m:t>𝑖𝑗</m:t>
+                                      </m:r>
+                                    </m:sub>
+                                  </m:sSub>
+                                </m:e>
+                              </m:nary>
+                            </m:e>
+                          </m:nary>
+                          <m:d>
+                            <m:dPr>
+                              <m:ctrlPr>
+                                <a:rPr lang="fr-FR" sz="1400" i="1" smtClean="0">
+                                  <a:latin typeface="Cambria Math" panose="02040503050406030204" pitchFamily="18" charset="0"/>
+                                </a:rPr>
+                              </m:ctrlPr>
+                            </m:dPr>
+                            <m:e>
+                              <m:sSub>
+                                <m:sSubPr>
+                                  <m:ctrlPr>
+                                    <a:rPr lang="fr-FR" sz="1400" i="1" smtClean="0">
+                                      <a:latin typeface="Cambria Math" panose="02040503050406030204" pitchFamily="18" charset="0"/>
+                                    </a:rPr>
+                                  </m:ctrlPr>
+                                </m:sSubPr>
+                                <m:e>
+                                  <m:r>
+                                    <a:rPr lang="fr-FR" sz="1400" b="0" i="1" smtClean="0">
+                                      <a:latin typeface="Cambria Math" panose="02040503050406030204" pitchFamily="18" charset="0"/>
+                                    </a:rPr>
+                                    <m:t>𝑦</m:t>
+                                  </m:r>
+                                </m:e>
+                                <m:sub>
+                                  <m:r>
+                                    <a:rPr lang="fr-FR" sz="1400" b="0" i="1" smtClean="0">
+                                      <a:latin typeface="Cambria Math" panose="02040503050406030204" pitchFamily="18" charset="0"/>
+                                    </a:rPr>
+                                    <m:t>𝑖</m:t>
+                                  </m:r>
+                                </m:sub>
+                              </m:sSub>
+                              <m:r>
+                                <a:rPr lang="fr-FR" sz="1400" b="0" i="1" smtClean="0">
+                                  <a:latin typeface="Cambria Math" panose="02040503050406030204" pitchFamily="18" charset="0"/>
+                                </a:rPr>
+                                <m:t>−</m:t>
+                              </m:r>
+                              <m:acc>
+                                <m:accPr>
+                                  <m:chr m:val="̅"/>
+                                  <m:ctrlPr>
+                                    <a:rPr lang="fr-FR" sz="1400" b="0" i="1" smtClean="0">
+                                      <a:latin typeface="Cambria Math" panose="02040503050406030204" pitchFamily="18" charset="0"/>
+                                    </a:rPr>
+                                  </m:ctrlPr>
+                                </m:accPr>
+                                <m:e>
+                                  <m:r>
+                                    <a:rPr lang="fr-FR" sz="1400" b="0" i="1" smtClean="0">
+                                      <a:latin typeface="Cambria Math" panose="02040503050406030204" pitchFamily="18" charset="0"/>
+                                    </a:rPr>
+                                    <m:t>𝑦</m:t>
+                                  </m:r>
+                                </m:e>
+                              </m:acc>
+                            </m:e>
+                          </m:d>
+                          <m:d>
+                            <m:dPr>
+                              <m:ctrlPr>
+                                <a:rPr lang="fr-FR" sz="1400" i="1">
+                                  <a:latin typeface="Cambria Math" panose="02040503050406030204" pitchFamily="18" charset="0"/>
+                                </a:rPr>
+                              </m:ctrlPr>
+                            </m:dPr>
+                            <m:e>
+                              <m:sSub>
+                                <m:sSubPr>
+                                  <m:ctrlPr>
+                                    <a:rPr lang="fr-FR" sz="1400" i="1">
+                                      <a:latin typeface="Cambria Math" panose="02040503050406030204" pitchFamily="18" charset="0"/>
+                                    </a:rPr>
+                                  </m:ctrlPr>
+                                </m:sSubPr>
+                                <m:e>
+                                  <m:r>
+                                    <a:rPr lang="fr-FR" sz="1400" i="1">
+                                      <a:latin typeface="Cambria Math" panose="02040503050406030204" pitchFamily="18" charset="0"/>
+                                    </a:rPr>
+                                    <m:t>𝑦</m:t>
+                                  </m:r>
+                                </m:e>
+                                <m:sub>
+                                  <m:r>
+                                    <a:rPr lang="fr-FR" sz="1400" b="0" i="1" smtClean="0">
+                                      <a:latin typeface="Cambria Math" panose="02040503050406030204" pitchFamily="18" charset="0"/>
+                                    </a:rPr>
+                                    <m:t>𝑗</m:t>
+                                  </m:r>
+                                </m:sub>
+                              </m:sSub>
+                              <m:r>
+                                <a:rPr lang="fr-FR" sz="1400" i="1">
+                                  <a:latin typeface="Cambria Math" panose="02040503050406030204" pitchFamily="18" charset="0"/>
+                                </a:rPr>
+                                <m:t>−</m:t>
+                              </m:r>
+                              <m:acc>
+                                <m:accPr>
+                                  <m:chr m:val="̅"/>
+                                  <m:ctrlPr>
+                                    <a:rPr lang="fr-FR" sz="1400" i="1">
+                                      <a:latin typeface="Cambria Math" panose="02040503050406030204" pitchFamily="18" charset="0"/>
+                                    </a:rPr>
+                                  </m:ctrlPr>
+                                </m:accPr>
+                                <m:e>
+                                  <m:r>
+                                    <a:rPr lang="fr-FR" sz="1400" i="1">
+                                      <a:latin typeface="Cambria Math" panose="02040503050406030204" pitchFamily="18" charset="0"/>
+                                    </a:rPr>
+                                    <m:t>𝑦</m:t>
+                                  </m:r>
+                                </m:e>
+                              </m:acc>
+                            </m:e>
+                          </m:d>
+                        </m:num>
+                        <m:den>
+                          <m:nary>
+                            <m:naryPr>
+                              <m:chr m:val="∑"/>
+                              <m:limLoc m:val="subSup"/>
+                              <m:supHide m:val="on"/>
+                              <m:ctrlPr>
+                                <a:rPr lang="fr-FR" sz="1400" b="0" i="1" smtClean="0">
+                                  <a:latin typeface="Cambria Math" panose="02040503050406030204" pitchFamily="18" charset="0"/>
+                                  <a:ea typeface="Cambria Math" panose="02040503050406030204" pitchFamily="18" charset="0"/>
+                                </a:rPr>
+                              </m:ctrlPr>
+                            </m:naryPr>
+                            <m:sub>
+                              <m:r>
+                                <m:rPr>
+                                  <m:brk m:alnAt="9"/>
+                                </m:rPr>
+                                <a:rPr lang="fr-FR" sz="1400" b="0" i="1" smtClean="0">
+                                  <a:latin typeface="Cambria Math" panose="02040503050406030204" pitchFamily="18" charset="0"/>
+                                  <a:ea typeface="Cambria Math" panose="02040503050406030204" pitchFamily="18" charset="0"/>
+                                </a:rPr>
+                                <m:t>𝑖</m:t>
+                              </m:r>
+                            </m:sub>
+                            <m:sup/>
+                            <m:e>
+                              <m:sSup>
+                                <m:sSupPr>
+                                  <m:ctrlPr>
+                                    <a:rPr lang="fr-FR" sz="1400" b="0" i="1" smtClean="0">
+                                      <a:latin typeface="Cambria Math" panose="02040503050406030204" pitchFamily="18" charset="0"/>
+                                      <a:ea typeface="Cambria Math" panose="02040503050406030204" pitchFamily="18" charset="0"/>
+                                    </a:rPr>
+                                  </m:ctrlPr>
+                                </m:sSupPr>
+                                <m:e>
+                                  <m:d>
+                                    <m:dPr>
+                                      <m:ctrlPr>
+                                        <a:rPr lang="fr-FR" sz="1400" i="1">
+                                          <a:latin typeface="Cambria Math" panose="02040503050406030204" pitchFamily="18" charset="0"/>
+                                        </a:rPr>
+                                      </m:ctrlPr>
+                                    </m:dPr>
+                                    <m:e>
+                                      <m:sSub>
+                                        <m:sSubPr>
+                                          <m:ctrlPr>
+                                            <a:rPr lang="fr-FR" sz="1400" i="1">
+                                              <a:latin typeface="Cambria Math" panose="02040503050406030204" pitchFamily="18" charset="0"/>
+                                            </a:rPr>
+                                          </m:ctrlPr>
+                                        </m:sSubPr>
+                                        <m:e>
+                                          <m:r>
+                                            <a:rPr lang="fr-FR" sz="1400" i="1">
+                                              <a:latin typeface="Cambria Math" panose="02040503050406030204" pitchFamily="18" charset="0"/>
+                                            </a:rPr>
+                                            <m:t>𝑦</m:t>
+                                          </m:r>
+                                        </m:e>
+                                        <m:sub>
+                                          <m:r>
+                                            <a:rPr lang="fr-FR" sz="1400" i="1">
+                                              <a:latin typeface="Cambria Math" panose="02040503050406030204" pitchFamily="18" charset="0"/>
+                                            </a:rPr>
+                                            <m:t>𝑖</m:t>
+                                          </m:r>
+                                        </m:sub>
+                                      </m:sSub>
+                                      <m:r>
+                                        <a:rPr lang="fr-FR" sz="1400" i="1">
+                                          <a:latin typeface="Cambria Math" panose="02040503050406030204" pitchFamily="18" charset="0"/>
+                                        </a:rPr>
+                                        <m:t>−</m:t>
+                                      </m:r>
+                                      <m:acc>
+                                        <m:accPr>
+                                          <m:chr m:val="̅"/>
+                                          <m:ctrlPr>
+                                            <a:rPr lang="fr-FR" sz="1400" i="1">
+                                              <a:latin typeface="Cambria Math" panose="02040503050406030204" pitchFamily="18" charset="0"/>
+                                            </a:rPr>
+                                          </m:ctrlPr>
+                                        </m:accPr>
+                                        <m:e>
+                                          <m:r>
+                                            <a:rPr lang="fr-FR" sz="1400" i="1">
+                                              <a:latin typeface="Cambria Math" panose="02040503050406030204" pitchFamily="18" charset="0"/>
+                                            </a:rPr>
+                                            <m:t>𝑦</m:t>
+                                          </m:r>
+                                        </m:e>
+                                      </m:acc>
+                                    </m:e>
+                                  </m:d>
+                                </m:e>
+                                <m:sup>
+                                  <m:r>
+                                    <a:rPr lang="fr-FR" sz="1400" b="0" i="1" smtClean="0">
+                                      <a:latin typeface="Cambria Math" panose="02040503050406030204" pitchFamily="18" charset="0"/>
+                                      <a:ea typeface="Cambria Math" panose="02040503050406030204" pitchFamily="18" charset="0"/>
+                                    </a:rPr>
+                                    <m:t>2</m:t>
+                                  </m:r>
+                                </m:sup>
+                              </m:sSup>
+                            </m:e>
+                          </m:nary>
+                        </m:den>
+                      </m:f>
+                    </m:oMath>
+                  </m:oMathPara>
+                </a14:m>
+                <a:endParaRPr lang="fr-FR" sz="1400" dirty="0">
+                  <a:latin typeface="Gill Sans MT" panose="020B0502020104020203" pitchFamily="34" charset="0"/>
+                </a:endParaRPr>
+              </a:p>
+            </p:txBody>
+          </p:sp>
+        </mc:Choice>
+        <mc:Fallback xmlns="">
+          <p:sp>
+            <p:nvSpPr>
+              <p:cNvPr id="15" name="ZoneTexte 14">
+                <a:extLst>
+                  <a:ext uri="{FF2B5EF4-FFF2-40B4-BE49-F238E27FC236}">
+                    <a16:creationId xmlns:a16="http://schemas.microsoft.com/office/drawing/2014/main" id="{C3B1FC5B-052E-6DDE-9DB3-DC96022BC6A3}"/>
+                  </a:ext>
+                </a:extLst>
+              </p:cNvPr>
+              <p:cNvSpPr txBox="1">
+                <a:spLocks noRot="1" noChangeAspect="1" noMove="1" noResize="1" noEditPoints="1" noAdjustHandles="1" noChangeArrowheads="1" noChangeShapeType="1" noTextEdit="1"/>
+              </p:cNvSpPr>
+              <p:nvPr/>
+            </p:nvSpPr>
+            <p:spPr>
+              <a:xfrm>
+                <a:off x="6202024" y="14869169"/>
+                <a:ext cx="4053566" cy="838435"/>
+              </a:xfrm>
+              <a:prstGeom prst="rect">
+                <a:avLst/>
+              </a:prstGeom>
+              <a:blipFill>
+                <a:blip r:embed="rId14"/>
+                <a:stretch>
+                  <a:fillRect/>
+                </a:stretch>
+              </a:blipFill>
+              <a:ln w="28575">
+                <a:solidFill>
+                  <a:srgbClr val="002060"/>
+                </a:solidFill>
+              </a:ln>
+            </p:spPr>
+            <p:txBody>
+              <a:bodyPr/>
+              <a:lstStyle/>
+              <a:p>
+                <a:r>
+                  <a:rPr lang="fr-FR">
+                    <a:noFill/>
+                  </a:rPr>
+                  <a:t> </a:t>
+                </a:r>
+              </a:p>
+            </p:txBody>
+          </p:sp>
+        </mc:Fallback>
+      </mc:AlternateContent>
+      <p:sp>
+        <p:nvSpPr>
+          <p:cNvPr id="16" name="ZoneTexte 15">
+            <a:extLst>
+              <a:ext uri="{FF2B5EF4-FFF2-40B4-BE49-F238E27FC236}">
+                <a16:creationId xmlns:a16="http://schemas.microsoft.com/office/drawing/2014/main" id="{4A3C834A-5735-CE9B-1CB0-A5A1FF868691}"/>
+              </a:ext>
+            </a:extLst>
+          </p:cNvPr>
+          <p:cNvSpPr txBox="1"/>
+          <p:nvPr/>
+        </p:nvSpPr>
+        <p:spPr>
+          <a:xfrm>
+            <a:off x="445366" y="15965010"/>
+            <a:ext cx="9796126" cy="1423082"/>
+          </a:xfrm>
+          <a:prstGeom prst="rect">
+            <a:avLst/>
+          </a:prstGeom>
+          <a:noFill/>
+        </p:spPr>
+        <p:txBody>
+          <a:bodyPr wrap="square" rtlCol="0">
+            <a:spAutoFit/>
+          </a:bodyPr>
+          <a:lstStyle/>
+          <a:p>
+            <a:pPr algn="just">
+              <a:lnSpc>
+                <a:spcPct val="150000"/>
+              </a:lnSpc>
+            </a:pPr>
+            <a:r>
+              <a:rPr lang="fr-FR" sz="2000" dirty="0">
+                <a:latin typeface="Gill Sans MT" panose="020B0502020104020203" pitchFamily="34" charset="0"/>
+              </a:rPr>
+              <a:t>La distance de </a:t>
+            </a:r>
+            <a:r>
+              <a:rPr lang="fr-FR" sz="2000" dirty="0" err="1">
+                <a:latin typeface="Gill Sans MT" panose="020B0502020104020203" pitchFamily="34" charset="0"/>
+              </a:rPr>
+              <a:t>Haversine</a:t>
+            </a:r>
+            <a:r>
+              <a:rPr lang="fr-FR" sz="2000" dirty="0">
+                <a:latin typeface="Gill Sans MT" panose="020B0502020104020203" pitchFamily="34" charset="0"/>
+              </a:rPr>
+              <a:t> a été utilisée pour quantifier la distance entre deux communes. Les valeurs obtenues ont permis d’aboutir à une matrice de voisinage dont les poids ont servi, avec le taux de consultations, à construire l’indice de Moran.</a:t>
+            </a:r>
+          </a:p>
+        </p:txBody>
+      </p:sp>
+      <mc:AlternateContent xmlns:mc="http://schemas.openxmlformats.org/markup-compatibility/2006" xmlns:a14="http://schemas.microsoft.com/office/drawing/2010/main">
+        <mc:Choice Requires="a14">
+          <p:sp>
+            <p:nvSpPr>
+              <p:cNvPr id="19" name="ZoneTexte 18">
+                <a:extLst>
+                  <a:ext uri="{FF2B5EF4-FFF2-40B4-BE49-F238E27FC236}">
+                    <a16:creationId xmlns:a16="http://schemas.microsoft.com/office/drawing/2014/main" id="{FECA35BA-4C51-2956-EACA-21EF085E4013}"/>
+                  </a:ext>
+                </a:extLst>
+              </p:cNvPr>
+              <p:cNvSpPr txBox="1"/>
+              <p:nvPr/>
+            </p:nvSpPr>
+            <p:spPr>
+              <a:xfrm>
+                <a:off x="11670670" y="14490641"/>
+                <a:ext cx="4132327" cy="338554"/>
+              </a:xfrm>
+              <a:prstGeom prst="rect">
+                <a:avLst/>
+              </a:prstGeom>
+              <a:noFill/>
+            </p:spPr>
+            <p:txBody>
+              <a:bodyPr wrap="square" rtlCol="0">
+                <a:spAutoFit/>
+              </a:bodyPr>
+              <a:lstStyle/>
+              <a:p>
+                <a:pPr marL="285750" indent="-285750" algn="just">
+                  <a:buFont typeface="Arial" panose="020B0604020202020204" pitchFamily="34" charset="0"/>
+                  <a:buChar char="•"/>
+                </a:pPr>
+                <a:r>
+                  <a:rPr lang="fr-FR" sz="1600" dirty="0">
+                    <a:latin typeface="Gill Sans MT" panose="020B0502020104020203" pitchFamily="34" charset="0"/>
+                  </a:rPr>
+                  <a:t>L’indice de Moran calculé : </a:t>
+                </a:r>
+                <a14:m>
+                  <m:oMath xmlns:m="http://schemas.openxmlformats.org/officeDocument/2006/math">
+                    <m:r>
+                      <a:rPr lang="fr-FR" sz="1600" b="1" i="1" smtClean="0">
+                        <a:latin typeface="Cambria Math" panose="02040503050406030204" pitchFamily="18" charset="0"/>
+                      </a:rPr>
+                      <m:t>𝑰</m:t>
+                    </m:r>
+                    <m:r>
+                      <a:rPr lang="fr-FR" sz="1600" b="1" i="1" smtClean="0">
+                        <a:latin typeface="Cambria Math" panose="02040503050406030204" pitchFamily="18" charset="0"/>
+                      </a:rPr>
+                      <m:t>=</m:t>
+                    </m:r>
+                    <m:r>
+                      <a:rPr lang="fr-FR" sz="1600" b="1" i="1" smtClean="0">
+                        <a:latin typeface="Cambria Math" panose="02040503050406030204" pitchFamily="18" charset="0"/>
+                      </a:rPr>
+                      <m:t>𝟎</m:t>
+                    </m:r>
+                    <m:r>
+                      <a:rPr lang="fr-FR" sz="1600" b="1" i="1" smtClean="0">
+                        <a:latin typeface="Cambria Math" panose="02040503050406030204" pitchFamily="18" charset="0"/>
+                      </a:rPr>
+                      <m:t>.</m:t>
+                    </m:r>
+                    <m:r>
+                      <a:rPr lang="fr-FR" sz="1600" b="1" i="1" smtClean="0">
+                        <a:latin typeface="Cambria Math" panose="02040503050406030204" pitchFamily="18" charset="0"/>
+                      </a:rPr>
+                      <m:t>𝟏𝟓𝟗𝟖</m:t>
+                    </m:r>
+                  </m:oMath>
+                </a14:m>
+                <a:endParaRPr lang="fr-FR" sz="1600" b="1" dirty="0">
+                  <a:latin typeface="Gill Sans MT" panose="020B0502020104020203" pitchFamily="34" charset="0"/>
+                </a:endParaRPr>
+              </a:p>
+            </p:txBody>
+          </p:sp>
+        </mc:Choice>
+        <mc:Fallback xmlns="">
+          <p:sp>
+            <p:nvSpPr>
+              <p:cNvPr id="19" name="ZoneTexte 18">
+                <a:extLst>
+                  <a:ext uri="{FF2B5EF4-FFF2-40B4-BE49-F238E27FC236}">
+                    <a16:creationId xmlns:a16="http://schemas.microsoft.com/office/drawing/2014/main" id="{FECA35BA-4C51-2956-EACA-21EF085E4013}"/>
+                  </a:ext>
+                </a:extLst>
+              </p:cNvPr>
+              <p:cNvSpPr txBox="1">
+                <a:spLocks noRot="1" noChangeAspect="1" noMove="1" noResize="1" noEditPoints="1" noAdjustHandles="1" noChangeArrowheads="1" noChangeShapeType="1" noTextEdit="1"/>
+              </p:cNvSpPr>
+              <p:nvPr/>
+            </p:nvSpPr>
+            <p:spPr>
+              <a:xfrm>
+                <a:off x="11670670" y="14490641"/>
+                <a:ext cx="4132327" cy="338554"/>
+              </a:xfrm>
+              <a:prstGeom prst="rect">
+                <a:avLst/>
+              </a:prstGeom>
+              <a:blipFill>
+                <a:blip r:embed="rId15"/>
+                <a:stretch>
+                  <a:fillRect l="-590" t="-5357" b="-21429"/>
+                </a:stretch>
+              </a:blipFill>
+            </p:spPr>
+            <p:txBody>
+              <a:bodyPr/>
+              <a:lstStyle/>
+              <a:p>
+                <a:r>
+                  <a:rPr lang="fr-FR">
+                    <a:noFill/>
+                  </a:rPr>
+                  <a:t> </a:t>
+                </a:r>
+              </a:p>
+            </p:txBody>
+          </p:sp>
+        </mc:Fallback>
+      </mc:AlternateContent>
+      <p:sp>
+        <p:nvSpPr>
+          <p:cNvPr id="21" name="Flèche : droite rayée 20">
+            <a:extLst>
+              <a:ext uri="{FF2B5EF4-FFF2-40B4-BE49-F238E27FC236}">
+                <a16:creationId xmlns:a16="http://schemas.microsoft.com/office/drawing/2014/main" id="{FBB4A824-490E-D619-7DB4-84C34A765A5A}"/>
+              </a:ext>
+            </a:extLst>
+          </p:cNvPr>
+          <p:cNvSpPr/>
+          <p:nvPr/>
+        </p:nvSpPr>
+        <p:spPr>
+          <a:xfrm>
+            <a:off x="15772235" y="14542899"/>
+            <a:ext cx="878569" cy="251646"/>
+          </a:xfrm>
+          <a:prstGeom prst="stripedRightArrow">
+            <a:avLst/>
+          </a:prstGeom>
+          <a:solidFill>
+            <a:srgbClr val="00B050"/>
+          </a:solidFill>
+          <a:ln>
+            <a:noFill/>
+          </a:ln>
+        </p:spPr>
+        <p:style>
+          <a:lnRef idx="2">
+            <a:schemeClr val="accent1">
+              <a:shade val="15000"/>
+            </a:schemeClr>
+          </a:lnRef>
+          <a:fillRef idx="1">
+            <a:schemeClr val="accent1"/>
+          </a:fillRef>
+          <a:effectRef idx="0">
+            <a:schemeClr val="accent1"/>
+          </a:effectRef>
+          <a:fontRef idx="minor">
+            <a:schemeClr val="lt1"/>
+          </a:fontRef>
+        </p:style>
+        <p:txBody>
+          <a:bodyPr rtlCol="0" anchor="ctr"/>
+          <a:lstStyle/>
+          <a:p>
+            <a:pPr algn="ctr"/>
+            <a:endParaRPr lang="fr-FR"/>
+          </a:p>
+        </p:txBody>
+      </p:sp>
+      <p:sp>
+        <p:nvSpPr>
+          <p:cNvPr id="22" name="ZoneTexte 21">
+            <a:extLst>
+              <a:ext uri="{FF2B5EF4-FFF2-40B4-BE49-F238E27FC236}">
+                <a16:creationId xmlns:a16="http://schemas.microsoft.com/office/drawing/2014/main" id="{34BF462E-ED41-7012-AB31-EBC8754FBAE7}"/>
+              </a:ext>
+            </a:extLst>
+          </p:cNvPr>
+          <p:cNvSpPr txBox="1"/>
+          <p:nvPr/>
+        </p:nvSpPr>
+        <p:spPr>
+          <a:xfrm>
+            <a:off x="16885608" y="14468346"/>
+            <a:ext cx="4132327" cy="338554"/>
+          </a:xfrm>
+          <a:prstGeom prst="rect">
+            <a:avLst/>
+          </a:prstGeom>
+          <a:noFill/>
+        </p:spPr>
+        <p:txBody>
+          <a:bodyPr wrap="square" rtlCol="0">
+            <a:spAutoFit/>
+          </a:bodyPr>
+          <a:lstStyle/>
+          <a:p>
+            <a:pPr algn="just"/>
+            <a:r>
+              <a:rPr lang="fr-FR" sz="1600" dirty="0">
+                <a:latin typeface="Gill Sans MT" panose="020B0502020104020203" pitchFamily="34" charset="0"/>
+              </a:rPr>
+              <a:t>Autocorrélation spatiale positive</a:t>
+            </a:r>
+          </a:p>
+        </p:txBody>
+      </p:sp>
+      <p:sp>
+        <p:nvSpPr>
+          <p:cNvPr id="25" name="ZoneTexte 24">
+            <a:extLst>
+              <a:ext uri="{FF2B5EF4-FFF2-40B4-BE49-F238E27FC236}">
+                <a16:creationId xmlns:a16="http://schemas.microsoft.com/office/drawing/2014/main" id="{60C372C9-5EFE-F5BA-1027-5EF1CD5C719F}"/>
+              </a:ext>
+            </a:extLst>
+          </p:cNvPr>
+          <p:cNvSpPr txBox="1"/>
+          <p:nvPr/>
+        </p:nvSpPr>
+        <p:spPr>
+          <a:xfrm>
+            <a:off x="11480481" y="24131218"/>
+            <a:ext cx="9537454" cy="830997"/>
+          </a:xfrm>
+          <a:prstGeom prst="rect">
+            <a:avLst/>
+          </a:prstGeom>
+          <a:noFill/>
+        </p:spPr>
+        <p:txBody>
+          <a:bodyPr wrap="square" rtlCol="0">
+            <a:spAutoFit/>
+          </a:bodyPr>
+          <a:lstStyle/>
+          <a:p>
+            <a:pPr algn="just"/>
+            <a:r>
+              <a:rPr lang="fr-FR" sz="1600" dirty="0">
+                <a:latin typeface="Gill Sans MT" panose="020B0502020104020203" pitchFamily="34" charset="0"/>
+              </a:rPr>
+              <a:t>Les cartes des taux de consultations observé et prédit se ressemblent assez ; ce qui traduit une bonne approximation de taux de consultations par le modèle SDM retenu, en se basant sur les caractéristiques socio-économiques et démographiques des communes.</a:t>
+            </a:r>
+          </a:p>
+        </p:txBody>
+      </p:sp>
+      <p:sp>
+        <p:nvSpPr>
+          <p:cNvPr id="27" name="ZoneTexte 26">
+            <a:extLst>
+              <a:ext uri="{FF2B5EF4-FFF2-40B4-BE49-F238E27FC236}">
+                <a16:creationId xmlns:a16="http://schemas.microsoft.com/office/drawing/2014/main" id="{5D52F001-6797-2A03-DE36-76A28AE127FA}"/>
+              </a:ext>
+            </a:extLst>
+          </p:cNvPr>
+          <p:cNvSpPr txBox="1"/>
+          <p:nvPr/>
+        </p:nvSpPr>
+        <p:spPr>
+          <a:xfrm>
+            <a:off x="11285668" y="18267488"/>
+            <a:ext cx="4834865" cy="339812"/>
+          </a:xfrm>
+          <a:prstGeom prst="rect">
+            <a:avLst/>
+          </a:prstGeom>
+          <a:noFill/>
+        </p:spPr>
+        <p:txBody>
+          <a:bodyPr wrap="square" rtlCol="0">
+            <a:spAutoFit/>
+          </a:bodyPr>
+          <a:lstStyle/>
+          <a:p>
+            <a:pPr marL="285750" indent="-285750">
+              <a:buFont typeface="Arial" panose="020B0604020202020204" pitchFamily="34" charset="0"/>
+              <a:buChar char="•"/>
+            </a:pPr>
+            <a:r>
+              <a:rPr lang="fr-FR" sz="1600" dirty="0">
+                <a:latin typeface="Gill Sans MT" panose="020B0502020104020203" pitchFamily="34" charset="0"/>
+              </a:rPr>
+              <a:t>Importance des variables explicatives dans le modèle</a:t>
+            </a:r>
+          </a:p>
+        </p:txBody>
+      </p:sp>
+      <mc:AlternateContent xmlns:mc="http://schemas.openxmlformats.org/markup-compatibility/2006" xmlns:a14="http://schemas.microsoft.com/office/drawing/2010/main">
+        <mc:Choice Requires="a14">
+          <p:sp>
+            <p:nvSpPr>
+              <p:cNvPr id="28" name="ZoneTexte 27">
+                <a:extLst>
+                  <a:ext uri="{FF2B5EF4-FFF2-40B4-BE49-F238E27FC236}">
+                    <a16:creationId xmlns:a16="http://schemas.microsoft.com/office/drawing/2014/main" id="{9A8760DB-ECE4-08A3-E3AE-5920DDE29FAA}"/>
+                  </a:ext>
+                </a:extLst>
+              </p:cNvPr>
+              <p:cNvSpPr txBox="1"/>
+              <p:nvPr/>
+            </p:nvSpPr>
+            <p:spPr>
+              <a:xfrm>
+                <a:off x="11670670" y="15049817"/>
+                <a:ext cx="4066838" cy="338554"/>
+              </a:xfrm>
+              <a:prstGeom prst="rect">
+                <a:avLst/>
+              </a:prstGeom>
+              <a:noFill/>
+            </p:spPr>
+            <p:txBody>
+              <a:bodyPr wrap="square" rtlCol="0">
+                <a:spAutoFit/>
+              </a:bodyPr>
+              <a:lstStyle/>
+              <a:p>
+                <a:pPr marL="285750" indent="-285750" algn="just">
+                  <a:buFont typeface="Arial" panose="020B0604020202020204" pitchFamily="34" charset="0"/>
+                  <a:buChar char="•"/>
+                </a:pPr>
+                <a:r>
+                  <a:rPr lang="fr-FR" sz="1600" dirty="0">
+                    <a:latin typeface="Gill Sans MT" panose="020B0502020104020203" pitchFamily="34" charset="0"/>
+                  </a:rPr>
+                  <a:t>Test de Moran : </a:t>
+                </a:r>
+                <a14:m>
+                  <m:oMath xmlns:m="http://schemas.openxmlformats.org/officeDocument/2006/math">
+                    <m:r>
+                      <a:rPr lang="fr-FR" sz="1600" b="1" i="0" smtClean="0">
+                        <a:latin typeface="Cambria Math" panose="02040503050406030204" pitchFamily="18" charset="0"/>
+                      </a:rPr>
+                      <m:t>𝐩</m:t>
+                    </m:r>
+                    <m:r>
+                      <a:rPr lang="fr-FR" sz="1600" b="1" i="0" smtClean="0">
+                        <a:latin typeface="Cambria Math" panose="02040503050406030204" pitchFamily="18" charset="0"/>
+                      </a:rPr>
+                      <m:t>−</m:t>
+                    </m:r>
+                    <m:r>
+                      <a:rPr lang="fr-FR" sz="1600" b="1" i="0" smtClean="0">
+                        <a:latin typeface="Cambria Math" panose="02040503050406030204" pitchFamily="18" charset="0"/>
+                      </a:rPr>
+                      <m:t>𝐯𝐚𝐥𝐞𝐮𝐫</m:t>
+                    </m:r>
+                    <m:r>
+                      <a:rPr lang="fr-FR" sz="1600" b="1" i="1" smtClean="0">
+                        <a:latin typeface="Cambria Math" panose="02040503050406030204" pitchFamily="18" charset="0"/>
+                        <a:ea typeface="Cambria Math" panose="02040503050406030204" pitchFamily="18" charset="0"/>
+                      </a:rPr>
+                      <m:t>&lt;</m:t>
+                    </m:r>
+                    <m:r>
+                      <a:rPr lang="fr-FR" sz="1600" b="1" i="1" smtClean="0">
+                        <a:latin typeface="Cambria Math" panose="02040503050406030204" pitchFamily="18" charset="0"/>
+                        <a:ea typeface="Cambria Math" panose="02040503050406030204" pitchFamily="18" charset="0"/>
+                      </a:rPr>
+                      <m:t>𝟐</m:t>
+                    </m:r>
+                    <m:r>
+                      <a:rPr lang="fr-FR" sz="1600" b="1" i="1" smtClean="0">
+                        <a:latin typeface="Cambria Math" panose="02040503050406030204" pitchFamily="18" charset="0"/>
+                        <a:ea typeface="Cambria Math" panose="02040503050406030204" pitchFamily="18" charset="0"/>
+                      </a:rPr>
+                      <m:t>.</m:t>
+                    </m:r>
+                    <m:r>
+                      <a:rPr lang="fr-FR" sz="1600" b="1" i="1" smtClean="0">
+                        <a:latin typeface="Cambria Math" panose="02040503050406030204" pitchFamily="18" charset="0"/>
+                        <a:ea typeface="Cambria Math" panose="02040503050406030204" pitchFamily="18" charset="0"/>
+                      </a:rPr>
+                      <m:t>𝟐</m:t>
+                    </m:r>
+                    <m:r>
+                      <a:rPr lang="fr-FR" sz="1600" b="1" i="1" smtClean="0">
+                        <a:latin typeface="Cambria Math" panose="02040503050406030204" pitchFamily="18" charset="0"/>
+                        <a:ea typeface="Cambria Math" panose="02040503050406030204" pitchFamily="18" charset="0"/>
+                      </a:rPr>
+                      <m:t>𝒆</m:t>
+                    </m:r>
+                    <m:r>
+                      <a:rPr lang="fr-FR" sz="1600" b="1" i="1" smtClean="0">
+                        <a:latin typeface="Cambria Math" panose="02040503050406030204" pitchFamily="18" charset="0"/>
+                        <a:ea typeface="Cambria Math" panose="02040503050406030204" pitchFamily="18" charset="0"/>
+                      </a:rPr>
+                      <m:t>−</m:t>
+                    </m:r>
+                    <m:r>
+                      <a:rPr lang="fr-FR" sz="1600" b="1" i="1" smtClean="0">
+                        <a:latin typeface="Cambria Math" panose="02040503050406030204" pitchFamily="18" charset="0"/>
+                        <a:ea typeface="Cambria Math" panose="02040503050406030204" pitchFamily="18" charset="0"/>
+                      </a:rPr>
+                      <m:t>𝟏𝟔</m:t>
+                    </m:r>
+                  </m:oMath>
+                </a14:m>
+                <a:endParaRPr lang="fr-FR" sz="1600" b="1" dirty="0">
+                  <a:latin typeface="Gill Sans MT" panose="020B0502020104020203" pitchFamily="34" charset="0"/>
+                </a:endParaRPr>
+              </a:p>
+            </p:txBody>
+          </p:sp>
+        </mc:Choice>
+        <mc:Fallback xmlns="">
+          <p:sp>
+            <p:nvSpPr>
+              <p:cNvPr id="28" name="ZoneTexte 27">
+                <a:extLst>
+                  <a:ext uri="{FF2B5EF4-FFF2-40B4-BE49-F238E27FC236}">
+                    <a16:creationId xmlns:a16="http://schemas.microsoft.com/office/drawing/2014/main" id="{9A8760DB-ECE4-08A3-E3AE-5920DDE29FAA}"/>
+                  </a:ext>
+                </a:extLst>
+              </p:cNvPr>
+              <p:cNvSpPr txBox="1">
+                <a:spLocks noRot="1" noChangeAspect="1" noMove="1" noResize="1" noEditPoints="1" noAdjustHandles="1" noChangeArrowheads="1" noChangeShapeType="1" noTextEdit="1"/>
+              </p:cNvSpPr>
+              <p:nvPr/>
+            </p:nvSpPr>
+            <p:spPr>
+              <a:xfrm>
+                <a:off x="11670670" y="15049817"/>
+                <a:ext cx="4066838" cy="338554"/>
+              </a:xfrm>
+              <a:prstGeom prst="rect">
+                <a:avLst/>
+              </a:prstGeom>
+              <a:blipFill>
+                <a:blip r:embed="rId16"/>
+                <a:stretch>
+                  <a:fillRect l="-599" t="-5455" b="-23636"/>
+                </a:stretch>
+              </a:blipFill>
+            </p:spPr>
+            <p:txBody>
+              <a:bodyPr/>
+              <a:lstStyle/>
+              <a:p>
+                <a:r>
+                  <a:rPr lang="fr-FR">
+                    <a:noFill/>
+                  </a:rPr>
+                  <a:t> </a:t>
+                </a:r>
+              </a:p>
+            </p:txBody>
+          </p:sp>
+        </mc:Fallback>
+      </mc:AlternateContent>
+      <p:sp>
+        <p:nvSpPr>
+          <p:cNvPr id="29" name="Flèche : droite rayée 28">
+            <a:extLst>
+              <a:ext uri="{FF2B5EF4-FFF2-40B4-BE49-F238E27FC236}">
+                <a16:creationId xmlns:a16="http://schemas.microsoft.com/office/drawing/2014/main" id="{ACDBBFCD-946E-64BB-16E0-1BD25074F486}"/>
+              </a:ext>
+            </a:extLst>
+          </p:cNvPr>
+          <p:cNvSpPr/>
+          <p:nvPr/>
+        </p:nvSpPr>
+        <p:spPr>
+          <a:xfrm>
+            <a:off x="15777989" y="15113212"/>
+            <a:ext cx="878569" cy="251646"/>
+          </a:xfrm>
+          <a:prstGeom prst="stripedRightArrow">
+            <a:avLst/>
+          </a:prstGeom>
+          <a:solidFill>
+            <a:srgbClr val="00B050"/>
+          </a:solidFill>
+          <a:ln>
+            <a:noFill/>
+          </a:ln>
+        </p:spPr>
+        <p:style>
+          <a:lnRef idx="2">
+            <a:schemeClr val="accent1">
+              <a:shade val="15000"/>
+            </a:schemeClr>
+          </a:lnRef>
+          <a:fillRef idx="1">
+            <a:schemeClr val="accent1"/>
+          </a:fillRef>
+          <a:effectRef idx="0">
+            <a:schemeClr val="accent1"/>
+          </a:effectRef>
+          <a:fontRef idx="minor">
+            <a:schemeClr val="lt1"/>
+          </a:fontRef>
+        </p:style>
+        <p:txBody>
+          <a:bodyPr rtlCol="0" anchor="ctr"/>
+          <a:lstStyle/>
+          <a:p>
+            <a:pPr algn="ctr"/>
+            <a:endParaRPr lang="fr-FR"/>
+          </a:p>
+        </p:txBody>
+      </p:sp>
+      <p:sp>
+        <p:nvSpPr>
+          <p:cNvPr id="31" name="ZoneTexte 30">
+            <a:extLst>
+              <a:ext uri="{FF2B5EF4-FFF2-40B4-BE49-F238E27FC236}">
+                <a16:creationId xmlns:a16="http://schemas.microsoft.com/office/drawing/2014/main" id="{D6C18C64-21ED-1EFF-952E-9C2153373C34}"/>
+              </a:ext>
+            </a:extLst>
+          </p:cNvPr>
+          <p:cNvSpPr txBox="1"/>
+          <p:nvPr/>
+        </p:nvSpPr>
+        <p:spPr>
+          <a:xfrm>
+            <a:off x="16885608" y="15049817"/>
+            <a:ext cx="4132327" cy="338554"/>
+          </a:xfrm>
+          <a:prstGeom prst="rect">
+            <a:avLst/>
+          </a:prstGeom>
+          <a:noFill/>
+        </p:spPr>
+        <p:txBody>
+          <a:bodyPr wrap="square" rtlCol="0">
+            <a:spAutoFit/>
+          </a:bodyPr>
+          <a:lstStyle/>
+          <a:p>
+            <a:pPr algn="just"/>
+            <a:r>
+              <a:rPr lang="fr-FR" sz="1600" dirty="0">
+                <a:latin typeface="Gill Sans MT" panose="020B0502020104020203" pitchFamily="34" charset="0"/>
+              </a:rPr>
+              <a:t>Significativité de l’autocorrélation spatiale</a:t>
+            </a:r>
+          </a:p>
+        </p:txBody>
+      </p:sp>
+      <p:graphicFrame>
+        <p:nvGraphicFramePr>
+          <p:cNvPr id="33" name="Tableau 32">
+            <a:extLst>
+              <a:ext uri="{FF2B5EF4-FFF2-40B4-BE49-F238E27FC236}">
+                <a16:creationId xmlns:a16="http://schemas.microsoft.com/office/drawing/2014/main" id="{9B67435E-238E-C0F2-0FD0-567CFA24695C}"/>
+              </a:ext>
+            </a:extLst>
+          </p:cNvPr>
+          <p:cNvGraphicFramePr>
+            <a:graphicFrameLocks noGrp="1"/>
+          </p:cNvGraphicFramePr>
+          <p:nvPr>
+            <p:extLst>
+              <p:ext uri="{D42A27DB-BD31-4B8C-83A1-F6EECF244321}">
+                <p14:modId xmlns:p14="http://schemas.microsoft.com/office/powerpoint/2010/main" val="3742379848"/>
+              </p:ext>
+            </p:extLst>
+          </p:nvPr>
+        </p:nvGraphicFramePr>
+        <p:xfrm>
+          <a:off x="12018288" y="16004704"/>
+          <a:ext cx="8363309" cy="1930554"/>
+        </p:xfrm>
+        <a:graphic>
+          <a:graphicData uri="http://schemas.openxmlformats.org/drawingml/2006/table">
+            <a:tbl>
+              <a:tblPr firstRow="1" bandRow="1">
+                <a:tableStyleId>{5C22544A-7EE6-4342-B048-85BDC9FD1C3A}</a:tableStyleId>
+              </a:tblPr>
+              <a:tblGrid>
+                <a:gridCol w="3111645">
+                  <a:extLst>
+                    <a:ext uri="{9D8B030D-6E8A-4147-A177-3AD203B41FA5}">
+                      <a16:colId xmlns:a16="http://schemas.microsoft.com/office/drawing/2014/main" val="3760695544"/>
+                    </a:ext>
+                  </a:extLst>
+                </a:gridCol>
+                <a:gridCol w="2844800">
+                  <a:extLst>
+                    <a:ext uri="{9D8B030D-6E8A-4147-A177-3AD203B41FA5}">
+                      <a16:colId xmlns:a16="http://schemas.microsoft.com/office/drawing/2014/main" val="3884134102"/>
+                    </a:ext>
+                  </a:extLst>
+                </a:gridCol>
+                <a:gridCol w="2406864">
+                  <a:extLst>
+                    <a:ext uri="{9D8B030D-6E8A-4147-A177-3AD203B41FA5}">
+                      <a16:colId xmlns:a16="http://schemas.microsoft.com/office/drawing/2014/main" val="2236838253"/>
+                    </a:ext>
+                  </a:extLst>
+                </a:gridCol>
+              </a:tblGrid>
+              <a:tr h="321759">
+                <a:tc>
+                  <a:txBody>
+                    <a:bodyPr/>
+                    <a:lstStyle/>
+                    <a:p>
+                      <a:pPr algn="ctr"/>
+                      <a:r>
+                        <a:rPr lang="fr-FR" sz="1600" dirty="0">
+                          <a:latin typeface="Gill Sans MT" panose="020B0502020104020203" pitchFamily="34" charset="0"/>
+                        </a:rPr>
+                        <a:t>Modèle</a:t>
+                      </a:r>
+                    </a:p>
+                  </a:txBody>
+                  <a:tcPr marL="39649" marR="39649" marT="19824" marB="19824"/>
+                </a:tc>
+                <a:tc>
+                  <a:txBody>
+                    <a:bodyPr/>
+                    <a:lstStyle/>
+                    <a:p>
+                      <a:pPr algn="ctr"/>
+                      <a:r>
+                        <a:rPr lang="fr-FR" sz="1600" dirty="0">
+                          <a:latin typeface="Gill Sans MT" panose="020B0502020104020203" pitchFamily="34" charset="0"/>
+                        </a:rPr>
+                        <a:t>AIC</a:t>
+                      </a:r>
+                    </a:p>
+                  </a:txBody>
+                  <a:tcPr marL="39649" marR="39649" marT="19824" marB="19824"/>
+                </a:tc>
+                <a:tc>
+                  <a:txBody>
+                    <a:bodyPr/>
+                    <a:lstStyle/>
+                    <a:p>
+                      <a:pPr algn="ctr"/>
+                      <a:r>
+                        <a:rPr lang="fr-FR" sz="1600" dirty="0" err="1">
+                          <a:latin typeface="Gill Sans MT" panose="020B0502020104020203" pitchFamily="34" charset="0"/>
+                        </a:rPr>
+                        <a:t>LogLik</a:t>
+                      </a:r>
+                      <a:endParaRPr lang="fr-FR" sz="1600" dirty="0">
+                        <a:latin typeface="Gill Sans MT" panose="020B0502020104020203" pitchFamily="34" charset="0"/>
+                      </a:endParaRPr>
+                    </a:p>
+                  </a:txBody>
+                  <a:tcPr marL="39649" marR="39649" marT="19824" marB="19824"/>
+                </a:tc>
+                <a:extLst>
+                  <a:ext uri="{0D108BD9-81ED-4DB2-BD59-A6C34878D82A}">
+                    <a16:rowId xmlns:a16="http://schemas.microsoft.com/office/drawing/2014/main" val="1218949342"/>
+                  </a:ext>
+                </a:extLst>
+              </a:tr>
+              <a:tr h="321759">
+                <a:tc>
+                  <a:txBody>
+                    <a:bodyPr/>
+                    <a:lstStyle/>
+                    <a:p>
+                      <a:pPr algn="ctr"/>
+                      <a:r>
+                        <a:rPr lang="fr-FR" sz="1600" dirty="0">
+                          <a:latin typeface="Gill Sans MT" panose="020B0502020104020203" pitchFamily="34" charset="0"/>
+                        </a:rPr>
+                        <a:t>MCO</a:t>
+                      </a:r>
+                    </a:p>
+                  </a:txBody>
+                  <a:tcPr marL="39649" marR="39649" marT="19824" marB="19824"/>
+                </a:tc>
+                <a:tc>
+                  <a:txBody>
+                    <a:bodyPr/>
+                    <a:lstStyle/>
+                    <a:p>
+                      <a:pPr algn="ctr"/>
+                      <a:r>
+                        <a:rPr lang="fr-FR" sz="1600" dirty="0">
+                          <a:latin typeface="Gill Sans MT" panose="020B0502020104020203" pitchFamily="34" charset="0"/>
+                        </a:rPr>
+                        <a:t>1429.8742</a:t>
+                      </a:r>
+                    </a:p>
+                  </a:txBody>
+                  <a:tcPr marL="39649" marR="39649" marT="19824" marB="19824"/>
+                </a:tc>
+                <a:tc>
+                  <a:txBody>
+                    <a:bodyPr/>
+                    <a:lstStyle/>
+                    <a:p>
+                      <a:pPr algn="ctr"/>
+                      <a:r>
+                        <a:rPr lang="fr-FR" sz="1600" dirty="0">
+                          <a:latin typeface="Gill Sans MT" panose="020B0502020104020203" pitchFamily="34" charset="0"/>
+                        </a:rPr>
+                        <a:t>-704.93708</a:t>
+                      </a:r>
+                    </a:p>
+                  </a:txBody>
+                  <a:tcPr marL="39649" marR="39649" marT="19824" marB="19824"/>
+                </a:tc>
+                <a:extLst>
+                  <a:ext uri="{0D108BD9-81ED-4DB2-BD59-A6C34878D82A}">
+                    <a16:rowId xmlns:a16="http://schemas.microsoft.com/office/drawing/2014/main" val="3805028289"/>
+                  </a:ext>
+                </a:extLst>
+              </a:tr>
+              <a:tr h="321759">
+                <a:tc>
+                  <a:txBody>
+                    <a:bodyPr/>
+                    <a:lstStyle/>
+                    <a:p>
+                      <a:pPr algn="ctr"/>
+                      <a:r>
+                        <a:rPr lang="fr-FR" sz="1600" dirty="0">
+                          <a:latin typeface="Gill Sans MT" panose="020B0502020104020203" pitchFamily="34" charset="0"/>
+                        </a:rPr>
+                        <a:t>SEM</a:t>
+                      </a:r>
+                    </a:p>
+                  </a:txBody>
+                  <a:tcPr marL="39649" marR="39649" marT="19824" marB="19824"/>
+                </a:tc>
+                <a:tc>
+                  <a:txBody>
+                    <a:bodyPr/>
+                    <a:lstStyle/>
+                    <a:p>
+                      <a:pPr algn="ctr"/>
+                      <a:r>
+                        <a:rPr lang="fr-FR" sz="1600" dirty="0">
+                          <a:latin typeface="Gill Sans MT" panose="020B0502020104020203" pitchFamily="34" charset="0"/>
+                        </a:rPr>
+                        <a:t>422.1136</a:t>
+                      </a:r>
+                    </a:p>
+                  </a:txBody>
+                  <a:tcPr marL="39649" marR="39649" marT="19824" marB="19824"/>
+                </a:tc>
+                <a:tc>
+                  <a:txBody>
+                    <a:bodyPr/>
+                    <a:lstStyle/>
+                    <a:p>
+                      <a:pPr algn="ctr"/>
+                      <a:r>
+                        <a:rPr lang="fr-FR" sz="1600" dirty="0">
+                          <a:latin typeface="Gill Sans MT" panose="020B0502020104020203" pitchFamily="34" charset="0"/>
+                        </a:rPr>
+                        <a:t>-200.05679</a:t>
+                      </a:r>
+                    </a:p>
+                  </a:txBody>
+                  <a:tcPr marL="39649" marR="39649" marT="19824" marB="19824"/>
+                </a:tc>
+                <a:extLst>
+                  <a:ext uri="{0D108BD9-81ED-4DB2-BD59-A6C34878D82A}">
+                    <a16:rowId xmlns:a16="http://schemas.microsoft.com/office/drawing/2014/main" val="3188775489"/>
+                  </a:ext>
+                </a:extLst>
+              </a:tr>
+              <a:tr h="321759">
+                <a:tc>
+                  <a:txBody>
+                    <a:bodyPr/>
+                    <a:lstStyle/>
+                    <a:p>
+                      <a:pPr algn="ctr"/>
+                      <a:r>
+                        <a:rPr lang="fr-FR" sz="1600" dirty="0">
+                          <a:latin typeface="Gill Sans MT" panose="020B0502020104020203" pitchFamily="34" charset="0"/>
+                        </a:rPr>
+                        <a:t>SAR</a:t>
+                      </a:r>
+                    </a:p>
+                  </a:txBody>
+                  <a:tcPr marL="39649" marR="39649" marT="19824" marB="19824"/>
+                </a:tc>
+                <a:tc>
+                  <a:txBody>
+                    <a:bodyPr/>
+                    <a:lstStyle/>
+                    <a:p>
+                      <a:pPr algn="ctr"/>
+                      <a:r>
+                        <a:rPr lang="fr-FR" sz="1600" dirty="0">
+                          <a:latin typeface="Gill Sans MT" panose="020B0502020104020203" pitchFamily="34" charset="0"/>
+                        </a:rPr>
+                        <a:t>729.5523</a:t>
+                      </a:r>
+                    </a:p>
+                  </a:txBody>
+                  <a:tcPr marL="39649" marR="39649" marT="19824" marB="19824"/>
+                </a:tc>
+                <a:tc>
+                  <a:txBody>
+                    <a:bodyPr/>
+                    <a:lstStyle/>
+                    <a:p>
+                      <a:pPr algn="ctr"/>
+                      <a:r>
+                        <a:rPr lang="fr-FR" sz="1600" dirty="0">
+                          <a:latin typeface="Gill Sans MT" panose="020B0502020104020203" pitchFamily="34" charset="0"/>
+                        </a:rPr>
+                        <a:t>-353.77613</a:t>
+                      </a:r>
+                    </a:p>
+                  </a:txBody>
+                  <a:tcPr marL="39649" marR="39649" marT="19824" marB="19824"/>
+                </a:tc>
+                <a:extLst>
+                  <a:ext uri="{0D108BD9-81ED-4DB2-BD59-A6C34878D82A}">
+                    <a16:rowId xmlns:a16="http://schemas.microsoft.com/office/drawing/2014/main" val="3534608039"/>
+                  </a:ext>
+                </a:extLst>
+              </a:tr>
+              <a:tr h="321759">
+                <a:tc>
+                  <a:txBody>
+                    <a:bodyPr/>
+                    <a:lstStyle/>
+                    <a:p>
+                      <a:pPr algn="ctr"/>
+                      <a:r>
+                        <a:rPr lang="fr-FR" sz="1600" dirty="0">
+                          <a:latin typeface="Gill Sans MT" panose="020B0502020104020203" pitchFamily="34" charset="0"/>
+                        </a:rPr>
+                        <a:t>SLX</a:t>
+                      </a:r>
+                    </a:p>
+                  </a:txBody>
+                  <a:tcPr marL="39649" marR="39649" marT="19824" marB="19824"/>
+                </a:tc>
+                <a:tc>
+                  <a:txBody>
+                    <a:bodyPr/>
+                    <a:lstStyle/>
+                    <a:p>
+                      <a:pPr algn="ctr"/>
+                      <a:r>
+                        <a:rPr lang="fr-FR" sz="1600" dirty="0">
+                          <a:latin typeface="Gill Sans MT" panose="020B0502020104020203" pitchFamily="34" charset="0"/>
+                        </a:rPr>
+                        <a:t>749.5969</a:t>
+                      </a:r>
+                    </a:p>
+                  </a:txBody>
+                  <a:tcPr marL="39649" marR="39649" marT="19824" marB="19824"/>
+                </a:tc>
+                <a:tc>
+                  <a:txBody>
+                    <a:bodyPr/>
+                    <a:lstStyle/>
+                    <a:p>
+                      <a:pPr algn="ctr"/>
+                      <a:r>
+                        <a:rPr lang="fr-FR" sz="1600" dirty="0">
+                          <a:latin typeface="Gill Sans MT" panose="020B0502020104020203" pitchFamily="34" charset="0"/>
+                        </a:rPr>
+                        <a:t>-356.79846</a:t>
+                      </a:r>
+                    </a:p>
+                  </a:txBody>
+                  <a:tcPr marL="39649" marR="39649" marT="19824" marB="19824"/>
+                </a:tc>
+                <a:extLst>
+                  <a:ext uri="{0D108BD9-81ED-4DB2-BD59-A6C34878D82A}">
+                    <a16:rowId xmlns:a16="http://schemas.microsoft.com/office/drawing/2014/main" val="2935969537"/>
+                  </a:ext>
+                </a:extLst>
+              </a:tr>
+              <a:tr h="321759">
+                <a:tc>
+                  <a:txBody>
+                    <a:bodyPr/>
+                    <a:lstStyle/>
+                    <a:p>
+                      <a:pPr algn="ctr"/>
+                      <a:r>
+                        <a:rPr lang="fr-FR" sz="1600" b="1" dirty="0">
+                          <a:latin typeface="Gill Sans MT" panose="020B0502020104020203" pitchFamily="34" charset="0"/>
+                        </a:rPr>
+                        <a:t>SDM</a:t>
+                      </a:r>
+                    </a:p>
+                  </a:txBody>
+                  <a:tcPr marL="39649" marR="39649" marT="19824" marB="19824"/>
+                </a:tc>
+                <a:tc>
+                  <a:txBody>
+                    <a:bodyPr/>
+                    <a:lstStyle/>
+                    <a:p>
+                      <a:pPr algn="ctr"/>
+                      <a:r>
+                        <a:rPr lang="fr-FR" sz="1600" b="1" dirty="0">
+                          <a:latin typeface="Gill Sans MT" panose="020B0502020104020203" pitchFamily="34" charset="0"/>
+                        </a:rPr>
+                        <a:t>205.1882</a:t>
+                      </a:r>
+                    </a:p>
+                  </a:txBody>
+                  <a:tcPr marL="39649" marR="39649" marT="19824" marB="19824"/>
+                </a:tc>
+                <a:tc>
+                  <a:txBody>
+                    <a:bodyPr/>
+                    <a:lstStyle/>
+                    <a:p>
+                      <a:pPr algn="ctr"/>
+                      <a:r>
+                        <a:rPr lang="fr-FR" sz="1600" b="1" dirty="0">
+                          <a:latin typeface="Gill Sans MT" panose="020B0502020104020203" pitchFamily="34" charset="0"/>
+                        </a:rPr>
+                        <a:t>-83.59411</a:t>
+                      </a:r>
+                    </a:p>
+                  </a:txBody>
+                  <a:tcPr marL="39649" marR="39649" marT="19824" marB="19824"/>
+                </a:tc>
+                <a:extLst>
+                  <a:ext uri="{0D108BD9-81ED-4DB2-BD59-A6C34878D82A}">
+                    <a16:rowId xmlns:a16="http://schemas.microsoft.com/office/drawing/2014/main" val="275333201"/>
+                  </a:ext>
+                </a:extLst>
+              </a:tr>
+            </a:tbl>
+          </a:graphicData>
+        </a:graphic>
+      </p:graphicFrame>
+      <p:sp>
+        <p:nvSpPr>
+          <p:cNvPr id="35" name="ZoneTexte 34">
+            <a:extLst>
+              <a:ext uri="{FF2B5EF4-FFF2-40B4-BE49-F238E27FC236}">
+                <a16:creationId xmlns:a16="http://schemas.microsoft.com/office/drawing/2014/main" id="{92C8DAF9-449C-FCD0-C77C-847516EEF95E}"/>
+              </a:ext>
+            </a:extLst>
+          </p:cNvPr>
+          <p:cNvSpPr txBox="1"/>
+          <p:nvPr/>
+        </p:nvSpPr>
+        <p:spPr>
+          <a:xfrm>
+            <a:off x="11670670" y="15612194"/>
+            <a:ext cx="4066838" cy="338554"/>
+          </a:xfrm>
+          <a:prstGeom prst="rect">
+            <a:avLst/>
+          </a:prstGeom>
+          <a:noFill/>
+        </p:spPr>
+        <p:txBody>
+          <a:bodyPr wrap="square" rtlCol="0">
+            <a:spAutoFit/>
+          </a:bodyPr>
+          <a:lstStyle/>
+          <a:p>
+            <a:pPr marL="285750" indent="-285750" algn="just">
+              <a:buFont typeface="Arial" panose="020B0604020202020204" pitchFamily="34" charset="0"/>
+              <a:buChar char="•"/>
+            </a:pPr>
+            <a:r>
+              <a:rPr lang="fr-FR" sz="1600" dirty="0">
+                <a:latin typeface="Gill Sans MT" panose="020B0502020104020203" pitchFamily="34" charset="0"/>
+              </a:rPr>
+              <a:t>Comparaison de modèles</a:t>
+            </a:r>
+            <a:endParaRPr lang="fr-FR" sz="1600" b="1" dirty="0">
+              <a:latin typeface="Gill Sans MT" panose="020B0502020104020203" pitchFamily="34" charset="0"/>
+            </a:endParaRPr>
+          </a:p>
+        </p:txBody>
+      </p:sp>
+      <p:sp>
+        <p:nvSpPr>
+          <p:cNvPr id="36" name="Rectangle 35">
+            <a:extLst>
+              <a:ext uri="{FF2B5EF4-FFF2-40B4-BE49-F238E27FC236}">
+                <a16:creationId xmlns:a16="http://schemas.microsoft.com/office/drawing/2014/main" id="{233EECD4-4FDC-6B02-3BAC-F6969DA22B2F}"/>
+              </a:ext>
+            </a:extLst>
+          </p:cNvPr>
+          <p:cNvSpPr/>
+          <p:nvPr/>
+        </p:nvSpPr>
+        <p:spPr>
+          <a:xfrm flipV="1">
+            <a:off x="11494942" y="15466746"/>
+            <a:ext cx="9129820" cy="45719"/>
+          </a:xfrm>
+          <a:prstGeom prst="rect">
+            <a:avLst/>
+          </a:prstGeom>
+          <a:solidFill>
+            <a:srgbClr val="00B050"/>
+          </a:solidFill>
+          <a:ln>
+            <a:noFill/>
+          </a:ln>
+        </p:spPr>
+        <p:style>
+          <a:lnRef idx="2">
+            <a:schemeClr val="accent1">
+              <a:shade val="15000"/>
+            </a:schemeClr>
+          </a:lnRef>
+          <a:fillRef idx="1">
+            <a:schemeClr val="accent1"/>
+          </a:fillRef>
+          <a:effectRef idx="0">
+            <a:schemeClr val="accent1"/>
+          </a:effectRef>
+          <a:fontRef idx="minor">
+            <a:schemeClr val="lt1"/>
+          </a:fontRef>
+        </p:style>
+        <p:txBody>
+          <a:bodyPr rtlCol="0" anchor="ctr"/>
+          <a:lstStyle/>
+          <a:p>
+            <a:pPr algn="ctr"/>
+            <a:endParaRPr lang="fr-FR"/>
+          </a:p>
+        </p:txBody>
+      </p:sp>
+      <p:sp>
+        <p:nvSpPr>
+          <p:cNvPr id="37" name="Rectangle 36">
+            <a:extLst>
+              <a:ext uri="{FF2B5EF4-FFF2-40B4-BE49-F238E27FC236}">
+                <a16:creationId xmlns:a16="http://schemas.microsoft.com/office/drawing/2014/main" id="{D7175414-3DA0-9C46-B58F-A1A3A6870DCD}"/>
+              </a:ext>
+            </a:extLst>
+          </p:cNvPr>
+          <p:cNvSpPr/>
+          <p:nvPr/>
+        </p:nvSpPr>
+        <p:spPr>
+          <a:xfrm flipV="1">
+            <a:off x="11494942" y="18109190"/>
+            <a:ext cx="9129820" cy="45719"/>
+          </a:xfrm>
+          <a:prstGeom prst="rect">
+            <a:avLst/>
+          </a:prstGeom>
+          <a:solidFill>
+            <a:srgbClr val="00B050"/>
+          </a:solidFill>
+          <a:ln>
+            <a:noFill/>
+          </a:ln>
+        </p:spPr>
+        <p:style>
+          <a:lnRef idx="2">
+            <a:schemeClr val="accent1">
+              <a:shade val="15000"/>
+            </a:schemeClr>
+          </a:lnRef>
+          <a:fillRef idx="1">
+            <a:schemeClr val="accent1"/>
+          </a:fillRef>
+          <a:effectRef idx="0">
+            <a:schemeClr val="accent1"/>
+          </a:effectRef>
+          <a:fontRef idx="minor">
+            <a:schemeClr val="lt1"/>
+          </a:fontRef>
+        </p:style>
+        <p:txBody>
+          <a:bodyPr rtlCol="0" anchor="ctr"/>
+          <a:lstStyle/>
+          <a:p>
+            <a:pPr algn="ctr"/>
+            <a:endParaRPr lang="fr-FR"/>
+          </a:p>
+        </p:txBody>
+      </p:sp>
+      <p:sp>
+        <p:nvSpPr>
+          <p:cNvPr id="38" name="Rectangle 37">
+            <a:extLst>
+              <a:ext uri="{FF2B5EF4-FFF2-40B4-BE49-F238E27FC236}">
+                <a16:creationId xmlns:a16="http://schemas.microsoft.com/office/drawing/2014/main" id="{BE25C715-F7E1-CDDB-ECBF-51CFA9E41348}"/>
+              </a:ext>
+            </a:extLst>
+          </p:cNvPr>
+          <p:cNvSpPr/>
+          <p:nvPr/>
+        </p:nvSpPr>
+        <p:spPr>
+          <a:xfrm flipV="1">
+            <a:off x="11470387" y="21128326"/>
+            <a:ext cx="9129820" cy="45719"/>
+          </a:xfrm>
+          <a:prstGeom prst="rect">
+            <a:avLst/>
+          </a:prstGeom>
+          <a:solidFill>
+            <a:srgbClr val="00B050"/>
+          </a:solidFill>
+          <a:ln>
+            <a:noFill/>
+          </a:ln>
+        </p:spPr>
+        <p:style>
+          <a:lnRef idx="2">
+            <a:schemeClr val="accent1">
+              <a:shade val="15000"/>
+            </a:schemeClr>
+          </a:lnRef>
+          <a:fillRef idx="1">
+            <a:schemeClr val="accent1"/>
+          </a:fillRef>
+          <a:effectRef idx="0">
+            <a:schemeClr val="accent1"/>
+          </a:effectRef>
+          <a:fontRef idx="minor">
+            <a:schemeClr val="lt1"/>
+          </a:fontRef>
+        </p:style>
+        <p:txBody>
+          <a:bodyPr rtlCol="0" anchor="ctr"/>
+          <a:lstStyle/>
+          <a:p>
+            <a:pPr algn="ctr"/>
+            <a:endParaRPr lang="fr-FR"/>
+          </a:p>
+        </p:txBody>
+      </p:sp>
+      <mc:AlternateContent xmlns:mc="http://schemas.openxmlformats.org/markup-compatibility/2006" xmlns:a14="http://schemas.microsoft.com/office/drawing/2010/main">
+        <mc:Choice Requires="a14">
+          <p:sp>
+            <p:nvSpPr>
+              <p:cNvPr id="39" name="ZoneTexte 38">
+                <a:extLst>
+                  <a:ext uri="{FF2B5EF4-FFF2-40B4-BE49-F238E27FC236}">
+                    <a16:creationId xmlns:a16="http://schemas.microsoft.com/office/drawing/2014/main" id="{26411CDB-7525-5E73-00EB-DD666A98B40E}"/>
+                  </a:ext>
+                </a:extLst>
+              </p:cNvPr>
+              <p:cNvSpPr txBox="1"/>
+              <p:nvPr/>
+            </p:nvSpPr>
+            <p:spPr>
+              <a:xfrm>
+                <a:off x="16397784" y="18245493"/>
+                <a:ext cx="3872646" cy="584775"/>
+              </a:xfrm>
+              <a:prstGeom prst="rect">
+                <a:avLst/>
+              </a:prstGeom>
+              <a:noFill/>
+            </p:spPr>
+            <p:txBody>
+              <a:bodyPr wrap="square" rtlCol="0">
+                <a:spAutoFit/>
+              </a:bodyPr>
+              <a:lstStyle/>
+              <a:p>
+                <a:pPr marL="285750" indent="-285750">
+                  <a:buFont typeface="Arial" panose="020B0604020202020204" pitchFamily="34" charset="0"/>
+                  <a:buChar char="•"/>
+                </a:pPr>
+                <a:r>
+                  <a:rPr lang="fr-FR" sz="1600" dirty="0">
+                    <a:latin typeface="Gill Sans MT" panose="020B0502020104020203" pitchFamily="34" charset="0"/>
+                  </a:rPr>
+                  <a:t>Coefficient </a:t>
+                </a:r>
+                <a14:m>
+                  <m:oMath xmlns:m="http://schemas.openxmlformats.org/officeDocument/2006/math">
+                    <m:r>
+                      <a:rPr lang="fr-FR" sz="1600" i="1" smtClean="0">
+                        <a:latin typeface="Cambria Math" panose="02040503050406030204" pitchFamily="18" charset="0"/>
+                        <a:ea typeface="Cambria Math" panose="02040503050406030204" pitchFamily="18" charset="0"/>
+                      </a:rPr>
+                      <m:t>𝜌</m:t>
+                    </m:r>
+                  </m:oMath>
+                </a14:m>
+                <a:r>
+                  <a:rPr lang="fr-FR" sz="1600" dirty="0">
+                    <a:latin typeface="Gill Sans MT" panose="020B0502020104020203" pitchFamily="34" charset="0"/>
+                  </a:rPr>
+                  <a:t> d’interaction endogène :</a:t>
+                </a:r>
+              </a:p>
+              <a:p>
+                <a14:m>
+                  <m:oMath xmlns:m="http://schemas.openxmlformats.org/officeDocument/2006/math">
+                    <m:r>
+                      <a:rPr lang="fr-FR" sz="1600" b="1" i="1" smtClean="0">
+                        <a:latin typeface="Cambria Math" panose="02040503050406030204" pitchFamily="18" charset="0"/>
+                        <a:ea typeface="Cambria Math" panose="02040503050406030204" pitchFamily="18" charset="0"/>
+                      </a:rPr>
+                      <m:t>𝝆</m:t>
+                    </m:r>
+                    <m:r>
+                      <a:rPr lang="fr-FR" sz="1600" b="1" i="1" smtClean="0">
+                        <a:latin typeface="Cambria Math" panose="02040503050406030204" pitchFamily="18" charset="0"/>
+                        <a:ea typeface="Cambria Math" panose="02040503050406030204" pitchFamily="18" charset="0"/>
+                      </a:rPr>
+                      <m:t>=</m:t>
+                    </m:r>
+                    <m:r>
+                      <a:rPr lang="fr-FR" sz="1600" b="1" i="1" smtClean="0">
+                        <a:latin typeface="Cambria Math" panose="02040503050406030204" pitchFamily="18" charset="0"/>
+                        <a:ea typeface="Cambria Math" panose="02040503050406030204" pitchFamily="18" charset="0"/>
+                      </a:rPr>
+                      <m:t>𝟎</m:t>
+                    </m:r>
+                    <m:r>
+                      <a:rPr lang="fr-FR" sz="1600" b="1" i="1" smtClean="0">
+                        <a:latin typeface="Cambria Math" panose="02040503050406030204" pitchFamily="18" charset="0"/>
+                        <a:ea typeface="Cambria Math" panose="02040503050406030204" pitchFamily="18" charset="0"/>
+                      </a:rPr>
+                      <m:t>.</m:t>
+                    </m:r>
+                    <m:r>
+                      <a:rPr lang="fr-FR" sz="1600" b="1" i="1" smtClean="0">
+                        <a:latin typeface="Cambria Math" panose="02040503050406030204" pitchFamily="18" charset="0"/>
+                        <a:ea typeface="Cambria Math" panose="02040503050406030204" pitchFamily="18" charset="0"/>
+                      </a:rPr>
+                      <m:t>𝟗𝟗𝟒𝟕</m:t>
+                    </m:r>
+                  </m:oMath>
+                </a14:m>
+                <a:r>
+                  <a:rPr lang="fr-FR" sz="1600" b="1" dirty="0">
+                    <a:latin typeface="Gill Sans MT" panose="020B0502020104020203" pitchFamily="34" charset="0"/>
+                  </a:rPr>
+                  <a:t> </a:t>
+                </a:r>
+                <a:r>
+                  <a:rPr lang="fr-FR" sz="1600" dirty="0">
+                    <a:latin typeface="Gill Sans MT" panose="020B0502020104020203" pitchFamily="34" charset="0"/>
+                  </a:rPr>
+                  <a:t>(p-valeur</a:t>
+                </a:r>
+                <a:r>
+                  <a:rPr lang="fr-FR" sz="1600" dirty="0"/>
+                  <a:t> &lt; 2.22e-16)</a:t>
+                </a:r>
+                <a:endParaRPr lang="fr-FR" sz="1600" dirty="0">
+                  <a:latin typeface="Gill Sans MT" panose="020B0502020104020203" pitchFamily="34" charset="0"/>
+                </a:endParaRPr>
+              </a:p>
+            </p:txBody>
+          </p:sp>
+        </mc:Choice>
+        <mc:Fallback xmlns="">
+          <p:sp>
+            <p:nvSpPr>
+              <p:cNvPr id="39" name="ZoneTexte 38">
+                <a:extLst>
+                  <a:ext uri="{FF2B5EF4-FFF2-40B4-BE49-F238E27FC236}">
+                    <a16:creationId xmlns:a16="http://schemas.microsoft.com/office/drawing/2014/main" id="{26411CDB-7525-5E73-00EB-DD666A98B40E}"/>
+                  </a:ext>
+                </a:extLst>
+              </p:cNvPr>
+              <p:cNvSpPr txBox="1">
+                <a:spLocks noRot="1" noChangeAspect="1" noMove="1" noResize="1" noEditPoints="1" noAdjustHandles="1" noChangeArrowheads="1" noChangeShapeType="1" noTextEdit="1"/>
+              </p:cNvSpPr>
+              <p:nvPr/>
+            </p:nvSpPr>
+            <p:spPr>
+              <a:xfrm>
+                <a:off x="16397784" y="18245493"/>
+                <a:ext cx="3872646" cy="584775"/>
+              </a:xfrm>
+              <a:prstGeom prst="rect">
+                <a:avLst/>
+              </a:prstGeom>
+              <a:blipFill>
+                <a:blip r:embed="rId17"/>
+                <a:stretch>
+                  <a:fillRect l="-630" t="-3125" b="-12500"/>
+                </a:stretch>
+              </a:blipFill>
+            </p:spPr>
+            <p:txBody>
+              <a:bodyPr/>
+              <a:lstStyle/>
+              <a:p>
+                <a:r>
+                  <a:rPr lang="fr-FR">
+                    <a:noFill/>
+                  </a:rPr>
+                  <a:t> </a:t>
+                </a:r>
+              </a:p>
+            </p:txBody>
+          </p:sp>
+        </mc:Fallback>
+      </mc:AlternateContent>
+      <p:sp>
+        <p:nvSpPr>
+          <p:cNvPr id="41" name="Flèche : droite rayée 40">
+            <a:extLst>
+              <a:ext uri="{FF2B5EF4-FFF2-40B4-BE49-F238E27FC236}">
+                <a16:creationId xmlns:a16="http://schemas.microsoft.com/office/drawing/2014/main" id="{EDDA71BC-556E-76BC-C8AC-84543FE2137D}"/>
+              </a:ext>
+            </a:extLst>
+          </p:cNvPr>
+          <p:cNvSpPr/>
+          <p:nvPr/>
+        </p:nvSpPr>
+        <p:spPr>
+          <a:xfrm rot="5400000">
+            <a:off x="18041718" y="19090020"/>
+            <a:ext cx="584777" cy="181406"/>
+          </a:xfrm>
+          <a:prstGeom prst="stripedRightArrow">
+            <a:avLst/>
+          </a:prstGeom>
+          <a:solidFill>
+            <a:srgbClr val="00B050"/>
+          </a:solidFill>
+          <a:ln>
+            <a:noFill/>
+          </a:ln>
+        </p:spPr>
+        <p:style>
+          <a:lnRef idx="2">
+            <a:schemeClr val="accent1">
+              <a:shade val="15000"/>
+            </a:schemeClr>
+          </a:lnRef>
+          <a:fillRef idx="1">
+            <a:schemeClr val="accent1"/>
+          </a:fillRef>
+          <a:effectRef idx="0">
+            <a:schemeClr val="accent1"/>
+          </a:effectRef>
+          <a:fontRef idx="minor">
+            <a:schemeClr val="lt1"/>
+          </a:fontRef>
+        </p:style>
+        <p:txBody>
+          <a:bodyPr rtlCol="0" anchor="ctr"/>
+          <a:lstStyle/>
+          <a:p>
+            <a:pPr algn="ctr"/>
+            <a:endParaRPr lang="fr-FR"/>
+          </a:p>
+        </p:txBody>
+      </p:sp>
+      <p:sp>
+        <p:nvSpPr>
+          <p:cNvPr id="42" name="ZoneTexte 41">
+            <a:extLst>
+              <a:ext uri="{FF2B5EF4-FFF2-40B4-BE49-F238E27FC236}">
+                <a16:creationId xmlns:a16="http://schemas.microsoft.com/office/drawing/2014/main" id="{0152C35F-9583-BC96-997C-526271A7F36F}"/>
+              </a:ext>
+            </a:extLst>
+          </p:cNvPr>
+          <p:cNvSpPr txBox="1"/>
+          <p:nvPr/>
+        </p:nvSpPr>
+        <p:spPr>
+          <a:xfrm>
+            <a:off x="16553562" y="19598325"/>
+            <a:ext cx="4132327" cy="1323439"/>
+          </a:xfrm>
+          <a:prstGeom prst="rect">
+            <a:avLst/>
+          </a:prstGeom>
+          <a:noFill/>
+        </p:spPr>
+        <p:txBody>
+          <a:bodyPr wrap="square" rtlCol="0">
+            <a:spAutoFit/>
+          </a:bodyPr>
+          <a:lstStyle/>
+          <a:p>
+            <a:pPr algn="just"/>
+            <a:r>
+              <a:rPr lang="fr-FR" sz="1600" dirty="0">
+                <a:latin typeface="Gill Sans MT" panose="020B0502020104020203" pitchFamily="34" charset="0"/>
+              </a:rPr>
+              <a:t>Très forte autocorrélation spatiale des taux de consultations entre communes : une commune ayant un taux de consultations élevé tend à être entourée par des communes présentant également des taux élevés, et inversement.</a:t>
+            </a:r>
+          </a:p>
+        </p:txBody>
+      </p:sp>
+      <p:sp>
+        <p:nvSpPr>
+          <p:cNvPr id="43" name="Rectangle : coins arrondis 42">
+            <a:extLst>
+              <a:ext uri="{FF2B5EF4-FFF2-40B4-BE49-F238E27FC236}">
+                <a16:creationId xmlns:a16="http://schemas.microsoft.com/office/drawing/2014/main" id="{73DBEF94-087B-3672-C15F-45C87C6137BB}"/>
+              </a:ext>
+            </a:extLst>
+          </p:cNvPr>
+          <p:cNvSpPr/>
+          <p:nvPr/>
+        </p:nvSpPr>
+        <p:spPr>
+          <a:xfrm>
+            <a:off x="16465491" y="19561409"/>
+            <a:ext cx="4201327" cy="1415689"/>
+          </a:xfrm>
+          <a:prstGeom prst="roundRect">
+            <a:avLst/>
+          </a:prstGeom>
+          <a:noFill/>
+          <a:ln w="28575">
+            <a:solidFill>
+              <a:srgbClr val="002060"/>
+            </a:solidFill>
+          </a:ln>
+        </p:spPr>
+        <p:style>
+          <a:lnRef idx="2">
+            <a:schemeClr val="accent1">
+              <a:shade val="15000"/>
+            </a:schemeClr>
+          </a:lnRef>
+          <a:fillRef idx="1">
+            <a:schemeClr val="accent1"/>
+          </a:fillRef>
+          <a:effectRef idx="0">
+            <a:schemeClr val="accent1"/>
+          </a:effectRef>
+          <a:fontRef idx="minor">
+            <a:schemeClr val="lt1"/>
+          </a:fontRef>
+        </p:style>
+        <p:txBody>
+          <a:bodyPr rtlCol="0" anchor="ctr"/>
+          <a:lstStyle/>
+          <a:p>
+            <a:pPr algn="just"/>
+            <a:endParaRPr lang="fr-FR" sz="1600" dirty="0">
+              <a:solidFill>
+                <a:schemeClr val="tx1"/>
+              </a:solidFill>
+              <a:latin typeface="Gill Sans MT" panose="020B0502020104020203" pitchFamily="34" charset="0"/>
+            </a:endParaRPr>
+          </a:p>
+        </p:txBody>
+      </p:sp>
+      <p:sp>
+        <p:nvSpPr>
+          <p:cNvPr id="44" name="Rectangle 43">
+            <a:extLst>
+              <a:ext uri="{FF2B5EF4-FFF2-40B4-BE49-F238E27FC236}">
+                <a16:creationId xmlns:a16="http://schemas.microsoft.com/office/drawing/2014/main" id="{8A1DB2D3-5163-0615-7824-6590B408777C}"/>
+              </a:ext>
+            </a:extLst>
+          </p:cNvPr>
+          <p:cNvSpPr/>
+          <p:nvPr/>
+        </p:nvSpPr>
+        <p:spPr>
+          <a:xfrm>
+            <a:off x="445366" y="17509046"/>
+            <a:ext cx="9691880" cy="45719"/>
+          </a:xfrm>
+          <a:prstGeom prst="rect">
+            <a:avLst/>
+          </a:prstGeom>
+          <a:solidFill>
+            <a:srgbClr val="00B050"/>
+          </a:solidFill>
+          <a:ln>
+            <a:noFill/>
+          </a:ln>
+        </p:spPr>
+        <p:style>
+          <a:lnRef idx="2">
+            <a:schemeClr val="accent1">
+              <a:shade val="15000"/>
+            </a:schemeClr>
+          </a:lnRef>
+          <a:fillRef idx="1">
+            <a:schemeClr val="accent1"/>
+          </a:fillRef>
+          <a:effectRef idx="0">
+            <a:schemeClr val="accent1"/>
+          </a:effectRef>
+          <a:fontRef idx="minor">
+            <a:schemeClr val="lt1"/>
+          </a:fontRef>
+        </p:style>
+        <p:txBody>
+          <a:bodyPr rtlCol="0" anchor="ctr"/>
+          <a:lstStyle/>
+          <a:p>
+            <a:pPr algn="ctr"/>
+            <a:endParaRPr lang="fr-FR"/>
+          </a:p>
+        </p:txBody>
+      </p:sp>
+      <p:sp>
+        <p:nvSpPr>
+          <p:cNvPr id="47" name="ZoneTexte 46">
+            <a:extLst>
+              <a:ext uri="{FF2B5EF4-FFF2-40B4-BE49-F238E27FC236}">
+                <a16:creationId xmlns:a16="http://schemas.microsoft.com/office/drawing/2014/main" id="{457D3929-B9FD-0FB1-F73D-86FDBDE3560C}"/>
+              </a:ext>
+            </a:extLst>
+          </p:cNvPr>
+          <p:cNvSpPr txBox="1"/>
+          <p:nvPr/>
+        </p:nvSpPr>
+        <p:spPr>
+          <a:xfrm>
+            <a:off x="578978" y="17661665"/>
+            <a:ext cx="6992301" cy="338554"/>
+          </a:xfrm>
+          <a:prstGeom prst="rect">
+            <a:avLst/>
+          </a:prstGeom>
+          <a:noFill/>
+        </p:spPr>
+        <p:txBody>
+          <a:bodyPr wrap="square" rtlCol="0">
+            <a:spAutoFit/>
+          </a:bodyPr>
+          <a:lstStyle/>
+          <a:p>
+            <a:pPr marL="285750" indent="-285750" algn="just">
+              <a:buFont typeface="Arial" panose="020B0604020202020204" pitchFamily="34" charset="0"/>
+              <a:buChar char="•"/>
+            </a:pPr>
+            <a:r>
+              <a:rPr lang="fr-FR" sz="1600" dirty="0">
+                <a:latin typeface="Gill Sans MT" panose="020B0502020104020203" pitchFamily="34" charset="0"/>
+              </a:rPr>
+              <a:t>Approche d’ELHORST, 2010 pour le choix d’un modèle d’économétrie spatiale</a:t>
+            </a:r>
+            <a:endParaRPr lang="fr-FR" sz="1600" b="1" dirty="0">
+              <a:latin typeface="Gill Sans MT" panose="020B0502020104020203" pitchFamily="34" charset="0"/>
+            </a:endParaRPr>
+          </a:p>
+        </p:txBody>
+      </p:sp>
+      <p:grpSp>
+        <p:nvGrpSpPr>
+          <p:cNvPr id="53" name="Groupe 52">
+            <a:extLst>
+              <a:ext uri="{FF2B5EF4-FFF2-40B4-BE49-F238E27FC236}">
+                <a16:creationId xmlns:a16="http://schemas.microsoft.com/office/drawing/2014/main" id="{BED31212-88A5-0884-7501-0C2C23D23980}"/>
+              </a:ext>
+            </a:extLst>
+          </p:cNvPr>
+          <p:cNvGrpSpPr/>
+          <p:nvPr/>
+        </p:nvGrpSpPr>
+        <p:grpSpPr>
+          <a:xfrm>
+            <a:off x="7638543" y="18109994"/>
+            <a:ext cx="2491846" cy="1215739"/>
+            <a:chOff x="7645400" y="17173861"/>
+            <a:chExt cx="2491846" cy="1215739"/>
+          </a:xfrm>
+        </p:grpSpPr>
+        <p:sp>
+          <p:nvSpPr>
+            <p:cNvPr id="48" name="Rectangle : coins arrondis 47">
+              <a:extLst>
+                <a:ext uri="{FF2B5EF4-FFF2-40B4-BE49-F238E27FC236}">
+                  <a16:creationId xmlns:a16="http://schemas.microsoft.com/office/drawing/2014/main" id="{8F15155E-823C-2C45-CC9A-2853744A485A}"/>
+                </a:ext>
+              </a:extLst>
+            </p:cNvPr>
+            <p:cNvSpPr/>
+            <p:nvPr/>
+          </p:nvSpPr>
+          <p:spPr>
+            <a:xfrm>
+              <a:off x="7823200" y="17441333"/>
+              <a:ext cx="296333" cy="266795"/>
+            </a:xfrm>
+            <a:prstGeom prst="roundRect">
+              <a:avLst/>
+            </a:prstGeom>
+            <a:solidFill>
+              <a:srgbClr val="00AEEF"/>
+            </a:solidFill>
+          </p:spPr>
+          <p:style>
+            <a:lnRef idx="2">
+              <a:schemeClr val="accent1">
+                <a:shade val="15000"/>
+              </a:schemeClr>
+            </a:lnRef>
+            <a:fillRef idx="1">
+              <a:schemeClr val="accent1"/>
+            </a:fillRef>
+            <a:effectRef idx="0">
+              <a:schemeClr val="accent1"/>
+            </a:effectRef>
+            <a:fontRef idx="minor">
+              <a:schemeClr val="lt1"/>
+            </a:fontRef>
+          </p:style>
+          <p:txBody>
+            <a:bodyPr rtlCol="0" anchor="ctr"/>
+            <a:lstStyle/>
+            <a:p>
+              <a:pPr algn="ctr"/>
+              <a:endParaRPr lang="fr-FR"/>
+            </a:p>
+          </p:txBody>
+        </p:sp>
+        <p:sp>
+          <p:nvSpPr>
+            <p:cNvPr id="49" name="Rectangle : coins arrondis 48">
+              <a:extLst>
+                <a:ext uri="{FF2B5EF4-FFF2-40B4-BE49-F238E27FC236}">
+                  <a16:creationId xmlns:a16="http://schemas.microsoft.com/office/drawing/2014/main" id="{451BB018-A782-333F-C7F9-FD678FC2C307}"/>
+                </a:ext>
+              </a:extLst>
+            </p:cNvPr>
+            <p:cNvSpPr/>
+            <p:nvPr/>
+          </p:nvSpPr>
+          <p:spPr>
+            <a:xfrm>
+              <a:off x="7823200" y="17894982"/>
+              <a:ext cx="296333" cy="266795"/>
+            </a:xfrm>
+            <a:prstGeom prst="roundRect">
+              <a:avLst/>
+            </a:prstGeom>
+            <a:solidFill>
+              <a:srgbClr val="FFF101"/>
+            </a:solidFill>
+          </p:spPr>
+          <p:style>
+            <a:lnRef idx="2">
+              <a:schemeClr val="accent1">
+                <a:shade val="15000"/>
+              </a:schemeClr>
+            </a:lnRef>
+            <a:fillRef idx="1">
+              <a:schemeClr val="accent1"/>
+            </a:fillRef>
+            <a:effectRef idx="0">
+              <a:schemeClr val="accent1"/>
+            </a:effectRef>
+            <a:fontRef idx="minor">
+              <a:schemeClr val="lt1"/>
+            </a:fontRef>
+          </p:style>
+          <p:txBody>
+            <a:bodyPr rtlCol="0" anchor="ctr"/>
+            <a:lstStyle/>
+            <a:p>
+              <a:pPr algn="ctr"/>
+              <a:endParaRPr lang="fr-FR"/>
+            </a:p>
+          </p:txBody>
+        </p:sp>
+        <p:sp>
+          <p:nvSpPr>
+            <p:cNvPr id="50" name="ZoneTexte 49">
+              <a:extLst>
+                <a:ext uri="{FF2B5EF4-FFF2-40B4-BE49-F238E27FC236}">
+                  <a16:creationId xmlns:a16="http://schemas.microsoft.com/office/drawing/2014/main" id="{9074B73E-184C-925C-1C9D-5088673EF8ED}"/>
+                </a:ext>
+              </a:extLst>
+            </p:cNvPr>
+            <p:cNvSpPr txBox="1"/>
+            <p:nvPr/>
+          </p:nvSpPr>
+          <p:spPr>
+            <a:xfrm>
+              <a:off x="8214709" y="17413981"/>
+              <a:ext cx="1922537" cy="338554"/>
+            </a:xfrm>
+            <a:prstGeom prst="rect">
+              <a:avLst/>
+            </a:prstGeom>
+            <a:noFill/>
+          </p:spPr>
+          <p:txBody>
+            <a:bodyPr wrap="square" rtlCol="0">
+              <a:spAutoFit/>
+            </a:bodyPr>
+            <a:lstStyle/>
+            <a:p>
+              <a:r>
+                <a:rPr lang="fr-FR" sz="1600" dirty="0">
+                  <a:latin typeface="Gill Sans MT" panose="020B0502020104020203" pitchFamily="34" charset="0"/>
+                </a:rPr>
+                <a:t>Tests des coefficients</a:t>
+              </a:r>
+            </a:p>
+          </p:txBody>
+        </p:sp>
+        <p:sp>
+          <p:nvSpPr>
+            <p:cNvPr id="51" name="ZoneTexte 50">
+              <a:extLst>
+                <a:ext uri="{FF2B5EF4-FFF2-40B4-BE49-F238E27FC236}">
+                  <a16:creationId xmlns:a16="http://schemas.microsoft.com/office/drawing/2014/main" id="{C6F45904-C833-FDD4-65FD-60CEB6418827}"/>
+                </a:ext>
+              </a:extLst>
+            </p:cNvPr>
+            <p:cNvSpPr txBox="1"/>
+            <p:nvPr/>
+          </p:nvSpPr>
+          <p:spPr>
+            <a:xfrm>
+              <a:off x="8214709" y="17869277"/>
+              <a:ext cx="1922537" cy="338554"/>
+            </a:xfrm>
+            <a:prstGeom prst="rect">
+              <a:avLst/>
+            </a:prstGeom>
+            <a:noFill/>
+          </p:spPr>
+          <p:txBody>
+            <a:bodyPr wrap="square" rtlCol="0">
+              <a:spAutoFit/>
+            </a:bodyPr>
+            <a:lstStyle/>
+            <a:p>
+              <a:r>
+                <a:rPr lang="fr-FR" sz="1600" dirty="0">
+                  <a:latin typeface="Gill Sans MT" panose="020B0502020104020203" pitchFamily="34" charset="0"/>
+                </a:rPr>
+                <a:t>Modèles estimés</a:t>
+              </a:r>
+            </a:p>
+          </p:txBody>
+        </p:sp>
+        <p:sp>
+          <p:nvSpPr>
+            <p:cNvPr id="52" name="Rectangle : coins arrondis 51">
+              <a:extLst>
+                <a:ext uri="{FF2B5EF4-FFF2-40B4-BE49-F238E27FC236}">
+                  <a16:creationId xmlns:a16="http://schemas.microsoft.com/office/drawing/2014/main" id="{49B8BED1-523F-9A98-0892-A0348CACE7DC}"/>
+                </a:ext>
+              </a:extLst>
+            </p:cNvPr>
+            <p:cNvSpPr/>
+            <p:nvPr/>
+          </p:nvSpPr>
+          <p:spPr>
+            <a:xfrm>
+              <a:off x="7645400" y="17173861"/>
+              <a:ext cx="2491846" cy="1215739"/>
+            </a:xfrm>
+            <a:prstGeom prst="roundRect">
+              <a:avLst/>
+            </a:prstGeom>
+            <a:noFill/>
+            <a:ln w="28575">
+              <a:solidFill>
+                <a:srgbClr val="002060"/>
+              </a:solidFill>
+            </a:ln>
+          </p:spPr>
+          <p:style>
+            <a:lnRef idx="2">
+              <a:schemeClr val="accent1">
+                <a:shade val="15000"/>
+              </a:schemeClr>
+            </a:lnRef>
+            <a:fillRef idx="1">
+              <a:schemeClr val="accent1"/>
+            </a:fillRef>
+            <a:effectRef idx="0">
+              <a:schemeClr val="accent1"/>
+            </a:effectRef>
+            <a:fontRef idx="minor">
+              <a:schemeClr val="lt1"/>
+            </a:fontRef>
+          </p:style>
+          <p:txBody>
+            <a:bodyPr rtlCol="0" anchor="ctr"/>
+            <a:lstStyle/>
+            <a:p>
+              <a:pPr algn="just"/>
+              <a:endParaRPr lang="fr-FR" sz="1600" dirty="0">
+                <a:solidFill>
+                  <a:schemeClr val="tx1"/>
+                </a:solidFill>
+                <a:latin typeface="Gill Sans MT" panose="020B0502020104020203" pitchFamily="34" charset="0"/>
+              </a:endParaRPr>
+            </a:p>
+          </p:txBody>
+        </p:sp>
+      </p:grpSp>
+      <p:sp>
+        <p:nvSpPr>
+          <p:cNvPr id="59" name="ZoneTexte 58">
+            <a:extLst>
+              <a:ext uri="{FF2B5EF4-FFF2-40B4-BE49-F238E27FC236}">
+                <a16:creationId xmlns:a16="http://schemas.microsoft.com/office/drawing/2014/main" id="{1CF82430-9B5C-541D-4851-D4565371328D}"/>
+              </a:ext>
+            </a:extLst>
+          </p:cNvPr>
+          <p:cNvSpPr txBox="1"/>
+          <p:nvPr/>
+        </p:nvSpPr>
+        <p:spPr>
+          <a:xfrm>
+            <a:off x="607713" y="22652589"/>
+            <a:ext cx="6992301" cy="338554"/>
+          </a:xfrm>
+          <a:prstGeom prst="rect">
+            <a:avLst/>
+          </a:prstGeom>
+          <a:noFill/>
+        </p:spPr>
+        <p:txBody>
+          <a:bodyPr wrap="square" rtlCol="0">
+            <a:spAutoFit/>
+          </a:bodyPr>
+          <a:lstStyle/>
+          <a:p>
+            <a:pPr marL="285750" indent="-285750" algn="just">
+              <a:buFont typeface="Arial" panose="020B0604020202020204" pitchFamily="34" charset="0"/>
+              <a:buChar char="•"/>
+            </a:pPr>
+            <a:r>
+              <a:rPr lang="fr-FR" sz="1600" dirty="0">
+                <a:latin typeface="Gill Sans MT" panose="020B0502020104020203" pitchFamily="34" charset="0"/>
+              </a:rPr>
+              <a:t>Outils utilisés</a:t>
+            </a:r>
+            <a:endParaRPr lang="fr-FR" sz="1600" b="1" dirty="0">
+              <a:latin typeface="Gill Sans MT" panose="020B0502020104020203" pitchFamily="34" charset="0"/>
+            </a:endParaRPr>
+          </a:p>
+        </p:txBody>
+      </p:sp>
+      <p:sp>
+        <p:nvSpPr>
+          <p:cNvPr id="60" name="Rectangle 59">
+            <a:extLst>
+              <a:ext uri="{FF2B5EF4-FFF2-40B4-BE49-F238E27FC236}">
+                <a16:creationId xmlns:a16="http://schemas.microsoft.com/office/drawing/2014/main" id="{5CB3D9A2-B029-58D1-07BA-A408BAB06931}"/>
+              </a:ext>
+            </a:extLst>
+          </p:cNvPr>
+          <p:cNvSpPr/>
+          <p:nvPr/>
+        </p:nvSpPr>
+        <p:spPr>
+          <a:xfrm>
+            <a:off x="445366" y="22465893"/>
+            <a:ext cx="9691880" cy="45719"/>
+          </a:xfrm>
+          <a:prstGeom prst="rect">
+            <a:avLst/>
+          </a:prstGeom>
+          <a:solidFill>
+            <a:srgbClr val="00B050"/>
+          </a:solidFill>
+          <a:ln>
+            <a:noFill/>
+          </a:ln>
+        </p:spPr>
+        <p:style>
+          <a:lnRef idx="2">
+            <a:schemeClr val="accent1">
+              <a:shade val="15000"/>
+            </a:schemeClr>
+          </a:lnRef>
+          <a:fillRef idx="1">
+            <a:schemeClr val="accent1"/>
+          </a:fillRef>
+          <a:effectRef idx="0">
+            <a:schemeClr val="accent1"/>
+          </a:effectRef>
+          <a:fontRef idx="minor">
+            <a:schemeClr val="lt1"/>
+          </a:fontRef>
+        </p:style>
+        <p:txBody>
+          <a:bodyPr rtlCol="0" anchor="ctr"/>
+          <a:lstStyle/>
+          <a:p>
+            <a:pPr algn="ctr"/>
+            <a:endParaRPr lang="fr-FR"/>
+          </a:p>
+        </p:txBody>
+      </p:sp>
+      <p:pic>
+        <p:nvPicPr>
+          <p:cNvPr id="83" name="Image 82">
+            <a:extLst>
+              <a:ext uri="{FF2B5EF4-FFF2-40B4-BE49-F238E27FC236}">
+                <a16:creationId xmlns:a16="http://schemas.microsoft.com/office/drawing/2014/main" id="{B0F9469B-5C5C-CB66-2C52-06525843D572}"/>
+              </a:ext>
+            </a:extLst>
+          </p:cNvPr>
+          <p:cNvPicPr>
+            <a:picLocks noChangeAspect="1"/>
+          </p:cNvPicPr>
+          <p:nvPr/>
+        </p:nvPicPr>
+        <p:blipFill>
+          <a:blip r:embed="rId18">
+            <a:extLst>
+              <a:ext uri="{28A0092B-C50C-407E-A947-70E740481C1C}">
+                <a14:useLocalDpi xmlns:a14="http://schemas.microsoft.com/office/drawing/2010/main" val="0"/>
+              </a:ext>
+            </a:extLst>
+          </a:blip>
+          <a:stretch>
+            <a:fillRect/>
+          </a:stretch>
+        </p:blipFill>
+        <p:spPr>
+          <a:xfrm>
+            <a:off x="2558171" y="23268103"/>
+            <a:ext cx="1542683" cy="1611852"/>
+          </a:xfrm>
+          <a:prstGeom prst="rect">
+            <a:avLst/>
+          </a:prstGeom>
+        </p:spPr>
+      </p:pic>
+      <p:pic>
+        <p:nvPicPr>
+          <p:cNvPr id="85" name="Image 84">
+            <a:extLst>
+              <a:ext uri="{FF2B5EF4-FFF2-40B4-BE49-F238E27FC236}">
+                <a16:creationId xmlns:a16="http://schemas.microsoft.com/office/drawing/2014/main" id="{1FA2DE7F-A55B-C17A-143A-A2594EDAEDBF}"/>
+              </a:ext>
+            </a:extLst>
+          </p:cNvPr>
+          <p:cNvPicPr>
+            <a:picLocks noChangeAspect="1"/>
+          </p:cNvPicPr>
+          <p:nvPr/>
+        </p:nvPicPr>
+        <p:blipFill>
+          <a:blip r:embed="rId19">
+            <a:extLst>
+              <a:ext uri="{28A0092B-C50C-407E-A947-70E740481C1C}">
+                <a14:useLocalDpi xmlns:a14="http://schemas.microsoft.com/office/drawing/2010/main" val="0"/>
+              </a:ext>
+            </a:extLst>
+          </a:blip>
+          <a:stretch>
+            <a:fillRect/>
+          </a:stretch>
+        </p:blipFill>
+        <p:spPr>
+          <a:xfrm>
+            <a:off x="804283" y="23186197"/>
+            <a:ext cx="1643016" cy="1643016"/>
+          </a:xfrm>
+          <a:prstGeom prst="rect">
+            <a:avLst/>
+          </a:prstGeom>
+        </p:spPr>
+      </p:pic>
+      <p:pic>
+        <p:nvPicPr>
+          <p:cNvPr id="87" name="Image 86">
+            <a:extLst>
+              <a:ext uri="{FF2B5EF4-FFF2-40B4-BE49-F238E27FC236}">
+                <a16:creationId xmlns:a16="http://schemas.microsoft.com/office/drawing/2014/main" id="{8E4B4B4B-0412-522F-2579-0BB261BC80EF}"/>
+              </a:ext>
+            </a:extLst>
+          </p:cNvPr>
+          <p:cNvPicPr>
+            <a:picLocks noChangeAspect="1"/>
+          </p:cNvPicPr>
+          <p:nvPr/>
+        </p:nvPicPr>
+        <p:blipFill>
+          <a:blip r:embed="rId20">
+            <a:extLst>
+              <a:ext uri="{BEBA8EAE-BF5A-486C-A8C5-ECC9F3942E4B}">
+                <a14:imgProps xmlns:a14="http://schemas.microsoft.com/office/drawing/2010/main">
+                  <a14:imgLayer r:embed="rId21">
+                    <a14:imgEffect>
+                      <a14:backgroundRemoval t="10000" b="90000" l="10000" r="90000"/>
+                    </a14:imgEffect>
+                  </a14:imgLayer>
+                </a14:imgProps>
+              </a:ext>
+              <a:ext uri="{28A0092B-C50C-407E-A947-70E740481C1C}">
+                <a14:useLocalDpi xmlns:a14="http://schemas.microsoft.com/office/drawing/2010/main" val="0"/>
+              </a:ext>
+            </a:extLst>
+          </a:blip>
+          <a:stretch>
+            <a:fillRect/>
+          </a:stretch>
+        </p:blipFill>
+        <p:spPr>
+          <a:xfrm>
+            <a:off x="4211726" y="23108141"/>
+            <a:ext cx="2517995" cy="1888497"/>
+          </a:xfrm>
+          <a:prstGeom prst="rect">
+            <a:avLst/>
+          </a:prstGeom>
+        </p:spPr>
+      </p:pic>
+      <p:pic>
+        <p:nvPicPr>
+          <p:cNvPr id="89" name="Image 88">
+            <a:extLst>
+              <a:ext uri="{FF2B5EF4-FFF2-40B4-BE49-F238E27FC236}">
+                <a16:creationId xmlns:a16="http://schemas.microsoft.com/office/drawing/2014/main" id="{E49D787E-1670-8DA2-9E26-D37DA5C06166}"/>
+              </a:ext>
+            </a:extLst>
+          </p:cNvPr>
+          <p:cNvPicPr>
+            <a:picLocks noChangeAspect="1"/>
+          </p:cNvPicPr>
+          <p:nvPr/>
+        </p:nvPicPr>
+        <p:blipFill>
+          <a:blip r:embed="rId22">
+            <a:extLst>
+              <a:ext uri="{28A0092B-C50C-407E-A947-70E740481C1C}">
+                <a14:useLocalDpi xmlns:a14="http://schemas.microsoft.com/office/drawing/2010/main" val="0"/>
+              </a:ext>
+            </a:extLst>
+          </a:blip>
+          <a:stretch>
+            <a:fillRect/>
+          </a:stretch>
+        </p:blipFill>
+        <p:spPr>
+          <a:xfrm>
+            <a:off x="6840592" y="23639461"/>
+            <a:ext cx="3086698" cy="1024880"/>
+          </a:xfrm>
+          <a:prstGeom prst="rect">
+            <a:avLst/>
+          </a:prstGeom>
+        </p:spPr>
+      </p:pic>
+      <p:sp>
+        <p:nvSpPr>
+          <p:cNvPr id="92" name="Rectangle 1">
+            <a:extLst>
+              <a:ext uri="{FF2B5EF4-FFF2-40B4-BE49-F238E27FC236}">
+                <a16:creationId xmlns:a16="http://schemas.microsoft.com/office/drawing/2014/main" id="{12ADF154-39BC-A8EB-14B5-FE067A06076C}"/>
+              </a:ext>
+            </a:extLst>
+          </p:cNvPr>
+          <p:cNvSpPr>
+            <a:spLocks noChangeArrowheads="1"/>
+          </p:cNvSpPr>
+          <p:nvPr/>
+        </p:nvSpPr>
+        <p:spPr bwMode="auto">
+          <a:xfrm>
+            <a:off x="877826" y="26967884"/>
+            <a:ext cx="19788991" cy="1938992"/>
+          </a:xfrm>
+          <a:prstGeom prst="rect">
+            <a:avLst/>
+          </a:prstGeom>
+          <a:noFill/>
+          <a:ln>
+            <a:noFill/>
+          </a:ln>
+          <a:effectLst/>
+          <a:extLst>
+            <a:ext uri="{909E8E84-426E-40DD-AFC4-6F175D3DCCD1}">
+              <a14:hiddenFill xmlns:a14="http://schemas.microsoft.com/office/drawing/2010/main">
+                <a:solidFill>
+                  <a:schemeClr val="accent1"/>
+                </a:solidFill>
+              </a14:hiddenFill>
+            </a:ext>
+            <a:ext uri="{91240B29-F687-4F45-9708-019B960494DF}">
+              <a14:hiddenLine xmlns:a14="http://schemas.microsoft.com/office/drawing/2010/main" w="9525">
+                <a:solidFill>
+                  <a:schemeClr val="tx1"/>
+                </a:solidFill>
+                <a:miter lim="800000"/>
+                <a:headEnd/>
+                <a:tailEnd/>
+              </a14:hiddenLine>
+            </a:ext>
+            <a:ext uri="{AF507438-7753-43E0-B8FC-AC1667EBCBE1}">
+              <a14:hiddenEffects xmlns:a14="http://schemas.microsoft.com/office/drawing/2010/main">
+                <a:effectLst>
+                  <a:outerShdw dist="35921" dir="2700000" algn="ctr" rotWithShape="0">
+                    <a:schemeClr val="bg2"/>
+                  </a:outerShdw>
+                </a:effectLst>
+              </a14:hiddenEffects>
+            </a:ext>
+          </a:extLst>
+        </p:spPr>
+        <p:txBody>
+          <a:bodyPr vert="horz" wrap="square" lIns="91440" tIns="45720" rIns="91440" bIns="45720" numCol="1" anchor="ctr" anchorCtr="0" compatLnSpc="1">
+            <a:prstTxWarp prst="textNoShape">
+              <a:avLst/>
+            </a:prstTxWarp>
+            <a:spAutoFit/>
+          </a:bodyPr>
+          <a:lstStyle/>
+          <a:p>
+            <a:pPr marL="0" marR="0" lvl="0" indent="0" algn="just" defTabSz="914400" rtl="0" eaLnBrk="0" fontAlgn="base" latinLnBrk="0" hangingPunct="0">
+              <a:lnSpc>
+                <a:spcPct val="100000"/>
+              </a:lnSpc>
+              <a:spcBef>
+                <a:spcPct val="0"/>
+              </a:spcBef>
+              <a:spcAft>
+                <a:spcPct val="0"/>
+              </a:spcAft>
+              <a:buClrTx/>
+              <a:buSzTx/>
+              <a:buFontTx/>
+              <a:buNone/>
+              <a:tabLst/>
+            </a:pPr>
+            <a:r>
+              <a:rPr kumimoji="0" lang="fr-FR" altLang="fr-FR" sz="2400" b="0" i="0" u="none" strike="noStrike" cap="none" normalizeH="0" baseline="0" dirty="0">
+                <a:ln>
+                  <a:noFill/>
+                </a:ln>
+                <a:solidFill>
+                  <a:schemeClr val="tx1"/>
+                </a:solidFill>
+                <a:effectLst/>
+                <a:latin typeface="Gill Sans MT" panose="020B0502020104020203" pitchFamily="34" charset="0"/>
+              </a:rPr>
+              <a:t>L’étude met en évidence les inégalités d’accès aux soins en ville, influencées par des facteurs démographiques, socio-économiques et territoriaux. La répartition des consultations montre des disparités marquées entre les zones bien desservies et celles en difficulté. Des résultats surprenants, comme le lien entre vieillissement et accès aux soins ou l’attractivité de certaines communes, révèlent la complexité des choix des patients.</a:t>
+            </a:r>
+            <a:r>
+              <a:rPr lang="fr-FR" altLang="fr-FR" sz="2400" dirty="0">
+                <a:latin typeface="Gill Sans MT" panose="020B0502020104020203" pitchFamily="34" charset="0"/>
+              </a:rPr>
+              <a:t> </a:t>
+            </a:r>
+            <a:r>
+              <a:rPr kumimoji="0" lang="fr-FR" altLang="fr-FR" sz="2400" b="0" i="0" u="none" strike="noStrike" cap="none" normalizeH="0" baseline="0" dirty="0">
+                <a:ln>
+                  <a:noFill/>
+                </a:ln>
+                <a:solidFill>
+                  <a:schemeClr val="tx1"/>
+                </a:solidFill>
+                <a:effectLst/>
+                <a:latin typeface="Gill Sans MT" panose="020B0502020104020203" pitchFamily="34" charset="0"/>
+              </a:rPr>
+              <a:t>Au-delà des chiffres, chaque consultation traduit une réalité humaine faite de contraintes et de contextes spécifiques à chaque individu. Ces constats appellent à intégrer les dimensions géographiques dans les politiques publiques pour une meilleure équité en santé.</a:t>
+            </a:r>
           </a:p>
         </p:txBody>
       </p:sp>

--- a/Présentation/MODELISATION-DU-NOMBRE-DE-VISITES.pptx
+++ b/Présentation/MODELISATION-DU-NOMBRE-DE-VISITES.pptx
@@ -3418,6 +3418,598 @@
           <a:chExt cx="0" cy="0"/>
         </a:xfrm>
       </p:grpSpPr>
+      <p:sp>
+        <p:nvSpPr>
+          <p:cNvPr id="14" name="Rectangle : coins arrondis 13">
+            <a:extLst>
+              <a:ext uri="{FF2B5EF4-FFF2-40B4-BE49-F238E27FC236}">
+                <a16:creationId xmlns:a16="http://schemas.microsoft.com/office/drawing/2014/main" id="{5D5C7C76-8235-D665-373D-760B8FDC5AF8}"/>
+              </a:ext>
+            </a:extLst>
+          </p:cNvPr>
+          <p:cNvSpPr/>
+          <p:nvPr/>
+        </p:nvSpPr>
+        <p:spPr>
+          <a:xfrm>
+            <a:off x="264697" y="5838979"/>
+            <a:ext cx="20854222" cy="7205588"/>
+          </a:xfrm>
+          <a:prstGeom prst="roundRect">
+            <a:avLst/>
+          </a:prstGeom>
+          <a:solidFill>
+            <a:schemeClr val="bg1"/>
+          </a:solidFill>
+          <a:ln>
+            <a:solidFill>
+              <a:srgbClr val="002060"/>
+            </a:solidFill>
+          </a:ln>
+        </p:spPr>
+        <p:style>
+          <a:lnRef idx="2">
+            <a:schemeClr val="accent1">
+              <a:shade val="15000"/>
+            </a:schemeClr>
+          </a:lnRef>
+          <a:fillRef idx="1">
+            <a:schemeClr val="accent1"/>
+          </a:fillRef>
+          <a:effectRef idx="0">
+            <a:schemeClr val="accent1"/>
+          </a:effectRef>
+          <a:fontRef idx="minor">
+            <a:schemeClr val="lt1"/>
+          </a:fontRef>
+        </p:style>
+        <p:txBody>
+          <a:bodyPr rtlCol="0" anchor="ctr"/>
+          <a:lstStyle/>
+          <a:p>
+            <a:pPr algn="just"/>
+            <a:endParaRPr lang="fr-FR" sz="1600" dirty="0">
+              <a:solidFill>
+                <a:schemeClr val="tx1"/>
+              </a:solidFill>
+              <a:latin typeface="Gill Sans MT" panose="020B0502020104020203" pitchFamily="34" charset="0"/>
+            </a:endParaRPr>
+          </a:p>
+        </p:txBody>
+      </p:sp>
+      <p:sp>
+        <p:nvSpPr>
+          <p:cNvPr id="17" name="Rectangle : coins arrondis 16">
+            <a:extLst>
+              <a:ext uri="{FF2B5EF4-FFF2-40B4-BE49-F238E27FC236}">
+                <a16:creationId xmlns:a16="http://schemas.microsoft.com/office/drawing/2014/main" id="{AFCCD815-53D2-7E6D-0AEF-672B02D6A653}"/>
+              </a:ext>
+            </a:extLst>
+          </p:cNvPr>
+          <p:cNvSpPr/>
+          <p:nvPr/>
+        </p:nvSpPr>
+        <p:spPr>
+          <a:xfrm>
+            <a:off x="264697" y="25740816"/>
+            <a:ext cx="20854219" cy="3718167"/>
+          </a:xfrm>
+          <a:prstGeom prst="roundRect">
+            <a:avLst/>
+          </a:prstGeom>
+          <a:solidFill>
+            <a:schemeClr val="bg1"/>
+          </a:solidFill>
+          <a:ln>
+            <a:solidFill>
+              <a:srgbClr val="002060"/>
+            </a:solidFill>
+          </a:ln>
+        </p:spPr>
+        <p:style>
+          <a:lnRef idx="2">
+            <a:schemeClr val="accent1">
+              <a:shade val="15000"/>
+            </a:schemeClr>
+          </a:lnRef>
+          <a:fillRef idx="1">
+            <a:schemeClr val="accent1"/>
+          </a:fillRef>
+          <a:effectRef idx="0">
+            <a:schemeClr val="accent1"/>
+          </a:effectRef>
+          <a:fontRef idx="minor">
+            <a:schemeClr val="lt1"/>
+          </a:fontRef>
+        </p:style>
+        <p:txBody>
+          <a:bodyPr rtlCol="0" anchor="ctr"/>
+          <a:lstStyle/>
+          <a:p>
+            <a:pPr algn="just"/>
+            <a:endParaRPr lang="fr-FR" sz="1600" dirty="0">
+              <a:solidFill>
+                <a:schemeClr val="tx1"/>
+              </a:solidFill>
+              <a:latin typeface="Gill Sans MT" panose="020B0502020104020203" pitchFamily="34" charset="0"/>
+            </a:endParaRPr>
+          </a:p>
+        </p:txBody>
+      </p:sp>
+      <p:sp>
+        <p:nvSpPr>
+          <p:cNvPr id="73" name="Rectangle : coins arrondis 72">
+            <a:extLst>
+              <a:ext uri="{FF2B5EF4-FFF2-40B4-BE49-F238E27FC236}">
+                <a16:creationId xmlns:a16="http://schemas.microsoft.com/office/drawing/2014/main" id="{5CA20EC9-24AD-3ECB-AFC1-EED79B4C2E55}"/>
+              </a:ext>
+            </a:extLst>
+          </p:cNvPr>
+          <p:cNvSpPr/>
+          <p:nvPr/>
+        </p:nvSpPr>
+        <p:spPr>
+          <a:xfrm>
+            <a:off x="11025975" y="13616606"/>
+            <a:ext cx="10092943" cy="11552171"/>
+          </a:xfrm>
+          <a:prstGeom prst="roundRect">
+            <a:avLst>
+              <a:gd name="adj" fmla="val 9101"/>
+            </a:avLst>
+          </a:prstGeom>
+          <a:solidFill>
+            <a:schemeClr val="bg1"/>
+          </a:solidFill>
+          <a:ln>
+            <a:solidFill>
+              <a:srgbClr val="002060"/>
+            </a:solidFill>
+          </a:ln>
+        </p:spPr>
+        <p:style>
+          <a:lnRef idx="2">
+            <a:schemeClr val="accent1">
+              <a:shade val="15000"/>
+            </a:schemeClr>
+          </a:lnRef>
+          <a:fillRef idx="1">
+            <a:schemeClr val="accent1"/>
+          </a:fillRef>
+          <a:effectRef idx="0">
+            <a:schemeClr val="accent1"/>
+          </a:effectRef>
+          <a:fontRef idx="minor">
+            <a:schemeClr val="lt1"/>
+          </a:fontRef>
+        </p:style>
+        <p:txBody>
+          <a:bodyPr rtlCol="0" anchor="ctr"/>
+          <a:lstStyle/>
+          <a:p>
+            <a:pPr algn="just"/>
+            <a:endParaRPr lang="fr-FR" sz="1600" dirty="0">
+              <a:solidFill>
+                <a:schemeClr val="tx1"/>
+              </a:solidFill>
+              <a:latin typeface="Gill Sans MT" panose="020B0502020104020203" pitchFamily="34" charset="0"/>
+            </a:endParaRPr>
+          </a:p>
+        </p:txBody>
+      </p:sp>
+      <p:sp>
+        <p:nvSpPr>
+          <p:cNvPr id="55" name="Rectangle : coins arrondis 54">
+            <a:extLst>
+              <a:ext uri="{FF2B5EF4-FFF2-40B4-BE49-F238E27FC236}">
+                <a16:creationId xmlns:a16="http://schemas.microsoft.com/office/drawing/2014/main" id="{97AAFD4F-FFFC-FB83-C881-B2D8C73D9DE2}"/>
+              </a:ext>
+            </a:extLst>
+          </p:cNvPr>
+          <p:cNvSpPr/>
+          <p:nvPr/>
+        </p:nvSpPr>
+        <p:spPr>
+          <a:xfrm>
+            <a:off x="264698" y="13622144"/>
+            <a:ext cx="10092943" cy="11546633"/>
+          </a:xfrm>
+          <a:prstGeom prst="roundRect">
+            <a:avLst>
+              <a:gd name="adj" fmla="val 9101"/>
+            </a:avLst>
+          </a:prstGeom>
+          <a:solidFill>
+            <a:schemeClr val="bg1"/>
+          </a:solidFill>
+          <a:ln>
+            <a:solidFill>
+              <a:srgbClr val="002060"/>
+            </a:solidFill>
+          </a:ln>
+        </p:spPr>
+        <p:style>
+          <a:lnRef idx="2">
+            <a:schemeClr val="accent1">
+              <a:shade val="15000"/>
+            </a:schemeClr>
+          </a:lnRef>
+          <a:fillRef idx="1">
+            <a:schemeClr val="accent1"/>
+          </a:fillRef>
+          <a:effectRef idx="0">
+            <a:schemeClr val="accent1"/>
+          </a:effectRef>
+          <a:fontRef idx="minor">
+            <a:schemeClr val="lt1"/>
+          </a:fontRef>
+        </p:style>
+        <p:txBody>
+          <a:bodyPr rtlCol="0" anchor="ctr"/>
+          <a:lstStyle/>
+          <a:p>
+            <a:pPr algn="just"/>
+            <a:endParaRPr lang="fr-FR" sz="1600" dirty="0">
+              <a:solidFill>
+                <a:schemeClr val="tx1"/>
+              </a:solidFill>
+              <a:latin typeface="Gill Sans MT" panose="020B0502020104020203" pitchFamily="34" charset="0"/>
+            </a:endParaRPr>
+          </a:p>
+        </p:txBody>
+      </p:sp>
+      <p:sp>
+        <p:nvSpPr>
+          <p:cNvPr id="68" name="Rectangle : coins arrondis 67">
+            <a:extLst>
+              <a:ext uri="{FF2B5EF4-FFF2-40B4-BE49-F238E27FC236}">
+                <a16:creationId xmlns:a16="http://schemas.microsoft.com/office/drawing/2014/main" id="{92179A2C-1836-6AB1-3D1F-1E045BF5F900}"/>
+              </a:ext>
+            </a:extLst>
+          </p:cNvPr>
+          <p:cNvSpPr/>
+          <p:nvPr/>
+        </p:nvSpPr>
+        <p:spPr>
+          <a:xfrm>
+            <a:off x="16465491" y="8814456"/>
+            <a:ext cx="4086013" cy="4034974"/>
+          </a:xfrm>
+          <a:prstGeom prst="roundRect">
+            <a:avLst/>
+          </a:prstGeom>
+          <a:solidFill>
+            <a:schemeClr val="bg1"/>
+          </a:solidFill>
+          <a:ln w="28575">
+            <a:solidFill>
+              <a:srgbClr val="002060"/>
+            </a:solidFill>
+          </a:ln>
+        </p:spPr>
+        <p:style>
+          <a:lnRef idx="2">
+            <a:schemeClr val="accent1">
+              <a:shade val="15000"/>
+            </a:schemeClr>
+          </a:lnRef>
+          <a:fillRef idx="1">
+            <a:schemeClr val="accent1"/>
+          </a:fillRef>
+          <a:effectRef idx="0">
+            <a:schemeClr val="accent1"/>
+          </a:effectRef>
+          <a:fontRef idx="minor">
+            <a:schemeClr val="lt1"/>
+          </a:fontRef>
+        </p:style>
+        <p:txBody>
+          <a:bodyPr rtlCol="0" anchor="ctr"/>
+          <a:lstStyle/>
+          <a:p>
+            <a:pPr algn="just"/>
+            <a:endParaRPr lang="fr-FR" sz="1600" dirty="0">
+              <a:solidFill>
+                <a:schemeClr val="tx1"/>
+              </a:solidFill>
+              <a:latin typeface="Gill Sans MT" panose="020B0502020104020203" pitchFamily="34" charset="0"/>
+            </a:endParaRPr>
+          </a:p>
+        </p:txBody>
+      </p:sp>
+      <p:sp>
+        <p:nvSpPr>
+          <p:cNvPr id="70" name="Rectangle : coins arrondis 69">
+            <a:extLst>
+              <a:ext uri="{FF2B5EF4-FFF2-40B4-BE49-F238E27FC236}">
+                <a16:creationId xmlns:a16="http://schemas.microsoft.com/office/drawing/2014/main" id="{C2D84267-090B-014A-6229-7DE910143B5C}"/>
+              </a:ext>
+            </a:extLst>
+          </p:cNvPr>
+          <p:cNvSpPr/>
+          <p:nvPr/>
+        </p:nvSpPr>
+        <p:spPr>
+          <a:xfrm>
+            <a:off x="11285668" y="8800412"/>
+            <a:ext cx="4381060" cy="4049018"/>
+          </a:xfrm>
+          <a:prstGeom prst="roundRect">
+            <a:avLst/>
+          </a:prstGeom>
+          <a:solidFill>
+            <a:schemeClr val="bg1"/>
+          </a:solidFill>
+          <a:ln w="28575">
+            <a:solidFill>
+              <a:srgbClr val="002060"/>
+            </a:solidFill>
+          </a:ln>
+        </p:spPr>
+        <p:style>
+          <a:lnRef idx="2">
+            <a:schemeClr val="accent1">
+              <a:shade val="15000"/>
+            </a:schemeClr>
+          </a:lnRef>
+          <a:fillRef idx="1">
+            <a:schemeClr val="accent1"/>
+          </a:fillRef>
+          <a:effectRef idx="0">
+            <a:schemeClr val="accent1"/>
+          </a:effectRef>
+          <a:fontRef idx="minor">
+            <a:schemeClr val="lt1"/>
+          </a:fontRef>
+        </p:style>
+        <p:txBody>
+          <a:bodyPr rtlCol="0" anchor="ctr"/>
+          <a:lstStyle/>
+          <a:p>
+            <a:pPr algn="just"/>
+            <a:endParaRPr lang="fr-FR" sz="1600" dirty="0">
+              <a:solidFill>
+                <a:schemeClr val="tx1"/>
+              </a:solidFill>
+              <a:latin typeface="Gill Sans MT" panose="020B0502020104020203" pitchFamily="34" charset="0"/>
+            </a:endParaRPr>
+          </a:p>
+        </p:txBody>
+      </p:sp>
+      <p:sp>
+        <p:nvSpPr>
+          <p:cNvPr id="13" name="Rectangle : coins arrondis 12">
+            <a:extLst>
+              <a:ext uri="{FF2B5EF4-FFF2-40B4-BE49-F238E27FC236}">
+                <a16:creationId xmlns:a16="http://schemas.microsoft.com/office/drawing/2014/main" id="{84B4CC26-7E20-D57E-8CAF-F4BCD4162596}"/>
+              </a:ext>
+            </a:extLst>
+          </p:cNvPr>
+          <p:cNvSpPr/>
+          <p:nvPr/>
+        </p:nvSpPr>
+        <p:spPr>
+          <a:xfrm>
+            <a:off x="12225177" y="2469128"/>
+            <a:ext cx="8893743" cy="2905353"/>
+          </a:xfrm>
+          <a:prstGeom prst="roundRect">
+            <a:avLst/>
+          </a:prstGeom>
+          <a:solidFill>
+            <a:schemeClr val="bg1"/>
+          </a:solidFill>
+          <a:ln>
+            <a:solidFill>
+              <a:srgbClr val="002060"/>
+            </a:solidFill>
+          </a:ln>
+        </p:spPr>
+        <p:style>
+          <a:lnRef idx="2">
+            <a:schemeClr val="accent1">
+              <a:shade val="15000"/>
+            </a:schemeClr>
+          </a:lnRef>
+          <a:fillRef idx="1">
+            <a:schemeClr val="accent1"/>
+          </a:fillRef>
+          <a:effectRef idx="0">
+            <a:schemeClr val="accent1"/>
+          </a:effectRef>
+          <a:fontRef idx="minor">
+            <a:schemeClr val="lt1"/>
+          </a:fontRef>
+        </p:style>
+        <p:txBody>
+          <a:bodyPr rtlCol="0" anchor="ctr"/>
+          <a:lstStyle/>
+          <a:p>
+            <a:pPr algn="just"/>
+            <a:r>
+              <a:rPr lang="fr-FR" sz="2400" b="1" dirty="0">
+                <a:solidFill>
+                  <a:srgbClr val="0070C0"/>
+                </a:solidFill>
+                <a:latin typeface="Gill Sans MT" panose="020B0502020104020203" pitchFamily="34" charset="0"/>
+              </a:rPr>
+              <a:t>Objectifs</a:t>
+            </a:r>
+            <a:r>
+              <a:rPr lang="fr-FR" sz="2400" dirty="0">
+                <a:solidFill>
+                  <a:schemeClr val="tx1"/>
+                </a:solidFill>
+                <a:latin typeface="Gill Sans MT" panose="020B0502020104020203" pitchFamily="34" charset="0"/>
+              </a:rPr>
+              <a:t> :</a:t>
+            </a:r>
+          </a:p>
+          <a:p>
+            <a:pPr marL="285750" indent="-285750" algn="just">
+              <a:buFont typeface="Arial" panose="020B0604020202020204" pitchFamily="34" charset="0"/>
+              <a:buChar char="•"/>
+            </a:pPr>
+            <a:r>
+              <a:rPr lang="fr-FR" sz="2400" dirty="0">
+                <a:solidFill>
+                  <a:schemeClr val="tx1"/>
+                </a:solidFill>
+                <a:latin typeface="Gill Sans MT" panose="020B0502020104020203" pitchFamily="34" charset="0"/>
+              </a:rPr>
+              <a:t>Analyser les disparités territoriales en matière de consultations médicales.</a:t>
+            </a:r>
+          </a:p>
+          <a:p>
+            <a:pPr marL="285750" indent="-285750" algn="just">
+              <a:buFont typeface="Arial" panose="020B0604020202020204" pitchFamily="34" charset="0"/>
+              <a:buChar char="•"/>
+            </a:pPr>
+            <a:r>
+              <a:rPr lang="fr-FR" sz="2400" dirty="0">
+                <a:solidFill>
+                  <a:schemeClr val="tx1"/>
+                </a:solidFill>
+                <a:latin typeface="Gill Sans MT" panose="020B0502020104020203" pitchFamily="34" charset="0"/>
+              </a:rPr>
+              <a:t>Évaluer l’influence des caractéristiques socio-économiques et spatiales sur ces consultations.</a:t>
+            </a:r>
+          </a:p>
+          <a:p>
+            <a:pPr marL="285750" indent="-285750" algn="just">
+              <a:buFont typeface="Arial" panose="020B0604020202020204" pitchFamily="34" charset="0"/>
+              <a:buChar char="•"/>
+            </a:pPr>
+            <a:r>
+              <a:rPr lang="fr-FR" sz="2400" dirty="0">
+                <a:solidFill>
+                  <a:schemeClr val="tx1"/>
+                </a:solidFill>
+                <a:latin typeface="Gill Sans MT" panose="020B0502020104020203" pitchFamily="34" charset="0"/>
+              </a:rPr>
+              <a:t>Utiliser des modèles statistiques pour mieux comprendre ces disparités et proposer des recommandations en santé publique.</a:t>
+            </a:r>
+          </a:p>
+        </p:txBody>
+      </p:sp>
+      <p:sp>
+        <p:nvSpPr>
+          <p:cNvPr id="72" name="Rectangle : coins arrondis 71">
+            <a:extLst>
+              <a:ext uri="{FF2B5EF4-FFF2-40B4-BE49-F238E27FC236}">
+                <a16:creationId xmlns:a16="http://schemas.microsoft.com/office/drawing/2014/main" id="{7DFA79B5-6BCC-0622-A9F9-FD0399334FC6}"/>
+              </a:ext>
+            </a:extLst>
+          </p:cNvPr>
+          <p:cNvSpPr/>
+          <p:nvPr/>
+        </p:nvSpPr>
+        <p:spPr>
+          <a:xfrm>
+            <a:off x="6012022" y="8819994"/>
+            <a:ext cx="4381060" cy="4029436"/>
+          </a:xfrm>
+          <a:prstGeom prst="roundRect">
+            <a:avLst/>
+          </a:prstGeom>
+          <a:solidFill>
+            <a:schemeClr val="bg1"/>
+          </a:solidFill>
+          <a:ln w="28575">
+            <a:solidFill>
+              <a:srgbClr val="002060"/>
+            </a:solidFill>
+          </a:ln>
+        </p:spPr>
+        <p:style>
+          <a:lnRef idx="2">
+            <a:schemeClr val="accent1">
+              <a:shade val="15000"/>
+            </a:schemeClr>
+          </a:lnRef>
+          <a:fillRef idx="1">
+            <a:schemeClr val="accent1"/>
+          </a:fillRef>
+          <a:effectRef idx="0">
+            <a:schemeClr val="accent1"/>
+          </a:effectRef>
+          <a:fontRef idx="minor">
+            <a:schemeClr val="lt1"/>
+          </a:fontRef>
+        </p:style>
+        <p:txBody>
+          <a:bodyPr rtlCol="0" anchor="ctr"/>
+          <a:lstStyle/>
+          <a:p>
+            <a:pPr algn="just"/>
+            <a:endParaRPr lang="fr-FR" sz="1600" dirty="0">
+              <a:solidFill>
+                <a:schemeClr val="tx1"/>
+              </a:solidFill>
+              <a:latin typeface="Gill Sans MT" panose="020B0502020104020203" pitchFamily="34" charset="0"/>
+            </a:endParaRPr>
+          </a:p>
+        </p:txBody>
+      </p:sp>
+      <p:sp>
+        <p:nvSpPr>
+          <p:cNvPr id="71" name="Rectangle : coins arrondis 70">
+            <a:extLst>
+              <a:ext uri="{FF2B5EF4-FFF2-40B4-BE49-F238E27FC236}">
+                <a16:creationId xmlns:a16="http://schemas.microsoft.com/office/drawing/2014/main" id="{C138938D-AF9F-A161-8F46-F85A92E97287}"/>
+              </a:ext>
+            </a:extLst>
+          </p:cNvPr>
+          <p:cNvSpPr/>
+          <p:nvPr/>
+        </p:nvSpPr>
+        <p:spPr>
+          <a:xfrm>
+            <a:off x="782405" y="8809514"/>
+            <a:ext cx="4381060" cy="4039916"/>
+          </a:xfrm>
+          <a:prstGeom prst="roundRect">
+            <a:avLst/>
+          </a:prstGeom>
+          <a:solidFill>
+            <a:schemeClr val="bg1"/>
+          </a:solidFill>
+          <a:ln w="28575">
+            <a:solidFill>
+              <a:srgbClr val="002060"/>
+            </a:solidFill>
+          </a:ln>
+        </p:spPr>
+        <p:style>
+          <a:lnRef idx="2">
+            <a:schemeClr val="accent1">
+              <a:shade val="15000"/>
+            </a:schemeClr>
+          </a:lnRef>
+          <a:fillRef idx="1">
+            <a:schemeClr val="accent1"/>
+          </a:fillRef>
+          <a:effectRef idx="0">
+            <a:schemeClr val="accent1"/>
+          </a:effectRef>
+          <a:fontRef idx="minor">
+            <a:schemeClr val="lt1"/>
+          </a:fontRef>
+        </p:style>
+        <p:txBody>
+          <a:bodyPr rtlCol="0" anchor="ctr"/>
+          <a:lstStyle/>
+          <a:p>
+            <a:pPr algn="just"/>
+            <a:endParaRPr lang="fr-FR" sz="1600" dirty="0">
+              <a:solidFill>
+                <a:schemeClr val="tx1"/>
+              </a:solidFill>
+              <a:latin typeface="Gill Sans MT" panose="020B0502020104020203" pitchFamily="34" charset="0"/>
+            </a:endParaRPr>
+          </a:p>
+        </p:txBody>
+      </p:sp>
       <p:pic>
         <p:nvPicPr>
           <p:cNvPr id="6" name="Image 5">
@@ -3446,8 +4038,8 @@
         </p:blipFill>
         <p:spPr>
           <a:xfrm>
-            <a:off x="250286" y="188054"/>
-            <a:ext cx="2233032" cy="1265361"/>
+            <a:off x="250286" y="376609"/>
+            <a:ext cx="2035143" cy="1153226"/>
           </a:xfrm>
           <a:prstGeom prst="rect">
             <a:avLst/>
@@ -3504,7 +4096,7 @@
         </p:nvSpPr>
         <p:spPr>
           <a:xfrm>
-            <a:off x="4299941" y="1271425"/>
+            <a:off x="5068041" y="1293399"/>
             <a:ext cx="12874861" cy="707886"/>
           </a:xfrm>
           <a:prstGeom prst="rect">
@@ -3651,7 +4243,9 @@
           <a:prstGeom prst="roundRect">
             <a:avLst/>
           </a:prstGeom>
-          <a:noFill/>
+          <a:solidFill>
+            <a:schemeClr val="bg1"/>
+          </a:solidFill>
           <a:ln>
             <a:solidFill>
               <a:srgbClr val="002060"/>
@@ -3709,234 +4303,6 @@
               </a:rPr>
               <a:t>L’accès aux soins en médecine de ville varie selon des disparités géographiques et socio-économiques, influençant la répartition des professionnels de santé et l’efficacité des politiques publiques. Certaines communes disposent d’une forte densité médicale, tandis que d’autres font face à une offre limitée. Cette étude analyse les facteurs influençant le nombre de visites médicales en intégrant les dimensions socio-économiques et spatiales afin d’éclairer les politiques de santé et d’optimiser la répartition des ressources médicales.</a:t>
             </a:r>
-          </a:p>
-        </p:txBody>
-      </p:sp>
-      <p:sp>
-        <p:nvSpPr>
-          <p:cNvPr id="13" name="Rectangle : coins arrondis 12">
-            <a:extLst>
-              <a:ext uri="{FF2B5EF4-FFF2-40B4-BE49-F238E27FC236}">
-                <a16:creationId xmlns:a16="http://schemas.microsoft.com/office/drawing/2014/main" id="{84B4CC26-7E20-D57E-8CAF-F4BCD4162596}"/>
-              </a:ext>
-            </a:extLst>
-          </p:cNvPr>
-          <p:cNvSpPr/>
-          <p:nvPr/>
-        </p:nvSpPr>
-        <p:spPr>
-          <a:xfrm>
-            <a:off x="12225177" y="2469128"/>
-            <a:ext cx="8893743" cy="2905353"/>
-          </a:xfrm>
-          <a:prstGeom prst="roundRect">
-            <a:avLst/>
-          </a:prstGeom>
-          <a:noFill/>
-          <a:ln>
-            <a:solidFill>
-              <a:srgbClr val="002060"/>
-            </a:solidFill>
-          </a:ln>
-        </p:spPr>
-        <p:style>
-          <a:lnRef idx="2">
-            <a:schemeClr val="accent1">
-              <a:shade val="15000"/>
-            </a:schemeClr>
-          </a:lnRef>
-          <a:fillRef idx="1">
-            <a:schemeClr val="accent1"/>
-          </a:fillRef>
-          <a:effectRef idx="0">
-            <a:schemeClr val="accent1"/>
-          </a:effectRef>
-          <a:fontRef idx="minor">
-            <a:schemeClr val="lt1"/>
-          </a:fontRef>
-        </p:style>
-        <p:txBody>
-          <a:bodyPr rtlCol="0" anchor="ctr"/>
-          <a:lstStyle/>
-          <a:p>
-            <a:pPr algn="just"/>
-            <a:r>
-              <a:rPr lang="fr-FR" sz="2400" b="1" dirty="0">
-                <a:solidFill>
-                  <a:srgbClr val="0070C0"/>
-                </a:solidFill>
-                <a:latin typeface="Gill Sans MT" panose="020B0502020104020203" pitchFamily="34" charset="0"/>
-              </a:rPr>
-              <a:t>Objectifs</a:t>
-            </a:r>
-            <a:r>
-              <a:rPr lang="fr-FR" sz="2400" dirty="0">
-                <a:solidFill>
-                  <a:schemeClr val="tx1"/>
-                </a:solidFill>
-                <a:latin typeface="Gill Sans MT" panose="020B0502020104020203" pitchFamily="34" charset="0"/>
-              </a:rPr>
-              <a:t> :</a:t>
-            </a:r>
-          </a:p>
-          <a:p>
-            <a:pPr marL="285750" indent="-285750" algn="just">
-              <a:buFont typeface="Arial" panose="020B0604020202020204" pitchFamily="34" charset="0"/>
-              <a:buChar char="•"/>
-            </a:pPr>
-            <a:r>
-              <a:rPr lang="fr-FR" sz="2400" dirty="0">
-                <a:solidFill>
-                  <a:schemeClr val="tx1"/>
-                </a:solidFill>
-                <a:latin typeface="Gill Sans MT" panose="020B0502020104020203" pitchFamily="34" charset="0"/>
-              </a:rPr>
-              <a:t>Analyser les disparités territoriales en matière de consultations médicales.</a:t>
-            </a:r>
-          </a:p>
-          <a:p>
-            <a:pPr marL="285750" indent="-285750" algn="just">
-              <a:buFont typeface="Arial" panose="020B0604020202020204" pitchFamily="34" charset="0"/>
-              <a:buChar char="•"/>
-            </a:pPr>
-            <a:r>
-              <a:rPr lang="fr-FR" sz="2400" dirty="0">
-                <a:solidFill>
-                  <a:schemeClr val="tx1"/>
-                </a:solidFill>
-                <a:latin typeface="Gill Sans MT" panose="020B0502020104020203" pitchFamily="34" charset="0"/>
-              </a:rPr>
-              <a:t>Évaluer l’influence des caractéristiques socio-économiques et spatiales sur ces consultations.</a:t>
-            </a:r>
-          </a:p>
-          <a:p>
-            <a:pPr marL="285750" indent="-285750" algn="just">
-              <a:buFont typeface="Arial" panose="020B0604020202020204" pitchFamily="34" charset="0"/>
-              <a:buChar char="•"/>
-            </a:pPr>
-            <a:r>
-              <a:rPr lang="fr-FR" sz="2400" dirty="0">
-                <a:solidFill>
-                  <a:schemeClr val="tx1"/>
-                </a:solidFill>
-                <a:latin typeface="Gill Sans MT" panose="020B0502020104020203" pitchFamily="34" charset="0"/>
-              </a:rPr>
-              <a:t>Utiliser des modèles statistiques pour mieux comprendre ces disparités et proposer des recommandations en santé publique.</a:t>
-            </a:r>
-          </a:p>
-        </p:txBody>
-      </p:sp>
-      <p:sp>
-        <p:nvSpPr>
-          <p:cNvPr id="14" name="Rectangle : coins arrondis 13">
-            <a:extLst>
-              <a:ext uri="{FF2B5EF4-FFF2-40B4-BE49-F238E27FC236}">
-                <a16:creationId xmlns:a16="http://schemas.microsoft.com/office/drawing/2014/main" id="{5D5C7C76-8235-D665-373D-760B8FDC5AF8}"/>
-              </a:ext>
-            </a:extLst>
-          </p:cNvPr>
-          <p:cNvSpPr/>
-          <p:nvPr/>
-        </p:nvSpPr>
-        <p:spPr>
-          <a:xfrm>
-            <a:off x="264697" y="5838979"/>
-            <a:ext cx="20854222" cy="7205588"/>
-          </a:xfrm>
-          <a:prstGeom prst="roundRect">
-            <a:avLst/>
-          </a:prstGeom>
-          <a:noFill/>
-          <a:ln>
-            <a:solidFill>
-              <a:srgbClr val="002060"/>
-            </a:solidFill>
-          </a:ln>
-        </p:spPr>
-        <p:style>
-          <a:lnRef idx="2">
-            <a:schemeClr val="accent1">
-              <a:shade val="15000"/>
-            </a:schemeClr>
-          </a:lnRef>
-          <a:fillRef idx="1">
-            <a:schemeClr val="accent1"/>
-          </a:fillRef>
-          <a:effectRef idx="0">
-            <a:schemeClr val="accent1"/>
-          </a:effectRef>
-          <a:fontRef idx="minor">
-            <a:schemeClr val="lt1"/>
-          </a:fontRef>
-        </p:style>
-        <p:txBody>
-          <a:bodyPr rtlCol="0" anchor="ctr"/>
-          <a:lstStyle/>
-          <a:p>
-            <a:pPr algn="just"/>
-            <a:endParaRPr lang="fr-FR" sz="1600" dirty="0">
-              <a:solidFill>
-                <a:schemeClr val="tx1"/>
-              </a:solidFill>
-              <a:latin typeface="Gill Sans MT" panose="020B0502020104020203" pitchFamily="34" charset="0"/>
-            </a:endParaRPr>
-          </a:p>
-        </p:txBody>
-      </p:sp>
-      <p:sp>
-        <p:nvSpPr>
-          <p:cNvPr id="17" name="Rectangle : coins arrondis 16">
-            <a:extLst>
-              <a:ext uri="{FF2B5EF4-FFF2-40B4-BE49-F238E27FC236}">
-                <a16:creationId xmlns:a16="http://schemas.microsoft.com/office/drawing/2014/main" id="{AFCCD815-53D2-7E6D-0AEF-672B02D6A653}"/>
-              </a:ext>
-            </a:extLst>
-          </p:cNvPr>
-          <p:cNvSpPr/>
-          <p:nvPr/>
-        </p:nvSpPr>
-        <p:spPr>
-          <a:xfrm>
-            <a:off x="264697" y="25740816"/>
-            <a:ext cx="20854219" cy="3718167"/>
-          </a:xfrm>
-          <a:prstGeom prst="roundRect">
-            <a:avLst/>
-          </a:prstGeom>
-          <a:noFill/>
-          <a:ln>
-            <a:solidFill>
-              <a:srgbClr val="002060"/>
-            </a:solidFill>
-          </a:ln>
-        </p:spPr>
-        <p:style>
-          <a:lnRef idx="2">
-            <a:schemeClr val="accent1">
-              <a:shade val="15000"/>
-            </a:schemeClr>
-          </a:lnRef>
-          <a:fillRef idx="1">
-            <a:schemeClr val="accent1"/>
-          </a:fillRef>
-          <a:effectRef idx="0">
-            <a:schemeClr val="accent1"/>
-          </a:effectRef>
-          <a:fontRef idx="minor">
-            <a:schemeClr val="lt1"/>
-          </a:fontRef>
-        </p:style>
-        <p:txBody>
-          <a:bodyPr rtlCol="0" anchor="ctr"/>
-          <a:lstStyle/>
-          <a:p>
-            <a:pPr algn="just"/>
-            <a:endParaRPr lang="fr-FR" sz="1600" dirty="0">
-              <a:solidFill>
-                <a:schemeClr val="tx1"/>
-              </a:solidFill>
-              <a:latin typeface="Gill Sans MT" panose="020B0502020104020203" pitchFamily="34" charset="0"/>
-            </a:endParaRPr>
           </a:p>
         </p:txBody>
       </p:sp>
@@ -4012,65 +4378,6 @@
           </a:prstGeom>
         </p:spPr>
       </p:pic>
-      <p:sp>
-        <p:nvSpPr>
-          <p:cNvPr id="55" name="Rectangle : coins arrondis 54">
-            <a:extLst>
-              <a:ext uri="{FF2B5EF4-FFF2-40B4-BE49-F238E27FC236}">
-                <a16:creationId xmlns:a16="http://schemas.microsoft.com/office/drawing/2014/main" id="{97AAFD4F-FFFC-FB83-C881-B2D8C73D9DE2}"/>
-              </a:ext>
-            </a:extLst>
-          </p:cNvPr>
-          <p:cNvSpPr/>
-          <p:nvPr/>
-        </p:nvSpPr>
-        <p:spPr>
-          <a:xfrm>
-            <a:off x="264698" y="13622144"/>
-            <a:ext cx="10092943" cy="11546633"/>
-          </a:xfrm>
-          <a:prstGeom prst="roundRect">
-            <a:avLst>
-              <a:gd name="adj" fmla="val 9101"/>
-            </a:avLst>
-          </a:prstGeom>
-          <a:noFill/>
-          <a:ln>
-            <a:solidFill>
-              <a:srgbClr val="002060"/>
-            </a:solidFill>
-          </a:ln>
-        </p:spPr>
-        <p:style>
-          <a:lnRef idx="2">
-            <a:schemeClr val="accent1">
-              <a:shade val="15000"/>
-            </a:schemeClr>
-          </a:lnRef>
-          <a:fillRef idx="1">
-            <a:schemeClr val="accent1"/>
-          </a:fillRef>
-          <a:effectRef idx="0">
-            <a:schemeClr val="accent1"/>
-          </a:effectRef>
-          <a:fontRef idx="minor">
-            <a:schemeClr val="lt1"/>
-          </a:fontRef>
-        </p:style>
-        <p:txBody>
-          <a:bodyPr rtlCol="0" anchor="ctr"/>
-          <a:lstStyle/>
-          <a:p>
-            <a:pPr algn="just"/>
-            <a:endParaRPr lang="fr-FR" sz="1600" dirty="0">
-              <a:solidFill>
-                <a:schemeClr val="tx1"/>
-              </a:solidFill>
-              <a:latin typeface="Gill Sans MT" panose="020B0502020104020203" pitchFamily="34" charset="0"/>
-            </a:endParaRPr>
-          </a:p>
-        </p:txBody>
-      </p:sp>
       <p:sp>
         <p:nvSpPr>
           <p:cNvPr id="58" name="ZoneTexte 57">
@@ -4438,293 +4745,6 @@
           </a:ln>
         </p:spPr>
       </p:pic>
-      <p:sp>
-        <p:nvSpPr>
-          <p:cNvPr id="68" name="Rectangle : coins arrondis 67">
-            <a:extLst>
-              <a:ext uri="{FF2B5EF4-FFF2-40B4-BE49-F238E27FC236}">
-                <a16:creationId xmlns:a16="http://schemas.microsoft.com/office/drawing/2014/main" id="{92179A2C-1836-6AB1-3D1F-1E045BF5F900}"/>
-              </a:ext>
-            </a:extLst>
-          </p:cNvPr>
-          <p:cNvSpPr/>
-          <p:nvPr/>
-        </p:nvSpPr>
-        <p:spPr>
-          <a:xfrm>
-            <a:off x="16465491" y="8814456"/>
-            <a:ext cx="4086013" cy="4034974"/>
-          </a:xfrm>
-          <a:prstGeom prst="roundRect">
-            <a:avLst/>
-          </a:prstGeom>
-          <a:noFill/>
-          <a:ln w="28575">
-            <a:solidFill>
-              <a:srgbClr val="002060"/>
-            </a:solidFill>
-          </a:ln>
-        </p:spPr>
-        <p:style>
-          <a:lnRef idx="2">
-            <a:schemeClr val="accent1">
-              <a:shade val="15000"/>
-            </a:schemeClr>
-          </a:lnRef>
-          <a:fillRef idx="1">
-            <a:schemeClr val="accent1"/>
-          </a:fillRef>
-          <a:effectRef idx="0">
-            <a:schemeClr val="accent1"/>
-          </a:effectRef>
-          <a:fontRef idx="minor">
-            <a:schemeClr val="lt1"/>
-          </a:fontRef>
-        </p:style>
-        <p:txBody>
-          <a:bodyPr rtlCol="0" anchor="ctr"/>
-          <a:lstStyle/>
-          <a:p>
-            <a:pPr algn="just"/>
-            <a:endParaRPr lang="fr-FR" sz="1600" dirty="0">
-              <a:solidFill>
-                <a:schemeClr val="tx1"/>
-              </a:solidFill>
-              <a:latin typeface="Gill Sans MT" panose="020B0502020104020203" pitchFamily="34" charset="0"/>
-            </a:endParaRPr>
-          </a:p>
-        </p:txBody>
-      </p:sp>
-      <p:sp>
-        <p:nvSpPr>
-          <p:cNvPr id="70" name="Rectangle : coins arrondis 69">
-            <a:extLst>
-              <a:ext uri="{FF2B5EF4-FFF2-40B4-BE49-F238E27FC236}">
-                <a16:creationId xmlns:a16="http://schemas.microsoft.com/office/drawing/2014/main" id="{C2D84267-090B-014A-6229-7DE910143B5C}"/>
-              </a:ext>
-            </a:extLst>
-          </p:cNvPr>
-          <p:cNvSpPr/>
-          <p:nvPr/>
-        </p:nvSpPr>
-        <p:spPr>
-          <a:xfrm>
-            <a:off x="11285668" y="8800412"/>
-            <a:ext cx="4381060" cy="4049018"/>
-          </a:xfrm>
-          <a:prstGeom prst="roundRect">
-            <a:avLst/>
-          </a:prstGeom>
-          <a:noFill/>
-          <a:ln w="28575">
-            <a:solidFill>
-              <a:srgbClr val="002060"/>
-            </a:solidFill>
-          </a:ln>
-        </p:spPr>
-        <p:style>
-          <a:lnRef idx="2">
-            <a:schemeClr val="accent1">
-              <a:shade val="15000"/>
-            </a:schemeClr>
-          </a:lnRef>
-          <a:fillRef idx="1">
-            <a:schemeClr val="accent1"/>
-          </a:fillRef>
-          <a:effectRef idx="0">
-            <a:schemeClr val="accent1"/>
-          </a:effectRef>
-          <a:fontRef idx="minor">
-            <a:schemeClr val="lt1"/>
-          </a:fontRef>
-        </p:style>
-        <p:txBody>
-          <a:bodyPr rtlCol="0" anchor="ctr"/>
-          <a:lstStyle/>
-          <a:p>
-            <a:pPr algn="just"/>
-            <a:endParaRPr lang="fr-FR" sz="1600" dirty="0">
-              <a:solidFill>
-                <a:schemeClr val="tx1"/>
-              </a:solidFill>
-              <a:latin typeface="Gill Sans MT" panose="020B0502020104020203" pitchFamily="34" charset="0"/>
-            </a:endParaRPr>
-          </a:p>
-        </p:txBody>
-      </p:sp>
-      <p:sp>
-        <p:nvSpPr>
-          <p:cNvPr id="71" name="Rectangle : coins arrondis 70">
-            <a:extLst>
-              <a:ext uri="{FF2B5EF4-FFF2-40B4-BE49-F238E27FC236}">
-                <a16:creationId xmlns:a16="http://schemas.microsoft.com/office/drawing/2014/main" id="{C138938D-AF9F-A161-8F46-F85A92E97287}"/>
-              </a:ext>
-            </a:extLst>
-          </p:cNvPr>
-          <p:cNvSpPr/>
-          <p:nvPr/>
-        </p:nvSpPr>
-        <p:spPr>
-          <a:xfrm>
-            <a:off x="782405" y="8809514"/>
-            <a:ext cx="4381060" cy="4039916"/>
-          </a:xfrm>
-          <a:prstGeom prst="roundRect">
-            <a:avLst/>
-          </a:prstGeom>
-          <a:noFill/>
-          <a:ln w="28575">
-            <a:solidFill>
-              <a:srgbClr val="002060"/>
-            </a:solidFill>
-          </a:ln>
-        </p:spPr>
-        <p:style>
-          <a:lnRef idx="2">
-            <a:schemeClr val="accent1">
-              <a:shade val="15000"/>
-            </a:schemeClr>
-          </a:lnRef>
-          <a:fillRef idx="1">
-            <a:schemeClr val="accent1"/>
-          </a:fillRef>
-          <a:effectRef idx="0">
-            <a:schemeClr val="accent1"/>
-          </a:effectRef>
-          <a:fontRef idx="minor">
-            <a:schemeClr val="lt1"/>
-          </a:fontRef>
-        </p:style>
-        <p:txBody>
-          <a:bodyPr rtlCol="0" anchor="ctr"/>
-          <a:lstStyle/>
-          <a:p>
-            <a:pPr algn="just"/>
-            <a:endParaRPr lang="fr-FR" sz="1600" dirty="0">
-              <a:solidFill>
-                <a:schemeClr val="tx1"/>
-              </a:solidFill>
-              <a:latin typeface="Gill Sans MT" panose="020B0502020104020203" pitchFamily="34" charset="0"/>
-            </a:endParaRPr>
-          </a:p>
-        </p:txBody>
-      </p:sp>
-      <p:sp>
-        <p:nvSpPr>
-          <p:cNvPr id="72" name="Rectangle : coins arrondis 71">
-            <a:extLst>
-              <a:ext uri="{FF2B5EF4-FFF2-40B4-BE49-F238E27FC236}">
-                <a16:creationId xmlns:a16="http://schemas.microsoft.com/office/drawing/2014/main" id="{7DFA79B5-6BCC-0622-A9F9-FD0399334FC6}"/>
-              </a:ext>
-            </a:extLst>
-          </p:cNvPr>
-          <p:cNvSpPr/>
-          <p:nvPr/>
-        </p:nvSpPr>
-        <p:spPr>
-          <a:xfrm>
-            <a:off x="6012022" y="8819994"/>
-            <a:ext cx="4381060" cy="4029436"/>
-          </a:xfrm>
-          <a:prstGeom prst="roundRect">
-            <a:avLst/>
-          </a:prstGeom>
-          <a:noFill/>
-          <a:ln w="28575">
-            <a:solidFill>
-              <a:srgbClr val="002060"/>
-            </a:solidFill>
-          </a:ln>
-        </p:spPr>
-        <p:style>
-          <a:lnRef idx="2">
-            <a:schemeClr val="accent1">
-              <a:shade val="15000"/>
-            </a:schemeClr>
-          </a:lnRef>
-          <a:fillRef idx="1">
-            <a:schemeClr val="accent1"/>
-          </a:fillRef>
-          <a:effectRef idx="0">
-            <a:schemeClr val="accent1"/>
-          </a:effectRef>
-          <a:fontRef idx="minor">
-            <a:schemeClr val="lt1"/>
-          </a:fontRef>
-        </p:style>
-        <p:txBody>
-          <a:bodyPr rtlCol="0" anchor="ctr"/>
-          <a:lstStyle/>
-          <a:p>
-            <a:pPr algn="just"/>
-            <a:endParaRPr lang="fr-FR" sz="1600" dirty="0">
-              <a:solidFill>
-                <a:schemeClr val="tx1"/>
-              </a:solidFill>
-              <a:latin typeface="Gill Sans MT" panose="020B0502020104020203" pitchFamily="34" charset="0"/>
-            </a:endParaRPr>
-          </a:p>
-        </p:txBody>
-      </p:sp>
-      <p:sp>
-        <p:nvSpPr>
-          <p:cNvPr id="73" name="Rectangle : coins arrondis 72">
-            <a:extLst>
-              <a:ext uri="{FF2B5EF4-FFF2-40B4-BE49-F238E27FC236}">
-                <a16:creationId xmlns:a16="http://schemas.microsoft.com/office/drawing/2014/main" id="{5CA20EC9-24AD-3ECB-AFC1-EED79B4C2E55}"/>
-              </a:ext>
-            </a:extLst>
-          </p:cNvPr>
-          <p:cNvSpPr/>
-          <p:nvPr/>
-        </p:nvSpPr>
-        <p:spPr>
-          <a:xfrm>
-            <a:off x="11025975" y="13616606"/>
-            <a:ext cx="10092943" cy="11552171"/>
-          </a:xfrm>
-          <a:prstGeom prst="roundRect">
-            <a:avLst>
-              <a:gd name="adj" fmla="val 9101"/>
-            </a:avLst>
-          </a:prstGeom>
-          <a:noFill/>
-          <a:ln>
-            <a:solidFill>
-              <a:srgbClr val="002060"/>
-            </a:solidFill>
-          </a:ln>
-        </p:spPr>
-        <p:style>
-          <a:lnRef idx="2">
-            <a:schemeClr val="accent1">
-              <a:shade val="15000"/>
-            </a:schemeClr>
-          </a:lnRef>
-          <a:fillRef idx="1">
-            <a:schemeClr val="accent1"/>
-          </a:fillRef>
-          <a:effectRef idx="0">
-            <a:schemeClr val="accent1"/>
-          </a:effectRef>
-          <a:fontRef idx="minor">
-            <a:schemeClr val="lt1"/>
-          </a:fontRef>
-        </p:style>
-        <p:txBody>
-          <a:bodyPr rtlCol="0" anchor="ctr"/>
-          <a:lstStyle/>
-          <a:p>
-            <a:pPr algn="just"/>
-            <a:endParaRPr lang="fr-FR" sz="1600" dirty="0">
-              <a:solidFill>
-                <a:schemeClr val="tx1"/>
-              </a:solidFill>
-              <a:latin typeface="Gill Sans MT" panose="020B0502020104020203" pitchFamily="34" charset="0"/>
-            </a:endParaRPr>
-          </a:p>
-        </p:txBody>
-      </p:sp>
       <p:sp>
         <p:nvSpPr>
           <p:cNvPr id="74" name="Rectangle : coins arrondis 73">
@@ -8700,6 +8720,49 @@
           </a:p>
         </p:txBody>
       </p:sp>
+      <p:sp>
+        <p:nvSpPr>
+          <p:cNvPr id="7" name="ZoneTexte 6">
+            <a:extLst>
+              <a:ext uri="{FF2B5EF4-FFF2-40B4-BE49-F238E27FC236}">
+                <a16:creationId xmlns:a16="http://schemas.microsoft.com/office/drawing/2014/main" id="{C6D05609-50DB-CD7D-9DD7-A59782D165F6}"/>
+              </a:ext>
+            </a:extLst>
+          </p:cNvPr>
+          <p:cNvSpPr txBox="1"/>
+          <p:nvPr/>
+        </p:nvSpPr>
+        <p:spPr>
+          <a:xfrm>
+            <a:off x="2936985" y="1347811"/>
+            <a:ext cx="2035143" cy="461665"/>
+          </a:xfrm>
+          <a:prstGeom prst="rect">
+            <a:avLst/>
+          </a:prstGeom>
+          <a:solidFill>
+            <a:srgbClr val="00B050"/>
+          </a:solidFill>
+        </p:spPr>
+        <p:txBody>
+          <a:bodyPr wrap="square" rtlCol="0">
+            <a:spAutoFit/>
+          </a:bodyPr>
+          <a:lstStyle/>
+          <a:p>
+            <a:pPr algn="ctr"/>
+            <a:r>
+              <a:rPr lang="fr-FR" sz="2400" dirty="0">
+                <a:solidFill>
+                  <a:schemeClr val="bg1"/>
+                </a:solidFill>
+                <a:latin typeface="Montserrat" panose="02000505000000020004" pitchFamily="2" charset="0"/>
+              </a:rPr>
+              <a:t>Groupe 25</a:t>
+            </a:r>
+          </a:p>
+        </p:txBody>
+      </p:sp>
     </p:spTree>
     <p:extLst>
       <p:ext uri="{BB962C8B-B14F-4D97-AF65-F5344CB8AC3E}">

--- a/Présentation/MODELISATION-DU-NOMBRE-DE-VISITES.pptx
+++ b/Présentation/MODELISATION-DU-NOMBRE-DE-VISITES.pptx
@@ -6804,10 +6804,20 @@
           <a:p>
             <a:pPr algn="just"/>
             <a:r>
+              <a:rPr lang="fr-FR" sz="1600" b="0" i="0" dirty="0">
+                <a:solidFill>
+                  <a:srgbClr val="242424"/>
+                </a:solidFill>
+                <a:effectLst/>
+                <a:latin typeface="Segoe UI" panose="020B0502040204020203" pitchFamily="34" charset="0"/>
+              </a:rPr>
+              <a:t>Les cartes des taux de consultations observés et prédits présentent une similitude notable, ce qui indique une bonne approximation des taux de consultations par le modèle SDM retenu, basé sur les caractéristiques socio-économiques et démographiques des communes</a:t>
+            </a:r>
+            <a:r>
               <a:rPr lang="fr-FR" sz="1600" dirty="0">
                 <a:latin typeface="Gill Sans MT" panose="020B0502020104020203" pitchFamily="34" charset="0"/>
               </a:rPr>
-              <a:t>Les cartes des taux de consultations observé et prédit se ressemblent assez ; ce qui traduit une bonne approximation de taux de consultations par le modèle SDM retenu, en se basant sur les caractéristiques socio-économiques et démographiques des communes.</a:t>
+              <a:t>.</a:t>
             </a:r>
           </a:p>
         </p:txBody>

--- a/Présentation/MODELISATION-DU-NOMBRE-DE-VISITES.pptx
+++ b/Présentation/MODELISATION-DU-NOMBRE-DE-VISITES.pptx
@@ -197,7 +197,7 @@
           <a:p>
             <a:fld id="{685D38A0-6625-420E-984B-5040EA439569}" type="datetimeFigureOut">
               <a:rPr lang="fr-FR" smtClean="0"/>
-              <a:t>08/04/2025</a:t>
+              <a:t>09/04/2025</a:t>
             </a:fld>
             <a:endParaRPr lang="fr-FR"/>
           </a:p>
@@ -684,7 +684,7 @@
           <a:p>
             <a:fld id="{A9C50A28-6A05-4D1F-9987-845550122DAD}" type="datetimeFigureOut">
               <a:rPr lang="fr-FR" smtClean="0"/>
-              <a:t>08/04/2025</a:t>
+              <a:t>09/04/2025</a:t>
             </a:fld>
             <a:endParaRPr lang="fr-FR"/>
           </a:p>
@@ -854,7 +854,7 @@
           <a:p>
             <a:fld id="{A9C50A28-6A05-4D1F-9987-845550122DAD}" type="datetimeFigureOut">
               <a:rPr lang="fr-FR" smtClean="0"/>
-              <a:t>08/04/2025</a:t>
+              <a:t>09/04/2025</a:t>
             </a:fld>
             <a:endParaRPr lang="fr-FR"/>
           </a:p>
@@ -1034,7 +1034,7 @@
           <a:p>
             <a:fld id="{A9C50A28-6A05-4D1F-9987-845550122DAD}" type="datetimeFigureOut">
               <a:rPr lang="fr-FR" smtClean="0"/>
-              <a:t>08/04/2025</a:t>
+              <a:t>09/04/2025</a:t>
             </a:fld>
             <a:endParaRPr lang="fr-FR"/>
           </a:p>
@@ -1204,7 +1204,7 @@
           <a:p>
             <a:fld id="{A9C50A28-6A05-4D1F-9987-845550122DAD}" type="datetimeFigureOut">
               <a:rPr lang="fr-FR" smtClean="0"/>
-              <a:t>08/04/2025</a:t>
+              <a:t>09/04/2025</a:t>
             </a:fld>
             <a:endParaRPr lang="fr-FR"/>
           </a:p>
@@ -1448,7 +1448,7 @@
           <a:p>
             <a:fld id="{A9C50A28-6A05-4D1F-9987-845550122DAD}" type="datetimeFigureOut">
               <a:rPr lang="fr-FR" smtClean="0"/>
-              <a:t>08/04/2025</a:t>
+              <a:t>09/04/2025</a:t>
             </a:fld>
             <a:endParaRPr lang="fr-FR"/>
           </a:p>
@@ -1680,7 +1680,7 @@
           <a:p>
             <a:fld id="{A9C50A28-6A05-4D1F-9987-845550122DAD}" type="datetimeFigureOut">
               <a:rPr lang="fr-FR" smtClean="0"/>
-              <a:t>08/04/2025</a:t>
+              <a:t>09/04/2025</a:t>
             </a:fld>
             <a:endParaRPr lang="fr-FR"/>
           </a:p>
@@ -2047,7 +2047,7 @@
           <a:p>
             <a:fld id="{A9C50A28-6A05-4D1F-9987-845550122DAD}" type="datetimeFigureOut">
               <a:rPr lang="fr-FR" smtClean="0"/>
-              <a:t>08/04/2025</a:t>
+              <a:t>09/04/2025</a:t>
             </a:fld>
             <a:endParaRPr lang="fr-FR"/>
           </a:p>
@@ -2165,7 +2165,7 @@
           <a:p>
             <a:fld id="{A9C50A28-6A05-4D1F-9987-845550122DAD}" type="datetimeFigureOut">
               <a:rPr lang="fr-FR" smtClean="0"/>
-              <a:t>08/04/2025</a:t>
+              <a:t>09/04/2025</a:t>
             </a:fld>
             <a:endParaRPr lang="fr-FR"/>
           </a:p>
@@ -2260,7 +2260,7 @@
           <a:p>
             <a:fld id="{A9C50A28-6A05-4D1F-9987-845550122DAD}" type="datetimeFigureOut">
               <a:rPr lang="fr-FR" smtClean="0"/>
-              <a:t>08/04/2025</a:t>
+              <a:t>09/04/2025</a:t>
             </a:fld>
             <a:endParaRPr lang="fr-FR"/>
           </a:p>
@@ -2537,7 +2537,7 @@
           <a:p>
             <a:fld id="{A9C50A28-6A05-4D1F-9987-845550122DAD}" type="datetimeFigureOut">
               <a:rPr lang="fr-FR" smtClean="0"/>
-              <a:t>08/04/2025</a:t>
+              <a:t>09/04/2025</a:t>
             </a:fld>
             <a:endParaRPr lang="fr-FR"/>
           </a:p>
@@ -2794,7 +2794,7 @@
           <a:p>
             <a:fld id="{A9C50A28-6A05-4D1F-9987-845550122DAD}" type="datetimeFigureOut">
               <a:rPr lang="fr-FR" smtClean="0"/>
-              <a:t>08/04/2025</a:t>
+              <a:t>09/04/2025</a:t>
             </a:fld>
             <a:endParaRPr lang="fr-FR"/>
           </a:p>
@@ -3013,7 +3013,7 @@
           <a:p>
             <a:fld id="{A9C50A28-6A05-4D1F-9987-845550122DAD}" type="datetimeFigureOut">
               <a:rPr lang="fr-FR" smtClean="0"/>
-              <a:t>08/04/2025</a:t>
+              <a:t>09/04/2025</a:t>
             </a:fld>
             <a:endParaRPr lang="fr-FR"/>
           </a:p>
@@ -3550,7 +3550,7 @@
         </p:nvSpPr>
         <p:spPr>
           <a:xfrm>
-            <a:off x="11025975" y="13616606"/>
+            <a:off x="11025975" y="13602562"/>
             <a:ext cx="10092943" cy="11552171"/>
           </a:xfrm>
           <a:prstGeom prst="roundRect">
@@ -3825,7 +3825,7 @@
           <a:bodyPr rtlCol="0" anchor="ctr"/>
           <a:lstStyle/>
           <a:p>
-            <a:pPr algn="just"/>
+            <a:pPr algn="ctr"/>
             <a:r>
               <a:rPr lang="fr-FR" sz="2400" b="1" dirty="0">
                 <a:solidFill>
@@ -3846,7 +3846,7 @@
             </a:r>
           </a:p>
           <a:p>
-            <a:pPr marL="285750" indent="-285750" algn="just">
+            <a:pPr marL="285750" indent="-285750" algn="ctr">
               <a:buFont typeface="Arial" panose="020B0604020202020204" pitchFamily="34" charset="0"/>
               <a:buChar char="•"/>
             </a:pPr>
@@ -3861,7 +3861,7 @@
             </a:r>
           </a:p>
           <a:p>
-            <a:pPr marL="285750" indent="-285750" algn="just">
+            <a:pPr marL="285750" indent="-285750" algn="ctr">
               <a:buFont typeface="Arial" panose="020B0604020202020204" pitchFamily="34" charset="0"/>
               <a:buChar char="•"/>
             </a:pPr>
@@ -3876,7 +3876,7 @@
             </a:r>
           </a:p>
           <a:p>
-            <a:pPr marL="285750" indent="-285750" algn="just">
+            <a:pPr marL="285750" indent="-285750" algn="ctr">
               <a:buFont typeface="Arial" panose="020B0604020202020204" pitchFamily="34" charset="0"/>
               <a:buChar char="•"/>
             </a:pPr>
@@ -4163,10 +4163,16 @@
           <a:p>
             <a:pPr algn="ctr"/>
             <a:r>
+              <a:rPr lang="fr-FR" sz="2000" b="1" dirty="0">
+                <a:latin typeface="Gill Sans MT" panose="020B0502020104020203" pitchFamily="34" charset="0"/>
+              </a:rPr>
+              <a:t>Tutrice</a:t>
+            </a:r>
+            <a:r>
               <a:rPr lang="fr-FR" sz="2000" dirty="0">
                 <a:latin typeface="Gill Sans MT" panose="020B0502020104020203" pitchFamily="34" charset="0"/>
               </a:rPr>
-              <a:t>Tutrice :  Audrey LAVENU</a:t>
+              <a:t> :  Audrey LAVENU</a:t>
             </a:r>
           </a:p>
         </p:txBody>
@@ -4272,7 +4278,7 @@
           <a:bodyPr rtlCol="0" anchor="ctr"/>
           <a:lstStyle/>
           <a:p>
-            <a:pPr algn="just"/>
+            <a:pPr algn="ctr"/>
             <a:r>
               <a:rPr lang="fr-FR" sz="2400" b="1" dirty="0">
                 <a:solidFill>
@@ -4293,7 +4299,7 @@
             </a:r>
           </a:p>
           <a:p>
-            <a:pPr algn="just"/>
+            <a:pPr algn="ctr"/>
             <a:r>
               <a:rPr lang="fr-FR" sz="2400" dirty="0">
                 <a:solidFill>
@@ -4370,7 +4376,7 @@
         </p:blipFill>
         <p:spPr>
           <a:xfrm>
-            <a:off x="11806196" y="18607300"/>
+            <a:off x="11171505" y="18607300"/>
             <a:ext cx="4314337" cy="2483071"/>
           </a:xfrm>
           <a:prstGeom prst="rect">
@@ -4406,7 +4412,7 @@
           </a:bodyPr>
           <a:lstStyle/>
           <a:p>
-            <a:pPr algn="just"/>
+            <a:pPr algn="ctr"/>
             <a:r>
               <a:rPr lang="fr-FR" sz="2400" b="1" dirty="0">
                 <a:solidFill>
@@ -4445,7 +4451,7 @@
             </a:r>
           </a:p>
           <a:p>
-            <a:pPr algn="just"/>
+            <a:pPr algn="ctr"/>
             <a:r>
               <a:rPr lang="fr-FR" sz="2400" dirty="0">
                 <a:solidFill>
@@ -5060,7 +5066,7 @@
                 </a:ln>
                 <a:latin typeface="Montserrat" panose="02000505000000020004" pitchFamily="2" charset="0"/>
               </a:rPr>
-              <a:t>Méthodes employées</a:t>
+              <a:t>Méthodologie</a:t>
             </a:r>
           </a:p>
         </p:txBody>
@@ -5258,8 +5264,8 @@
         </p:nvSpPr>
         <p:spPr>
           <a:xfrm>
-            <a:off x="2815531" y="279994"/>
-            <a:ext cx="16828973" cy="954107"/>
+            <a:off x="2815532" y="279994"/>
+            <a:ext cx="16700794" cy="954107"/>
           </a:xfrm>
           <a:prstGeom prst="rect">
             <a:avLst/>
@@ -5299,8 +5305,8 @@
         </p:nvSpPr>
         <p:spPr>
           <a:xfrm>
-            <a:off x="877827" y="11499333"/>
-            <a:ext cx="4190214" cy="1077218"/>
+            <a:off x="949888" y="11194437"/>
+            <a:ext cx="4118153" cy="1477328"/>
           </a:xfrm>
           <a:prstGeom prst="rect">
             <a:avLst/>
@@ -5313,9 +5319,9 @@
           </a:bodyPr>
           <a:lstStyle/>
           <a:p>
-            <a:pPr algn="just"/>
-            <a:r>
-              <a:rPr lang="fr-FR" sz="1600" dirty="0">
+            <a:pPr algn="ctr"/>
+            <a:r>
+              <a:rPr lang="fr-FR" dirty="0">
                 <a:latin typeface="Gill Sans MT" panose="020B0502020104020203" pitchFamily="34" charset="0"/>
               </a:rPr>
               <a:t>La distribution, centrée autour de la moyenne, est légèrement asymétrique à droite, traduisant des disparités entre communes, avec quelques zones à taux de consultation très élevé.</a:t>
@@ -5337,8 +5343,8 @@
         </p:nvSpPr>
         <p:spPr>
           <a:xfrm>
-            <a:off x="6403697" y="11376222"/>
-            <a:ext cx="3523593" cy="1323439"/>
+            <a:off x="6403697" y="11294416"/>
+            <a:ext cx="3733549" cy="1477328"/>
           </a:xfrm>
           <a:prstGeom prst="rect">
             <a:avLst/>
@@ -5351,9 +5357,9 @@
           </a:bodyPr>
           <a:lstStyle/>
           <a:p>
-            <a:pPr algn="just"/>
-            <a:r>
-              <a:rPr lang="fr-FR" sz="1600" dirty="0">
+            <a:pPr algn="ctr"/>
+            <a:r>
+              <a:rPr lang="fr-FR" dirty="0">
                 <a:latin typeface="Gill Sans MT" panose="020B0502020104020203" pitchFamily="34" charset="0"/>
               </a:rPr>
               <a:t>Les consultations augmentent avec le taux de natalité et la part des familles avec des enfants jeunes, mais évolue en sens inverse de la part des familles sans enfants et du taux de mortalité.</a:t>
@@ -5375,8 +5381,8 @@
         </p:nvSpPr>
         <p:spPr>
           <a:xfrm>
-            <a:off x="11670670" y="11201108"/>
-            <a:ext cx="3795687" cy="1569660"/>
+            <a:off x="11431215" y="11135902"/>
+            <a:ext cx="4150553" cy="1754326"/>
           </a:xfrm>
           <a:prstGeom prst="rect">
             <a:avLst/>
@@ -5389,9 +5395,9 @@
           </a:bodyPr>
           <a:lstStyle/>
           <a:p>
-            <a:pPr algn="just"/>
-            <a:r>
-              <a:rPr lang="fr-FR" sz="1600" dirty="0">
+            <a:pPr algn="ctr"/>
+            <a:r>
+              <a:rPr lang="fr-FR" dirty="0">
                 <a:latin typeface="Gill Sans MT" panose="020B0502020104020203" pitchFamily="34" charset="0"/>
               </a:rPr>
               <a:t>L’analyse LISA révèle que la majorité des communes appartiennent au cluster HH, suivi du cluster LH, indiquant des zones à taux élevés entourées de communes également à taux élevés, ou à taux bas proches de zones à taux élevés.</a:t>
@@ -5413,8 +5419,8 @@
         </p:nvSpPr>
         <p:spPr>
           <a:xfrm>
-            <a:off x="16831733" y="11215139"/>
-            <a:ext cx="3549864" cy="1323439"/>
+            <a:off x="16636421" y="11081964"/>
+            <a:ext cx="3856711" cy="1754326"/>
           </a:xfrm>
           <a:prstGeom prst="rect">
             <a:avLst/>
@@ -5427,11 +5433,11 @@
           </a:bodyPr>
           <a:lstStyle/>
           <a:p>
-            <a:pPr algn="just">
+            <a:pPr algn="ctr">
               <a:buNone/>
             </a:pPr>
             <a:r>
-              <a:rPr lang="fr-FR" sz="1600" b="0" i="0" dirty="0">
+              <a:rPr lang="fr-FR" b="0" i="0" dirty="0">
                 <a:solidFill>
                   <a:srgbClr val="202124"/>
                 </a:solidFill>
@@ -5440,7 +5446,7 @@
               </a:rPr>
               <a:t>Le diagramme de Moran met en évidence une autocorrélation spatiale positive des taux de consultations, avec des regroupements de communes à taux élevés (High-High) ou faibles (Low-Low).</a:t>
             </a:r>
-            <a:endParaRPr lang="fr-FR" sz="1600" dirty="0">
+            <a:endParaRPr lang="fr-FR" dirty="0">
               <a:latin typeface="Gill Sans MT" panose="020B0502020104020203" pitchFamily="34" charset="0"/>
             </a:endParaRPr>
           </a:p>
@@ -6532,7 +6538,7 @@
           </a:bodyPr>
           <a:lstStyle/>
           <a:p>
-            <a:pPr algn="just">
+            <a:pPr algn="ctr">
               <a:lnSpc>
                 <a:spcPct val="150000"/>
               </a:lnSpc>
@@ -6558,8 +6564,8 @@
           </a:p>
         </p:txBody>
       </p:sp>
-      <mc:AlternateContent xmlns:mc="http://schemas.openxmlformats.org/markup-compatibility/2006" xmlns:a14="http://schemas.microsoft.com/office/drawing/2010/main">
-        <mc:Choice Requires="a14">
+      <mc:AlternateContent xmlns:mc="http://schemas.openxmlformats.org/markup-compatibility/2006">
+        <mc:Choice xmlns:a14="http://schemas.microsoft.com/office/drawing/2010/main" Requires="a14">
           <p:sp>
             <p:nvSpPr>
               <p:cNvPr id="19" name="ZoneTexte 18">
@@ -6574,8 +6580,8 @@
             </p:nvSpPr>
             <p:spPr>
               <a:xfrm>
-                <a:off x="11670670" y="14490641"/>
-                <a:ext cx="4132327" cy="338554"/>
+                <a:off x="11100722" y="14490641"/>
+                <a:ext cx="4702276" cy="400110"/>
               </a:xfrm>
               <a:prstGeom prst="rect">
                 <a:avLst/>
@@ -6593,7 +6599,7 @@
                   <a:buChar char="•"/>
                 </a:pPr>
                 <a:r>
-                  <a:rPr lang="fr-FR" sz="1600" dirty="0">
+                  <a:rPr lang="fr-FR" sz="2000" dirty="0">
                     <a:latin typeface="Gill Sans MT" panose="020B0502020104020203" pitchFamily="34" charset="0"/>
                   </a:rPr>
                   <a:t>L’indice de Moran calculé : </a:t>
@@ -6601,45 +6607,45 @@
                 <a14:m>
                   <m:oMath xmlns:m="http://schemas.openxmlformats.org/officeDocument/2006/math">
                     <m:r>
-                      <a:rPr lang="fr-FR" sz="1600" b="1" i="1" smtClean="0">
+                      <a:rPr lang="fr-FR" sz="2000" b="1" i="1" smtClean="0">
                         <a:latin typeface="Cambria Math" panose="02040503050406030204" pitchFamily="18" charset="0"/>
                       </a:rPr>
                       <m:t>𝑰</m:t>
                     </m:r>
                     <m:r>
-                      <a:rPr lang="fr-FR" sz="1600" b="1" i="1" smtClean="0">
+                      <a:rPr lang="fr-FR" sz="2000" b="1" i="1" smtClean="0">
                         <a:latin typeface="Cambria Math" panose="02040503050406030204" pitchFamily="18" charset="0"/>
                       </a:rPr>
                       <m:t>=</m:t>
                     </m:r>
                     <m:r>
-                      <a:rPr lang="fr-FR" sz="1600" b="1" i="1" smtClean="0">
+                      <a:rPr lang="fr-FR" sz="2000" b="1" i="1" smtClean="0">
                         <a:latin typeface="Cambria Math" panose="02040503050406030204" pitchFamily="18" charset="0"/>
                       </a:rPr>
                       <m:t>𝟎</m:t>
                     </m:r>
                     <m:r>
-                      <a:rPr lang="fr-FR" sz="1600" b="1" i="1" smtClean="0">
+                      <a:rPr lang="fr-FR" sz="2000" b="1" i="1" smtClean="0">
                         <a:latin typeface="Cambria Math" panose="02040503050406030204" pitchFamily="18" charset="0"/>
                       </a:rPr>
                       <m:t>.</m:t>
                     </m:r>
                     <m:r>
-                      <a:rPr lang="fr-FR" sz="1600" b="1" i="1" smtClean="0">
+                      <a:rPr lang="fr-FR" sz="2000" b="1" i="1" smtClean="0">
                         <a:latin typeface="Cambria Math" panose="02040503050406030204" pitchFamily="18" charset="0"/>
                       </a:rPr>
                       <m:t>𝟏𝟓𝟗𝟖</m:t>
                     </m:r>
                   </m:oMath>
                 </a14:m>
-                <a:endParaRPr lang="fr-FR" sz="1600" b="1" dirty="0">
+                <a:endParaRPr lang="fr-FR" sz="2000" b="1" dirty="0">
                   <a:latin typeface="Gill Sans MT" panose="020B0502020104020203" pitchFamily="34" charset="0"/>
                 </a:endParaRPr>
               </a:p>
             </p:txBody>
           </p:sp>
         </mc:Choice>
-        <mc:Fallback xmlns="">
+        <mc:Fallback>
           <p:sp>
             <p:nvSpPr>
               <p:cNvPr id="19" name="ZoneTexte 18">
@@ -6656,8 +6662,8 @@
             </p:nvSpPr>
             <p:spPr>
               <a:xfrm>
-                <a:off x="11670670" y="14490641"/>
-                <a:ext cx="4132327" cy="338554"/>
+                <a:off x="11100722" y="14490641"/>
+                <a:ext cx="4702276" cy="400110"/>
               </a:xfrm>
               <a:prstGeom prst="rect">
                 <a:avLst/>
@@ -6665,7 +6671,7 @@
               <a:blipFill>
                 <a:blip r:embed="rId15"/>
                 <a:stretch>
-                  <a:fillRect l="-590" t="-5357" b="-21429"/>
+                  <a:fillRect l="-1167" t="-7576" b="-25758"/>
                 </a:stretch>
               </a:blipFill>
             </p:spPr>
@@ -6698,8 +6704,8 @@
         </p:nvSpPr>
         <p:spPr>
           <a:xfrm>
-            <a:off x="15772235" y="14542899"/>
-            <a:ext cx="878569" cy="251646"/>
+            <a:off x="15931652" y="14538045"/>
+            <a:ext cx="852973" cy="257699"/>
           </a:xfrm>
           <a:prstGeom prst="stripedRightArrow">
             <a:avLst/>
@@ -6751,7 +6757,7 @@
         <p:spPr>
           <a:xfrm>
             <a:off x="16885608" y="14468346"/>
-            <a:ext cx="4132327" cy="338554"/>
+            <a:ext cx="4132327" cy="400110"/>
           </a:xfrm>
           <a:prstGeom prst="rect">
             <a:avLst/>
@@ -6766,7 +6772,7 @@
           <a:p>
             <a:pPr algn="just"/>
             <a:r>
-              <a:rPr lang="fr-FR" sz="1600" dirty="0">
+              <a:rPr lang="fr-FR" sz="2000" dirty="0">
                 <a:latin typeface="Gill Sans MT" panose="020B0502020104020203" pitchFamily="34" charset="0"/>
               </a:rPr>
               <a:t>Autocorrélation spatiale positive</a:t>
@@ -6788,8 +6794,8 @@
         </p:nvSpPr>
         <p:spPr>
           <a:xfrm>
-            <a:off x="11480481" y="24131218"/>
-            <a:ext cx="9537454" cy="830997"/>
+            <a:off x="11431215" y="24065348"/>
+            <a:ext cx="9537454" cy="1015663"/>
           </a:xfrm>
           <a:prstGeom prst="rect">
             <a:avLst/>
@@ -6802,23 +6808,24 @@
           </a:bodyPr>
           <a:lstStyle/>
           <a:p>
-            <a:pPr algn="just"/>
-            <a:r>
-              <a:rPr lang="fr-FR" sz="1600" b="0" i="0" dirty="0">
+            <a:pPr algn="ctr"/>
+            <a:r>
+              <a:rPr lang="fr-FR" sz="2000" b="0" i="0" dirty="0">
                 <a:solidFill>
                   <a:srgbClr val="242424"/>
                 </a:solidFill>
                 <a:effectLst/>
                 <a:latin typeface="Segoe UI" panose="020B0502040204020203" pitchFamily="34" charset="0"/>
               </a:rPr>
-              <a:t>Les cartes des taux de consultations observés et prédits présentent une similitude notable, ce qui indique une bonne approximation des taux de consultations par le modèle SDM retenu, basé sur les caractéristiques socio-économiques et démographiques des communes</a:t>
-            </a:r>
-            <a:r>
-              <a:rPr lang="fr-FR" sz="1600" dirty="0">
-                <a:latin typeface="Gill Sans MT" panose="020B0502020104020203" pitchFamily="34" charset="0"/>
-              </a:rPr>
-              <a:t>.</a:t>
-            </a:r>
+              <a:t>Les taux de consultations observés et prédits présentent </a:t>
+            </a:r>
+            <a:r>
+              <a:rPr lang="fr-FR" sz="2000" dirty="0"/>
+              <a:t>structure spatiale globalement similaire. Certaines zones, notamment au sud-est et au nord-ouest, mettent toutefois en évidence des divergences marquées entre les valeurs observées et prédites.</a:t>
+            </a:r>
+            <a:endParaRPr lang="fr-FR" sz="2000" dirty="0">
+              <a:latin typeface="Gill Sans MT" panose="020B0502020104020203" pitchFamily="34" charset="0"/>
+            </a:endParaRPr>
           </a:p>
         </p:txBody>
       </p:sp>
@@ -6863,8 +6870,8 @@
           </a:p>
         </p:txBody>
       </p:sp>
-      <mc:AlternateContent xmlns:mc="http://schemas.openxmlformats.org/markup-compatibility/2006" xmlns:a14="http://schemas.microsoft.com/office/drawing/2010/main">
-        <mc:Choice Requires="a14">
+      <mc:AlternateContent xmlns:mc="http://schemas.openxmlformats.org/markup-compatibility/2006">
+        <mc:Choice xmlns:a14="http://schemas.microsoft.com/office/drawing/2010/main" Requires="a14">
           <p:sp>
             <p:nvSpPr>
               <p:cNvPr id="28" name="ZoneTexte 27">
@@ -6879,8 +6886,8 @@
             </p:nvSpPr>
             <p:spPr>
               <a:xfrm>
-                <a:off x="11670670" y="15049817"/>
-                <a:ext cx="4066838" cy="338554"/>
+                <a:off x="11094898" y="14987308"/>
+                <a:ext cx="4920925" cy="400110"/>
               </a:xfrm>
               <a:prstGeom prst="rect">
                 <a:avLst/>
@@ -6898,7 +6905,7 @@
                   <a:buChar char="•"/>
                 </a:pPr>
                 <a:r>
-                  <a:rPr lang="fr-FR" sz="1600" dirty="0">
+                  <a:rPr lang="fr-FR" sz="2000" dirty="0">
                     <a:latin typeface="Gill Sans MT" panose="020B0502020104020203" pitchFamily="34" charset="0"/>
                   </a:rPr>
                   <a:t>Test de Moran : </a:t>
@@ -6906,67 +6913,67 @@
                 <a14:m>
                   <m:oMath xmlns:m="http://schemas.openxmlformats.org/officeDocument/2006/math">
                     <m:r>
-                      <a:rPr lang="fr-FR" sz="1600" b="1" i="0" smtClean="0">
+                      <a:rPr lang="fr-FR" sz="2000" b="1" i="0" smtClean="0">
                         <a:latin typeface="Cambria Math" panose="02040503050406030204" pitchFamily="18" charset="0"/>
                       </a:rPr>
                       <m:t>𝐩</m:t>
                     </m:r>
                     <m:r>
-                      <a:rPr lang="fr-FR" sz="1600" b="1" i="0" smtClean="0">
+                      <a:rPr lang="fr-FR" sz="2000" b="1" i="0" smtClean="0">
                         <a:latin typeface="Cambria Math" panose="02040503050406030204" pitchFamily="18" charset="0"/>
                       </a:rPr>
                       <m:t>−</m:t>
                     </m:r>
                     <m:r>
-                      <a:rPr lang="fr-FR" sz="1600" b="1" i="0" smtClean="0">
+                      <a:rPr lang="fr-FR" sz="2000" b="1" i="0" smtClean="0">
                         <a:latin typeface="Cambria Math" panose="02040503050406030204" pitchFamily="18" charset="0"/>
                       </a:rPr>
                       <m:t>𝐯𝐚𝐥𝐞𝐮𝐫</m:t>
                     </m:r>
                     <m:r>
-                      <a:rPr lang="fr-FR" sz="1600" b="1" i="1" smtClean="0">
+                      <a:rPr lang="fr-FR" sz="2000" b="1" i="1" smtClean="0">
                         <a:latin typeface="Cambria Math" panose="02040503050406030204" pitchFamily="18" charset="0"/>
                         <a:ea typeface="Cambria Math" panose="02040503050406030204" pitchFamily="18" charset="0"/>
                       </a:rPr>
                       <m:t>&lt;</m:t>
                     </m:r>
                     <m:r>
-                      <a:rPr lang="fr-FR" sz="1600" b="1" i="1" smtClean="0">
+                      <a:rPr lang="fr-FR" sz="2000" b="1" i="1" smtClean="0">
                         <a:latin typeface="Cambria Math" panose="02040503050406030204" pitchFamily="18" charset="0"/>
                         <a:ea typeface="Cambria Math" panose="02040503050406030204" pitchFamily="18" charset="0"/>
                       </a:rPr>
                       <m:t>𝟐</m:t>
                     </m:r>
                     <m:r>
-                      <a:rPr lang="fr-FR" sz="1600" b="1" i="1" smtClean="0">
+                      <a:rPr lang="fr-FR" sz="2000" b="1" i="1" smtClean="0">
                         <a:latin typeface="Cambria Math" panose="02040503050406030204" pitchFamily="18" charset="0"/>
                         <a:ea typeface="Cambria Math" panose="02040503050406030204" pitchFamily="18" charset="0"/>
                       </a:rPr>
                       <m:t>.</m:t>
                     </m:r>
                     <m:r>
-                      <a:rPr lang="fr-FR" sz="1600" b="1" i="1" smtClean="0">
+                      <a:rPr lang="fr-FR" sz="2000" b="1" i="1" smtClean="0">
                         <a:latin typeface="Cambria Math" panose="02040503050406030204" pitchFamily="18" charset="0"/>
                         <a:ea typeface="Cambria Math" panose="02040503050406030204" pitchFamily="18" charset="0"/>
                       </a:rPr>
                       <m:t>𝟐</m:t>
                     </m:r>
                     <m:r>
-                      <a:rPr lang="fr-FR" sz="1600" b="1" i="1" smtClean="0">
+                      <a:rPr lang="fr-FR" sz="2000" b="1" i="1" smtClean="0">
                         <a:latin typeface="Cambria Math" panose="02040503050406030204" pitchFamily="18" charset="0"/>
                         <a:ea typeface="Cambria Math" panose="02040503050406030204" pitchFamily="18" charset="0"/>
                       </a:rPr>
                       <m:t>𝒆</m:t>
                     </m:r>
                     <m:r>
-                      <a:rPr lang="fr-FR" sz="1600" b="1" i="1" smtClean="0">
+                      <a:rPr lang="fr-FR" sz="2000" b="1" i="1" smtClean="0">
                         <a:latin typeface="Cambria Math" panose="02040503050406030204" pitchFamily="18" charset="0"/>
                         <a:ea typeface="Cambria Math" panose="02040503050406030204" pitchFamily="18" charset="0"/>
                       </a:rPr>
                       <m:t>−</m:t>
                     </m:r>
                     <m:r>
-                      <a:rPr lang="fr-FR" sz="1600" b="1" i="1" smtClean="0">
+                      <a:rPr lang="fr-FR" sz="2000" b="1" i="1" smtClean="0">
                         <a:latin typeface="Cambria Math" panose="02040503050406030204" pitchFamily="18" charset="0"/>
                         <a:ea typeface="Cambria Math" panose="02040503050406030204" pitchFamily="18" charset="0"/>
                       </a:rPr>
@@ -6974,14 +6981,14 @@
                     </m:r>
                   </m:oMath>
                 </a14:m>
-                <a:endParaRPr lang="fr-FR" sz="1600" b="1" dirty="0">
+                <a:endParaRPr lang="fr-FR" sz="2000" b="1" dirty="0">
                   <a:latin typeface="Gill Sans MT" panose="020B0502020104020203" pitchFamily="34" charset="0"/>
                 </a:endParaRPr>
               </a:p>
             </p:txBody>
           </p:sp>
         </mc:Choice>
-        <mc:Fallback xmlns="">
+        <mc:Fallback>
           <p:sp>
             <p:nvSpPr>
               <p:cNvPr id="28" name="ZoneTexte 27">
@@ -6998,8 +7005,8 @@
             </p:nvSpPr>
             <p:spPr>
               <a:xfrm>
-                <a:off x="11670670" y="15049817"/>
-                <a:ext cx="4066838" cy="338554"/>
+                <a:off x="11094898" y="14987308"/>
+                <a:ext cx="4920925" cy="400110"/>
               </a:xfrm>
               <a:prstGeom prst="rect">
                 <a:avLst/>
@@ -7007,7 +7014,7 @@
               <a:blipFill>
                 <a:blip r:embed="rId16"/>
                 <a:stretch>
-                  <a:fillRect l="-599" t="-5455" b="-23636"/>
+                  <a:fillRect l="-1115" t="-9231" b="-27692"/>
                 </a:stretch>
               </a:blipFill>
             </p:spPr>
@@ -7040,8 +7047,8 @@
         </p:nvSpPr>
         <p:spPr>
           <a:xfrm>
-            <a:off x="15777989" y="15113212"/>
-            <a:ext cx="878569" cy="251646"/>
+            <a:off x="15954470" y="15081235"/>
+            <a:ext cx="801737" cy="257699"/>
           </a:xfrm>
           <a:prstGeom prst="stripedRightArrow">
             <a:avLst/>
@@ -7092,8 +7099,8 @@
         </p:nvSpPr>
         <p:spPr>
           <a:xfrm>
-            <a:off x="16885608" y="15049817"/>
-            <a:ext cx="4132327" cy="338554"/>
+            <a:off x="16756207" y="15019039"/>
+            <a:ext cx="4702277" cy="400110"/>
           </a:xfrm>
           <a:prstGeom prst="rect">
             <a:avLst/>
@@ -7108,7 +7115,7 @@
           <a:p>
             <a:pPr algn="just"/>
             <a:r>
-              <a:rPr lang="fr-FR" sz="1600" dirty="0">
+              <a:rPr lang="fr-FR" sz="2000" dirty="0">
                 <a:latin typeface="Gill Sans MT" panose="020B0502020104020203" pitchFamily="34" charset="0"/>
               </a:rPr>
               <a:t>Significativité de l’autocorrélation spatiale</a:t>
@@ -7706,8 +7713,8 @@
           </a:p>
         </p:txBody>
       </p:sp>
-      <mc:AlternateContent xmlns:mc="http://schemas.openxmlformats.org/markup-compatibility/2006" xmlns:a14="http://schemas.microsoft.com/office/drawing/2010/main">
-        <mc:Choice Requires="a14">
+      <mc:AlternateContent xmlns:mc="http://schemas.openxmlformats.org/markup-compatibility/2006">
+        <mc:Choice xmlns:a14="http://schemas.microsoft.com/office/drawing/2010/main" Requires="a14">
           <p:sp>
             <p:nvSpPr>
               <p:cNvPr id="39" name="ZoneTexte 38">
@@ -7722,8 +7729,8 @@
             </p:nvSpPr>
             <p:spPr>
               <a:xfrm>
-                <a:off x="16397784" y="18245493"/>
-                <a:ext cx="3872646" cy="584775"/>
+                <a:off x="16334592" y="18181782"/>
+                <a:ext cx="4780895" cy="707886"/>
               </a:xfrm>
               <a:prstGeom prst="rect">
                 <a:avLst/>
@@ -7741,7 +7748,7 @@
                   <a:buChar char="•"/>
                 </a:pPr>
                 <a:r>
-                  <a:rPr lang="fr-FR" sz="1600" dirty="0">
+                  <a:rPr lang="fr-FR" sz="2000" dirty="0">
                     <a:latin typeface="Gill Sans MT" panose="020B0502020104020203" pitchFamily="34" charset="0"/>
                   </a:rPr>
                   <a:t>Coefficient </a:t>
@@ -7749,7 +7756,7 @@
                 <a14:m>
                   <m:oMath xmlns:m="http://schemas.openxmlformats.org/officeDocument/2006/math">
                     <m:r>
-                      <a:rPr lang="fr-FR" sz="1600" i="1" smtClean="0">
+                      <a:rPr lang="fr-FR" sz="2000" i="1" smtClean="0">
                         <a:latin typeface="Cambria Math" panose="02040503050406030204" pitchFamily="18" charset="0"/>
                         <a:ea typeface="Cambria Math" panose="02040503050406030204" pitchFamily="18" charset="0"/>
                       </a:rPr>
@@ -7758,7 +7765,7 @@
                   </m:oMath>
                 </a14:m>
                 <a:r>
-                  <a:rPr lang="fr-FR" sz="1600" dirty="0">
+                  <a:rPr lang="fr-FR" sz="2000" dirty="0">
                     <a:latin typeface="Gill Sans MT" panose="020B0502020104020203" pitchFamily="34" charset="0"/>
                   </a:rPr>
                   <a:t> d’interaction endogène :</a:t>
@@ -7768,35 +7775,35 @@
                 <a14:m>
                   <m:oMath xmlns:m="http://schemas.openxmlformats.org/officeDocument/2006/math">
                     <m:r>
-                      <a:rPr lang="fr-FR" sz="1600" b="1" i="1" smtClean="0">
+                      <a:rPr lang="fr-FR" sz="2000" b="1" i="1" smtClean="0">
                         <a:latin typeface="Cambria Math" panose="02040503050406030204" pitchFamily="18" charset="0"/>
                         <a:ea typeface="Cambria Math" panose="02040503050406030204" pitchFamily="18" charset="0"/>
                       </a:rPr>
                       <m:t>𝝆</m:t>
                     </m:r>
                     <m:r>
-                      <a:rPr lang="fr-FR" sz="1600" b="1" i="1" smtClean="0">
+                      <a:rPr lang="fr-FR" sz="2000" b="1" i="1" smtClean="0">
                         <a:latin typeface="Cambria Math" panose="02040503050406030204" pitchFamily="18" charset="0"/>
                         <a:ea typeface="Cambria Math" panose="02040503050406030204" pitchFamily="18" charset="0"/>
                       </a:rPr>
                       <m:t>=</m:t>
                     </m:r>
                     <m:r>
-                      <a:rPr lang="fr-FR" sz="1600" b="1" i="1" smtClean="0">
+                      <a:rPr lang="fr-FR" sz="2000" b="1" i="1" smtClean="0">
                         <a:latin typeface="Cambria Math" panose="02040503050406030204" pitchFamily="18" charset="0"/>
                         <a:ea typeface="Cambria Math" panose="02040503050406030204" pitchFamily="18" charset="0"/>
                       </a:rPr>
                       <m:t>𝟎</m:t>
                     </m:r>
                     <m:r>
-                      <a:rPr lang="fr-FR" sz="1600" b="1" i="1" smtClean="0">
+                      <a:rPr lang="fr-FR" sz="2000" b="1" i="1" smtClean="0">
                         <a:latin typeface="Cambria Math" panose="02040503050406030204" pitchFamily="18" charset="0"/>
                         <a:ea typeface="Cambria Math" panose="02040503050406030204" pitchFamily="18" charset="0"/>
                       </a:rPr>
                       <m:t>.</m:t>
                     </m:r>
                     <m:r>
-                      <a:rPr lang="fr-FR" sz="1600" b="1" i="1" smtClean="0">
+                      <a:rPr lang="fr-FR" sz="2000" b="1" i="1" smtClean="0">
                         <a:latin typeface="Cambria Math" panose="02040503050406030204" pitchFamily="18" charset="0"/>
                         <a:ea typeface="Cambria Math" panose="02040503050406030204" pitchFamily="18" charset="0"/>
                       </a:rPr>
@@ -7805,20 +7812,24 @@
                   </m:oMath>
                 </a14:m>
                 <a:r>
-                  <a:rPr lang="fr-FR" sz="1600" b="1" dirty="0">
+                  <a:rPr lang="fr-FR" sz="2000" b="1" dirty="0">
                     <a:latin typeface="Gill Sans MT" panose="020B0502020104020203" pitchFamily="34" charset="0"/>
                   </a:rPr>
                   <a:t> </a:t>
                 </a:r>
                 <a:r>
-                  <a:rPr lang="fr-FR" sz="1600" dirty="0">
+                  <a:rPr lang="fr-FR" sz="2000" dirty="0">
                     <a:latin typeface="Gill Sans MT" panose="020B0502020104020203" pitchFamily="34" charset="0"/>
                   </a:rPr>
                   <a:t>(p-valeur</a:t>
                 </a:r>
                 <a:r>
+                  <a:rPr lang="fr-FR" sz="2000" dirty="0"/>
+                  <a:t> &lt; 2.22e-16</a:t>
+                </a:r>
+                <a:r>
                   <a:rPr lang="fr-FR" sz="1600" dirty="0"/>
-                  <a:t> &lt; 2.22e-16)</a:t>
+                  <a:t>)</a:t>
                 </a:r>
                 <a:endParaRPr lang="fr-FR" sz="1600" dirty="0">
                   <a:latin typeface="Gill Sans MT" panose="020B0502020104020203" pitchFamily="34" charset="0"/>
@@ -7827,7 +7838,7 @@
             </p:txBody>
           </p:sp>
         </mc:Choice>
-        <mc:Fallback xmlns="">
+        <mc:Fallback>
           <p:sp>
             <p:nvSpPr>
               <p:cNvPr id="39" name="ZoneTexte 38">
@@ -7844,8 +7855,8 @@
             </p:nvSpPr>
             <p:spPr>
               <a:xfrm>
-                <a:off x="16397784" y="18245493"/>
-                <a:ext cx="3872646" cy="584775"/>
+                <a:off x="16334592" y="18181782"/>
+                <a:ext cx="4780895" cy="707886"/>
               </a:xfrm>
               <a:prstGeom prst="rect">
                 <a:avLst/>
@@ -7853,7 +7864,7 @@
               <a:blipFill>
                 <a:blip r:embed="rId17"/>
                 <a:stretch>
-                  <a:fillRect l="-630" t="-3125" b="-12500"/>
+                  <a:fillRect l="-1148" t="-5172" b="-14655"/>
                 </a:stretch>
               </a:blipFill>
             </p:spPr>
@@ -7886,8 +7897,8 @@
         </p:nvSpPr>
         <p:spPr>
           <a:xfrm rot="5400000">
-            <a:off x="18041718" y="19090020"/>
-            <a:ext cx="584777" cy="181406"/>
+            <a:off x="18100281" y="18916763"/>
+            <a:ext cx="399954" cy="249105"/>
           </a:xfrm>
           <a:prstGeom prst="stripedRightArrow">
             <a:avLst/>
@@ -7938,8 +7949,8 @@
         </p:nvSpPr>
         <p:spPr>
           <a:xfrm>
-            <a:off x="16553562" y="19598325"/>
-            <a:ext cx="4132327" cy="1323439"/>
+            <a:off x="15722327" y="19246655"/>
+            <a:ext cx="4998978" cy="1631216"/>
           </a:xfrm>
           <a:prstGeom prst="rect">
             <a:avLst/>
@@ -7952,9 +7963,9 @@
           </a:bodyPr>
           <a:lstStyle/>
           <a:p>
-            <a:pPr algn="just"/>
-            <a:r>
-              <a:rPr lang="fr-FR" sz="1600" dirty="0">
+            <a:pPr algn="ctr"/>
+            <a:r>
+              <a:rPr lang="fr-FR" sz="2000" dirty="0">
                 <a:latin typeface="Gill Sans MT" panose="020B0502020104020203" pitchFamily="34" charset="0"/>
               </a:rPr>
               <a:t>Très forte autocorrélation spatiale des taux de consultations entre communes : une commune ayant un taux de consultations élevé tend à être entourée par des communes présentant également des taux élevés, et inversement.</a:t>
@@ -7976,8 +7987,8 @@
         </p:nvSpPr>
         <p:spPr>
           <a:xfrm>
-            <a:off x="16465491" y="19561409"/>
-            <a:ext cx="4201327" cy="1415689"/>
+            <a:off x="15554018" y="19241290"/>
+            <a:ext cx="5378770" cy="1648358"/>
           </a:xfrm>
           <a:prstGeom prst="roundRect">
             <a:avLst/>
@@ -8085,8 +8096,8 @@
         </p:nvSpPr>
         <p:spPr>
           <a:xfrm>
-            <a:off x="578978" y="17661665"/>
-            <a:ext cx="6992301" cy="338554"/>
+            <a:off x="314885" y="17613487"/>
+            <a:ext cx="9952841" cy="400110"/>
           </a:xfrm>
           <a:prstGeom prst="rect">
             <a:avLst/>
@@ -8099,19 +8110,13 @@
           </a:bodyPr>
           <a:lstStyle/>
           <a:p>
-            <a:pPr marL="285750" indent="-285750" algn="just">
-              <a:buFont typeface="Arial" panose="020B0604020202020204" pitchFamily="34" charset="0"/>
-              <a:buChar char="•"/>
-            </a:pPr>
-            <a:r>
-              <a:rPr lang="fr-FR" sz="1600" dirty="0">
+            <a:pPr algn="ctr"/>
+            <a:r>
+              <a:rPr lang="fr-FR" sz="2000" b="1" dirty="0">
                 <a:latin typeface="Gill Sans MT" panose="020B0502020104020203" pitchFamily="34" charset="0"/>
               </a:rPr>
               <a:t>Approche d’ELHORST, 2010 pour le choix d’un modèle d’économétrie spatiale</a:t>
             </a:r>
-            <a:endParaRPr lang="fr-FR" sz="1600" b="1" dirty="0">
-              <a:latin typeface="Gill Sans MT" panose="020B0502020104020203" pitchFamily="34" charset="0"/>
-            </a:endParaRPr>
           </a:p>
         </p:txBody>
       </p:sp>
@@ -8379,8 +8384,8 @@
         </p:nvSpPr>
         <p:spPr>
           <a:xfrm>
-            <a:off x="607713" y="22652589"/>
-            <a:ext cx="6992301" cy="338554"/>
+            <a:off x="1974572" y="22641741"/>
+            <a:ext cx="6992301" cy="400110"/>
           </a:xfrm>
           <a:prstGeom prst="rect">
             <a:avLst/>
@@ -8393,19 +8398,13 @@
           </a:bodyPr>
           <a:lstStyle/>
           <a:p>
-            <a:pPr marL="285750" indent="-285750" algn="just">
-              <a:buFont typeface="Arial" panose="020B0604020202020204" pitchFamily="34" charset="0"/>
-              <a:buChar char="•"/>
-            </a:pPr>
-            <a:r>
-              <a:rPr lang="fr-FR" sz="1600" dirty="0">
+            <a:pPr algn="ctr"/>
+            <a:r>
+              <a:rPr lang="fr-FR" sz="2000" b="1" dirty="0">
                 <a:latin typeface="Gill Sans MT" panose="020B0502020104020203" pitchFamily="34" charset="0"/>
               </a:rPr>
               <a:t>Outils utilisés</a:t>
             </a:r>
-            <a:endParaRPr lang="fr-FR" sz="1600" b="1" dirty="0">
-              <a:latin typeface="Gill Sans MT" panose="020B0502020104020203" pitchFamily="34" charset="0"/>
-            </a:endParaRPr>
           </a:p>
         </p:txBody>
       </p:sp>
@@ -8630,8 +8629,8 @@
         </p:nvSpPr>
         <p:spPr bwMode="auto">
           <a:xfrm>
-            <a:off x="877826" y="26967884"/>
-            <a:ext cx="19788991" cy="1938992"/>
+            <a:off x="707599" y="26787121"/>
+            <a:ext cx="19968413" cy="1938992"/>
           </a:xfrm>
           <a:prstGeom prst="rect">
             <a:avLst/>
@@ -8679,7 +8678,7 @@
           </a:bodyPr>
           <a:lstStyle/>
           <a:p>
-            <a:pPr marL="0" marR="0" lvl="0" indent="0" algn="just" defTabSz="914400" rtl="0" eaLnBrk="0" fontAlgn="base" latinLnBrk="0" hangingPunct="0">
+            <a:pPr marL="0" marR="0" lvl="0" indent="0" algn="ctr" defTabSz="914400" rtl="0" eaLnBrk="0" fontAlgn="base" latinLnBrk="0" hangingPunct="0">
               <a:lnSpc>
                 <a:spcPct val="100000"/>
               </a:lnSpc>

--- a/Présentation/MODELISATION-DU-NOMBRE-DE-VISITES.pptx
+++ b/Présentation/MODELISATION-DU-NOMBRE-DE-VISITES.pptx
@@ -197,7 +197,7 @@
           <a:p>
             <a:fld id="{685D38A0-6625-420E-984B-5040EA439569}" type="datetimeFigureOut">
               <a:rPr lang="fr-FR" smtClean="0"/>
-              <a:t>09/04/2025</a:t>
+              <a:t>10/04/2025</a:t>
             </a:fld>
             <a:endParaRPr lang="fr-FR"/>
           </a:p>
@@ -684,7 +684,7 @@
           <a:p>
             <a:fld id="{A9C50A28-6A05-4D1F-9987-845550122DAD}" type="datetimeFigureOut">
               <a:rPr lang="fr-FR" smtClean="0"/>
-              <a:t>09/04/2025</a:t>
+              <a:t>10/04/2025</a:t>
             </a:fld>
             <a:endParaRPr lang="fr-FR"/>
           </a:p>
@@ -854,7 +854,7 @@
           <a:p>
             <a:fld id="{A9C50A28-6A05-4D1F-9987-845550122DAD}" type="datetimeFigureOut">
               <a:rPr lang="fr-FR" smtClean="0"/>
-              <a:t>09/04/2025</a:t>
+              <a:t>10/04/2025</a:t>
             </a:fld>
             <a:endParaRPr lang="fr-FR"/>
           </a:p>
@@ -1034,7 +1034,7 @@
           <a:p>
             <a:fld id="{A9C50A28-6A05-4D1F-9987-845550122DAD}" type="datetimeFigureOut">
               <a:rPr lang="fr-FR" smtClean="0"/>
-              <a:t>09/04/2025</a:t>
+              <a:t>10/04/2025</a:t>
             </a:fld>
             <a:endParaRPr lang="fr-FR"/>
           </a:p>
@@ -1204,7 +1204,7 @@
           <a:p>
             <a:fld id="{A9C50A28-6A05-4D1F-9987-845550122DAD}" type="datetimeFigureOut">
               <a:rPr lang="fr-FR" smtClean="0"/>
-              <a:t>09/04/2025</a:t>
+              <a:t>10/04/2025</a:t>
             </a:fld>
             <a:endParaRPr lang="fr-FR"/>
           </a:p>
@@ -1448,7 +1448,7 @@
           <a:p>
             <a:fld id="{A9C50A28-6A05-4D1F-9987-845550122DAD}" type="datetimeFigureOut">
               <a:rPr lang="fr-FR" smtClean="0"/>
-              <a:t>09/04/2025</a:t>
+              <a:t>10/04/2025</a:t>
             </a:fld>
             <a:endParaRPr lang="fr-FR"/>
           </a:p>
@@ -1680,7 +1680,7 @@
           <a:p>
             <a:fld id="{A9C50A28-6A05-4D1F-9987-845550122DAD}" type="datetimeFigureOut">
               <a:rPr lang="fr-FR" smtClean="0"/>
-              <a:t>09/04/2025</a:t>
+              <a:t>10/04/2025</a:t>
             </a:fld>
             <a:endParaRPr lang="fr-FR"/>
           </a:p>
@@ -2047,7 +2047,7 @@
           <a:p>
             <a:fld id="{A9C50A28-6A05-4D1F-9987-845550122DAD}" type="datetimeFigureOut">
               <a:rPr lang="fr-FR" smtClean="0"/>
-              <a:t>09/04/2025</a:t>
+              <a:t>10/04/2025</a:t>
             </a:fld>
             <a:endParaRPr lang="fr-FR"/>
           </a:p>
@@ -2165,7 +2165,7 @@
           <a:p>
             <a:fld id="{A9C50A28-6A05-4D1F-9987-845550122DAD}" type="datetimeFigureOut">
               <a:rPr lang="fr-FR" smtClean="0"/>
-              <a:t>09/04/2025</a:t>
+              <a:t>10/04/2025</a:t>
             </a:fld>
             <a:endParaRPr lang="fr-FR"/>
           </a:p>
@@ -2260,7 +2260,7 @@
           <a:p>
             <a:fld id="{A9C50A28-6A05-4D1F-9987-845550122DAD}" type="datetimeFigureOut">
               <a:rPr lang="fr-FR" smtClean="0"/>
-              <a:t>09/04/2025</a:t>
+              <a:t>10/04/2025</a:t>
             </a:fld>
             <a:endParaRPr lang="fr-FR"/>
           </a:p>
@@ -2537,7 +2537,7 @@
           <a:p>
             <a:fld id="{A9C50A28-6A05-4D1F-9987-845550122DAD}" type="datetimeFigureOut">
               <a:rPr lang="fr-FR" smtClean="0"/>
-              <a:t>09/04/2025</a:t>
+              <a:t>10/04/2025</a:t>
             </a:fld>
             <a:endParaRPr lang="fr-FR"/>
           </a:p>
@@ -2794,7 +2794,7 @@
           <a:p>
             <a:fld id="{A9C50A28-6A05-4D1F-9987-845550122DAD}" type="datetimeFigureOut">
               <a:rPr lang="fr-FR" smtClean="0"/>
-              <a:t>09/04/2025</a:t>
+              <a:t>10/04/2025</a:t>
             </a:fld>
             <a:endParaRPr lang="fr-FR"/>
           </a:p>
@@ -3013,7 +3013,7 @@
           <a:p>
             <a:fld id="{A9C50A28-6A05-4D1F-9987-845550122DAD}" type="datetimeFigureOut">
               <a:rPr lang="fr-FR" smtClean="0"/>
-              <a:t>09/04/2025</a:t>
+              <a:t>10/04/2025</a:t>
             </a:fld>
             <a:endParaRPr lang="fr-FR"/>
           </a:p>
@@ -3846,7 +3846,7 @@
             </a:r>
           </a:p>
           <a:p>
-            <a:pPr marL="285750" indent="-285750" algn="ctr">
+            <a:pPr marL="285750" indent="-285750" algn="just">
               <a:buFont typeface="Arial" panose="020B0604020202020204" pitchFamily="34" charset="0"/>
               <a:buChar char="•"/>
             </a:pPr>
@@ -3861,7 +3861,7 @@
             </a:r>
           </a:p>
           <a:p>
-            <a:pPr marL="285750" indent="-285750" algn="ctr">
+            <a:pPr marL="285750" indent="-285750" algn="just">
               <a:buFont typeface="Arial" panose="020B0604020202020204" pitchFamily="34" charset="0"/>
               <a:buChar char="•"/>
             </a:pPr>
@@ -3876,7 +3876,7 @@
             </a:r>
           </a:p>
           <a:p>
-            <a:pPr marL="285750" indent="-285750" algn="ctr">
+            <a:pPr marL="285750" indent="-285750" algn="just">
               <a:buFont typeface="Arial" panose="020B0604020202020204" pitchFamily="34" charset="0"/>
               <a:buChar char="•"/>
             </a:pPr>
@@ -4121,19 +4121,7 @@
               <a:rPr lang="fr-FR" sz="2000" dirty="0">
                 <a:latin typeface="Gill Sans MT" panose="020B0502020104020203" pitchFamily="34" charset="0"/>
               </a:rPr>
-              <a:t> :  Ali Nour </a:t>
-            </a:r>
-            <a:r>
-              <a:rPr lang="fr-FR" sz="2000" dirty="0" err="1">
-                <a:latin typeface="Gill Sans MT" panose="020B0502020104020203" pitchFamily="34" charset="0"/>
-              </a:rPr>
-              <a:t>Guedemi</a:t>
-            </a:r>
-            <a:r>
-              <a:rPr lang="fr-FR" sz="2000" dirty="0">
-                <a:latin typeface="Gill Sans MT" panose="020B0502020104020203" pitchFamily="34" charset="0"/>
-              </a:rPr>
-              <a:t> ABDELWAHID,  Toussaint BOCO, Komi </a:t>
+              <a:t> :  Ali Nour Guedemi ABDELWAHID,  Toussaint BOCO, Komi </a:t>
             </a:r>
             <a:r>
               <a:rPr lang="fr-FR" sz="2000" dirty="0" err="1">
@@ -4157,7 +4145,7 @@
               <a:rPr lang="fr-FR" sz="2000" dirty="0">
                 <a:latin typeface="Gill Sans MT" panose="020B0502020104020203" pitchFamily="34" charset="0"/>
               </a:rPr>
-              <a:t> Alex LABOU,</a:t>
+              <a:t> Alex LABOU</a:t>
             </a:r>
           </a:p>
           <a:p>
@@ -4299,7 +4287,7 @@
             </a:r>
           </a:p>
           <a:p>
-            <a:pPr algn="ctr"/>
+            <a:pPr algn="just"/>
             <a:r>
               <a:rPr lang="fr-FR" sz="2400" dirty="0">
                 <a:solidFill>
@@ -4377,7 +4365,7 @@
         <p:spPr>
           <a:xfrm>
             <a:off x="11171505" y="18607300"/>
-            <a:ext cx="4314337" cy="2483071"/>
+            <a:ext cx="4574017" cy="2483071"/>
           </a:xfrm>
           <a:prstGeom prst="rect">
             <a:avLst/>
@@ -4451,7 +4439,7 @@
             </a:r>
           </a:p>
           <a:p>
-            <a:pPr algn="ctr"/>
+            <a:pPr algn="just"/>
             <a:r>
               <a:rPr lang="fr-FR" sz="2400" dirty="0">
                 <a:solidFill>
@@ -4701,7 +4689,7 @@
         </p:blipFill>
         <p:spPr>
           <a:xfrm>
-            <a:off x="11840012" y="9246024"/>
+            <a:off x="11974762" y="9118224"/>
             <a:ext cx="2977324" cy="1969115"/>
           </a:xfrm>
           <a:prstGeom prst="rect">
@@ -4740,7 +4728,7 @@
         </p:blipFill>
         <p:spPr>
           <a:xfrm>
-            <a:off x="17086358" y="9107487"/>
+            <a:off x="17086358" y="9082087"/>
             <a:ext cx="2844277" cy="1969115"/>
           </a:xfrm>
           <a:prstGeom prst="rect">
@@ -5149,7 +5137,7 @@
         </p:nvSpPr>
         <p:spPr>
           <a:xfrm>
-            <a:off x="6381944" y="25873396"/>
+            <a:off x="7055044" y="25873396"/>
             <a:ext cx="7432182" cy="535722"/>
           </a:xfrm>
           <a:prstGeom prst="roundRect">
@@ -5319,7 +5307,7 @@
           </a:bodyPr>
           <a:lstStyle/>
           <a:p>
-            <a:pPr algn="ctr"/>
+            <a:pPr algn="just"/>
             <a:r>
               <a:rPr lang="fr-FR" dirty="0">
                 <a:latin typeface="Gill Sans MT" panose="020B0502020104020203" pitchFamily="34" charset="0"/>
@@ -5357,7 +5345,7 @@
           </a:bodyPr>
           <a:lstStyle/>
           <a:p>
-            <a:pPr algn="ctr"/>
+            <a:pPr algn="just"/>
             <a:r>
               <a:rPr lang="fr-FR" dirty="0">
                 <a:latin typeface="Gill Sans MT" panose="020B0502020104020203" pitchFamily="34" charset="0"/>
@@ -5381,7 +5369,7 @@
         </p:nvSpPr>
         <p:spPr>
           <a:xfrm>
-            <a:off x="11431215" y="11135902"/>
+            <a:off x="11421590" y="10967327"/>
             <a:ext cx="4150553" cy="1754326"/>
           </a:xfrm>
           <a:prstGeom prst="rect">
@@ -5395,7 +5383,7 @@
           </a:bodyPr>
           <a:lstStyle/>
           <a:p>
-            <a:pPr algn="ctr"/>
+            <a:pPr algn="just"/>
             <a:r>
               <a:rPr lang="fr-FR" dirty="0">
                 <a:latin typeface="Gill Sans MT" panose="020B0502020104020203" pitchFamily="34" charset="0"/>
@@ -5419,7 +5407,7 @@
         </p:nvSpPr>
         <p:spPr>
           <a:xfrm>
-            <a:off x="16636421" y="11081964"/>
+            <a:off x="16636421" y="11043864"/>
             <a:ext cx="3856711" cy="1754326"/>
           </a:xfrm>
           <a:prstGeom prst="rect">
@@ -5433,7 +5421,7 @@
           </a:bodyPr>
           <a:lstStyle/>
           <a:p>
-            <a:pPr algn="ctr">
+            <a:pPr algn="just">
               <a:buNone/>
             </a:pPr>
             <a:r>
@@ -5964,552 +5952,6 @@
           </p:sp>
         </mc:Fallback>
       </mc:AlternateContent>
-      <mc:AlternateContent xmlns:mc="http://schemas.openxmlformats.org/markup-compatibility/2006" xmlns:a14="http://schemas.microsoft.com/office/drawing/2010/main">
-        <mc:Choice Requires="a14">
-          <p:sp>
-            <p:nvSpPr>
-              <p:cNvPr id="15" name="ZoneTexte 14">
-                <a:extLst>
-                  <a:ext uri="{FF2B5EF4-FFF2-40B4-BE49-F238E27FC236}">
-                    <a16:creationId xmlns:a16="http://schemas.microsoft.com/office/drawing/2014/main" id="{C3B1FC5B-052E-6DDE-9DB3-DC96022BC6A3}"/>
-                  </a:ext>
-                </a:extLst>
-              </p:cNvPr>
-              <p:cNvSpPr txBox="1"/>
-              <p:nvPr/>
-            </p:nvSpPr>
-            <p:spPr>
-              <a:xfrm>
-                <a:off x="6202024" y="14869169"/>
-                <a:ext cx="4053566" cy="838435"/>
-              </a:xfrm>
-              <a:prstGeom prst="rect">
-                <a:avLst/>
-              </a:prstGeom>
-              <a:noFill/>
-              <a:ln w="28575">
-                <a:solidFill>
-                  <a:srgbClr val="002060"/>
-                </a:solidFill>
-              </a:ln>
-            </p:spPr>
-            <p:txBody>
-              <a:bodyPr wrap="square" rtlCol="0">
-                <a:spAutoFit/>
-              </a:bodyPr>
-              <a:lstStyle/>
-              <a:p>
-                <a:pPr algn="ctr"/>
-                <a:r>
-                  <a:rPr lang="fr-FR" sz="1400" b="1" dirty="0">
-                    <a:latin typeface="Gill Sans MT" panose="020B0502020104020203" pitchFamily="34" charset="0"/>
-                  </a:rPr>
-                  <a:t>Indice de Moran</a:t>
-                </a:r>
-              </a:p>
-              <a:p>
-                <a:pPr algn="ctr"/>
-                <a14:m>
-                  <m:oMathPara xmlns:m="http://schemas.openxmlformats.org/officeDocument/2006/math">
-                    <m:oMathParaPr>
-                      <m:jc m:val="centerGroup"/>
-                    </m:oMathParaPr>
-                    <m:oMath xmlns:m="http://schemas.openxmlformats.org/officeDocument/2006/math">
-                      <m:r>
-                        <a:rPr lang="fr-FR" sz="1400" b="0" i="1" smtClean="0">
-                          <a:latin typeface="Cambria Math" panose="02040503050406030204" pitchFamily="18" charset="0"/>
-                        </a:rPr>
-                        <m:t>𝐼</m:t>
-                      </m:r>
-                      <m:r>
-                        <a:rPr lang="fr-FR" sz="1400" b="0" i="1" smtClean="0">
-                          <a:latin typeface="Cambria Math" panose="02040503050406030204" pitchFamily="18" charset="0"/>
-                        </a:rPr>
-                        <m:t>=</m:t>
-                      </m:r>
-                      <m:f>
-                        <m:fPr>
-                          <m:ctrlPr>
-                            <a:rPr lang="fr-FR" sz="1400" b="0" i="1" smtClean="0">
-                              <a:latin typeface="Cambria Math" panose="02040503050406030204" pitchFamily="18" charset="0"/>
-                            </a:rPr>
-                          </m:ctrlPr>
-                        </m:fPr>
-                        <m:num>
-                          <m:r>
-                            <a:rPr lang="fr-FR" sz="1400" b="0" i="1" smtClean="0">
-                              <a:latin typeface="Cambria Math" panose="02040503050406030204" pitchFamily="18" charset="0"/>
-                            </a:rPr>
-                            <m:t>𝑁</m:t>
-                          </m:r>
-                        </m:num>
-                        <m:den>
-                          <m:nary>
-                            <m:naryPr>
-                              <m:chr m:val="∑"/>
-                              <m:limLoc m:val="subSup"/>
-                              <m:supHide m:val="on"/>
-                              <m:ctrlPr>
-                                <a:rPr lang="fr-FR" sz="1400" b="0" i="1" smtClean="0">
-                                  <a:latin typeface="Cambria Math" panose="02040503050406030204" pitchFamily="18" charset="0"/>
-                                </a:rPr>
-                              </m:ctrlPr>
-                            </m:naryPr>
-                            <m:sub>
-                              <m:r>
-                                <m:rPr>
-                                  <m:brk m:alnAt="9"/>
-                                </m:rPr>
-                                <a:rPr lang="fr-FR" sz="1400" b="0" i="1" smtClean="0">
-                                  <a:latin typeface="Cambria Math" panose="02040503050406030204" pitchFamily="18" charset="0"/>
-                                </a:rPr>
-                                <m:t>𝑖</m:t>
-                              </m:r>
-                            </m:sub>
-                            <m:sup/>
-                            <m:e>
-                              <m:nary>
-                                <m:naryPr>
-                                  <m:chr m:val="∑"/>
-                                  <m:limLoc m:val="subSup"/>
-                                  <m:supHide m:val="on"/>
-                                  <m:ctrlPr>
-                                    <a:rPr lang="fr-FR" sz="1400" b="0" i="1" smtClean="0">
-                                      <a:latin typeface="Cambria Math" panose="02040503050406030204" pitchFamily="18" charset="0"/>
-                                    </a:rPr>
-                                  </m:ctrlPr>
-                                </m:naryPr>
-                                <m:sub>
-                                  <m:r>
-                                    <m:rPr>
-                                      <m:brk m:alnAt="9"/>
-                                    </m:rPr>
-                                    <a:rPr lang="fr-FR" sz="1400" b="0" i="1" smtClean="0">
-                                      <a:latin typeface="Cambria Math" panose="02040503050406030204" pitchFamily="18" charset="0"/>
-                                    </a:rPr>
-                                    <m:t>𝑗</m:t>
-                                  </m:r>
-                                </m:sub>
-                                <m:sup/>
-                                <m:e>
-                                  <m:sSub>
-                                    <m:sSubPr>
-                                      <m:ctrlPr>
-                                        <a:rPr lang="fr-FR" sz="1400" b="0" i="1" smtClean="0">
-                                          <a:latin typeface="Cambria Math" panose="02040503050406030204" pitchFamily="18" charset="0"/>
-                                        </a:rPr>
-                                      </m:ctrlPr>
-                                    </m:sSubPr>
-                                    <m:e>
-                                      <m:r>
-                                        <a:rPr lang="fr-FR" sz="1400" b="0" i="1" smtClean="0">
-                                          <a:latin typeface="Cambria Math" panose="02040503050406030204" pitchFamily="18" charset="0"/>
-                                        </a:rPr>
-                                        <m:t>𝑊</m:t>
-                                      </m:r>
-                                    </m:e>
-                                    <m:sub>
-                                      <m:r>
-                                        <a:rPr lang="fr-FR" sz="1400" b="0" i="1" smtClean="0">
-                                          <a:latin typeface="Cambria Math" panose="02040503050406030204" pitchFamily="18" charset="0"/>
-                                        </a:rPr>
-                                        <m:t>𝑖𝑗</m:t>
-                                      </m:r>
-                                    </m:sub>
-                                  </m:sSub>
-                                </m:e>
-                              </m:nary>
-                            </m:e>
-                          </m:nary>
-                        </m:den>
-                      </m:f>
-                      <m:r>
-                        <a:rPr lang="fr-FR" sz="1400" b="0" i="1" smtClean="0">
-                          <a:latin typeface="Cambria Math" panose="02040503050406030204" pitchFamily="18" charset="0"/>
-                          <a:ea typeface="Cambria Math" panose="02040503050406030204" pitchFamily="18" charset="0"/>
-                        </a:rPr>
-                        <m:t>∙</m:t>
-                      </m:r>
-                      <m:f>
-                        <m:fPr>
-                          <m:ctrlPr>
-                            <a:rPr lang="fr-FR" sz="1400" b="0" i="1" smtClean="0">
-                              <a:latin typeface="Cambria Math" panose="02040503050406030204" pitchFamily="18" charset="0"/>
-                              <a:ea typeface="Cambria Math" panose="02040503050406030204" pitchFamily="18" charset="0"/>
-                            </a:rPr>
-                          </m:ctrlPr>
-                        </m:fPr>
-                        <m:num>
-                          <m:nary>
-                            <m:naryPr>
-                              <m:chr m:val="∑"/>
-                              <m:limLoc m:val="subSup"/>
-                              <m:supHide m:val="on"/>
-                              <m:ctrlPr>
-                                <a:rPr lang="fr-FR" sz="1400" i="1">
-                                  <a:latin typeface="Cambria Math" panose="02040503050406030204" pitchFamily="18" charset="0"/>
-                                </a:rPr>
-                              </m:ctrlPr>
-                            </m:naryPr>
-                            <m:sub>
-                              <m:r>
-                                <m:rPr>
-                                  <m:brk m:alnAt="9"/>
-                                </m:rPr>
-                                <a:rPr lang="fr-FR" sz="1400" i="1">
-                                  <a:latin typeface="Cambria Math" panose="02040503050406030204" pitchFamily="18" charset="0"/>
-                                </a:rPr>
-                                <m:t>𝑖</m:t>
-                              </m:r>
-                            </m:sub>
-                            <m:sup/>
-                            <m:e>
-                              <m:nary>
-                                <m:naryPr>
-                                  <m:chr m:val="∑"/>
-                                  <m:limLoc m:val="subSup"/>
-                                  <m:supHide m:val="on"/>
-                                  <m:ctrlPr>
-                                    <a:rPr lang="fr-FR" sz="1400" i="1">
-                                      <a:latin typeface="Cambria Math" panose="02040503050406030204" pitchFamily="18" charset="0"/>
-                                    </a:rPr>
-                                  </m:ctrlPr>
-                                </m:naryPr>
-                                <m:sub>
-                                  <m:r>
-                                    <m:rPr>
-                                      <m:brk m:alnAt="9"/>
-                                    </m:rPr>
-                                    <a:rPr lang="fr-FR" sz="1400" i="1">
-                                      <a:latin typeface="Cambria Math" panose="02040503050406030204" pitchFamily="18" charset="0"/>
-                                    </a:rPr>
-                                    <m:t>𝑗</m:t>
-                                  </m:r>
-                                </m:sub>
-                                <m:sup/>
-                                <m:e>
-                                  <m:sSub>
-                                    <m:sSubPr>
-                                      <m:ctrlPr>
-                                        <a:rPr lang="fr-FR" sz="1400" i="1">
-                                          <a:latin typeface="Cambria Math" panose="02040503050406030204" pitchFamily="18" charset="0"/>
-                                        </a:rPr>
-                                      </m:ctrlPr>
-                                    </m:sSubPr>
-                                    <m:e>
-                                      <m:r>
-                                        <a:rPr lang="fr-FR" sz="1400" i="1">
-                                          <a:latin typeface="Cambria Math" panose="02040503050406030204" pitchFamily="18" charset="0"/>
-                                        </a:rPr>
-                                        <m:t>𝑊</m:t>
-                                      </m:r>
-                                    </m:e>
-                                    <m:sub>
-                                      <m:r>
-                                        <a:rPr lang="fr-FR" sz="1400" i="1">
-                                          <a:latin typeface="Cambria Math" panose="02040503050406030204" pitchFamily="18" charset="0"/>
-                                        </a:rPr>
-                                        <m:t>𝑖𝑗</m:t>
-                                      </m:r>
-                                    </m:sub>
-                                  </m:sSub>
-                                </m:e>
-                              </m:nary>
-                            </m:e>
-                          </m:nary>
-                          <m:d>
-                            <m:dPr>
-                              <m:ctrlPr>
-                                <a:rPr lang="fr-FR" sz="1400" i="1" smtClean="0">
-                                  <a:latin typeface="Cambria Math" panose="02040503050406030204" pitchFamily="18" charset="0"/>
-                                </a:rPr>
-                              </m:ctrlPr>
-                            </m:dPr>
-                            <m:e>
-                              <m:sSub>
-                                <m:sSubPr>
-                                  <m:ctrlPr>
-                                    <a:rPr lang="fr-FR" sz="1400" i="1" smtClean="0">
-                                      <a:latin typeface="Cambria Math" panose="02040503050406030204" pitchFamily="18" charset="0"/>
-                                    </a:rPr>
-                                  </m:ctrlPr>
-                                </m:sSubPr>
-                                <m:e>
-                                  <m:r>
-                                    <a:rPr lang="fr-FR" sz="1400" b="0" i="1" smtClean="0">
-                                      <a:latin typeface="Cambria Math" panose="02040503050406030204" pitchFamily="18" charset="0"/>
-                                    </a:rPr>
-                                    <m:t>𝑦</m:t>
-                                  </m:r>
-                                </m:e>
-                                <m:sub>
-                                  <m:r>
-                                    <a:rPr lang="fr-FR" sz="1400" b="0" i="1" smtClean="0">
-                                      <a:latin typeface="Cambria Math" panose="02040503050406030204" pitchFamily="18" charset="0"/>
-                                    </a:rPr>
-                                    <m:t>𝑖</m:t>
-                                  </m:r>
-                                </m:sub>
-                              </m:sSub>
-                              <m:r>
-                                <a:rPr lang="fr-FR" sz="1400" b="0" i="1" smtClean="0">
-                                  <a:latin typeface="Cambria Math" panose="02040503050406030204" pitchFamily="18" charset="0"/>
-                                </a:rPr>
-                                <m:t>−</m:t>
-                              </m:r>
-                              <m:acc>
-                                <m:accPr>
-                                  <m:chr m:val="̅"/>
-                                  <m:ctrlPr>
-                                    <a:rPr lang="fr-FR" sz="1400" b="0" i="1" smtClean="0">
-                                      <a:latin typeface="Cambria Math" panose="02040503050406030204" pitchFamily="18" charset="0"/>
-                                    </a:rPr>
-                                  </m:ctrlPr>
-                                </m:accPr>
-                                <m:e>
-                                  <m:r>
-                                    <a:rPr lang="fr-FR" sz="1400" b="0" i="1" smtClean="0">
-                                      <a:latin typeface="Cambria Math" panose="02040503050406030204" pitchFamily="18" charset="0"/>
-                                    </a:rPr>
-                                    <m:t>𝑦</m:t>
-                                  </m:r>
-                                </m:e>
-                              </m:acc>
-                            </m:e>
-                          </m:d>
-                          <m:d>
-                            <m:dPr>
-                              <m:ctrlPr>
-                                <a:rPr lang="fr-FR" sz="1400" i="1">
-                                  <a:latin typeface="Cambria Math" panose="02040503050406030204" pitchFamily="18" charset="0"/>
-                                </a:rPr>
-                              </m:ctrlPr>
-                            </m:dPr>
-                            <m:e>
-                              <m:sSub>
-                                <m:sSubPr>
-                                  <m:ctrlPr>
-                                    <a:rPr lang="fr-FR" sz="1400" i="1">
-                                      <a:latin typeface="Cambria Math" panose="02040503050406030204" pitchFamily="18" charset="0"/>
-                                    </a:rPr>
-                                  </m:ctrlPr>
-                                </m:sSubPr>
-                                <m:e>
-                                  <m:r>
-                                    <a:rPr lang="fr-FR" sz="1400" i="1">
-                                      <a:latin typeface="Cambria Math" panose="02040503050406030204" pitchFamily="18" charset="0"/>
-                                    </a:rPr>
-                                    <m:t>𝑦</m:t>
-                                  </m:r>
-                                </m:e>
-                                <m:sub>
-                                  <m:r>
-                                    <a:rPr lang="fr-FR" sz="1400" b="0" i="1" smtClean="0">
-                                      <a:latin typeface="Cambria Math" panose="02040503050406030204" pitchFamily="18" charset="0"/>
-                                    </a:rPr>
-                                    <m:t>𝑗</m:t>
-                                  </m:r>
-                                </m:sub>
-                              </m:sSub>
-                              <m:r>
-                                <a:rPr lang="fr-FR" sz="1400" i="1">
-                                  <a:latin typeface="Cambria Math" panose="02040503050406030204" pitchFamily="18" charset="0"/>
-                                </a:rPr>
-                                <m:t>−</m:t>
-                              </m:r>
-                              <m:acc>
-                                <m:accPr>
-                                  <m:chr m:val="̅"/>
-                                  <m:ctrlPr>
-                                    <a:rPr lang="fr-FR" sz="1400" i="1">
-                                      <a:latin typeface="Cambria Math" panose="02040503050406030204" pitchFamily="18" charset="0"/>
-                                    </a:rPr>
-                                  </m:ctrlPr>
-                                </m:accPr>
-                                <m:e>
-                                  <m:r>
-                                    <a:rPr lang="fr-FR" sz="1400" i="1">
-                                      <a:latin typeface="Cambria Math" panose="02040503050406030204" pitchFamily="18" charset="0"/>
-                                    </a:rPr>
-                                    <m:t>𝑦</m:t>
-                                  </m:r>
-                                </m:e>
-                              </m:acc>
-                            </m:e>
-                          </m:d>
-                        </m:num>
-                        <m:den>
-                          <m:nary>
-                            <m:naryPr>
-                              <m:chr m:val="∑"/>
-                              <m:limLoc m:val="subSup"/>
-                              <m:supHide m:val="on"/>
-                              <m:ctrlPr>
-                                <a:rPr lang="fr-FR" sz="1400" b="0" i="1" smtClean="0">
-                                  <a:latin typeface="Cambria Math" panose="02040503050406030204" pitchFamily="18" charset="0"/>
-                                  <a:ea typeface="Cambria Math" panose="02040503050406030204" pitchFamily="18" charset="0"/>
-                                </a:rPr>
-                              </m:ctrlPr>
-                            </m:naryPr>
-                            <m:sub>
-                              <m:r>
-                                <m:rPr>
-                                  <m:brk m:alnAt="9"/>
-                                </m:rPr>
-                                <a:rPr lang="fr-FR" sz="1400" b="0" i="1" smtClean="0">
-                                  <a:latin typeface="Cambria Math" panose="02040503050406030204" pitchFamily="18" charset="0"/>
-                                  <a:ea typeface="Cambria Math" panose="02040503050406030204" pitchFamily="18" charset="0"/>
-                                </a:rPr>
-                                <m:t>𝑖</m:t>
-                              </m:r>
-                            </m:sub>
-                            <m:sup/>
-                            <m:e>
-                              <m:sSup>
-                                <m:sSupPr>
-                                  <m:ctrlPr>
-                                    <a:rPr lang="fr-FR" sz="1400" b="0" i="1" smtClean="0">
-                                      <a:latin typeface="Cambria Math" panose="02040503050406030204" pitchFamily="18" charset="0"/>
-                                      <a:ea typeface="Cambria Math" panose="02040503050406030204" pitchFamily="18" charset="0"/>
-                                    </a:rPr>
-                                  </m:ctrlPr>
-                                </m:sSupPr>
-                                <m:e>
-                                  <m:d>
-                                    <m:dPr>
-                                      <m:ctrlPr>
-                                        <a:rPr lang="fr-FR" sz="1400" i="1">
-                                          <a:latin typeface="Cambria Math" panose="02040503050406030204" pitchFamily="18" charset="0"/>
-                                        </a:rPr>
-                                      </m:ctrlPr>
-                                    </m:dPr>
-                                    <m:e>
-                                      <m:sSub>
-                                        <m:sSubPr>
-                                          <m:ctrlPr>
-                                            <a:rPr lang="fr-FR" sz="1400" i="1">
-                                              <a:latin typeface="Cambria Math" panose="02040503050406030204" pitchFamily="18" charset="0"/>
-                                            </a:rPr>
-                                          </m:ctrlPr>
-                                        </m:sSubPr>
-                                        <m:e>
-                                          <m:r>
-                                            <a:rPr lang="fr-FR" sz="1400" i="1">
-                                              <a:latin typeface="Cambria Math" panose="02040503050406030204" pitchFamily="18" charset="0"/>
-                                            </a:rPr>
-                                            <m:t>𝑦</m:t>
-                                          </m:r>
-                                        </m:e>
-                                        <m:sub>
-                                          <m:r>
-                                            <a:rPr lang="fr-FR" sz="1400" i="1">
-                                              <a:latin typeface="Cambria Math" panose="02040503050406030204" pitchFamily="18" charset="0"/>
-                                            </a:rPr>
-                                            <m:t>𝑖</m:t>
-                                          </m:r>
-                                        </m:sub>
-                                      </m:sSub>
-                                      <m:r>
-                                        <a:rPr lang="fr-FR" sz="1400" i="1">
-                                          <a:latin typeface="Cambria Math" panose="02040503050406030204" pitchFamily="18" charset="0"/>
-                                        </a:rPr>
-                                        <m:t>−</m:t>
-                                      </m:r>
-                                      <m:acc>
-                                        <m:accPr>
-                                          <m:chr m:val="̅"/>
-                                          <m:ctrlPr>
-                                            <a:rPr lang="fr-FR" sz="1400" i="1">
-                                              <a:latin typeface="Cambria Math" panose="02040503050406030204" pitchFamily="18" charset="0"/>
-                                            </a:rPr>
-                                          </m:ctrlPr>
-                                        </m:accPr>
-                                        <m:e>
-                                          <m:r>
-                                            <a:rPr lang="fr-FR" sz="1400" i="1">
-                                              <a:latin typeface="Cambria Math" panose="02040503050406030204" pitchFamily="18" charset="0"/>
-                                            </a:rPr>
-                                            <m:t>𝑦</m:t>
-                                          </m:r>
-                                        </m:e>
-                                      </m:acc>
-                                    </m:e>
-                                  </m:d>
-                                </m:e>
-                                <m:sup>
-                                  <m:r>
-                                    <a:rPr lang="fr-FR" sz="1400" b="0" i="1" smtClean="0">
-                                      <a:latin typeface="Cambria Math" panose="02040503050406030204" pitchFamily="18" charset="0"/>
-                                      <a:ea typeface="Cambria Math" panose="02040503050406030204" pitchFamily="18" charset="0"/>
-                                    </a:rPr>
-                                    <m:t>2</m:t>
-                                  </m:r>
-                                </m:sup>
-                              </m:sSup>
-                            </m:e>
-                          </m:nary>
-                        </m:den>
-                      </m:f>
-                    </m:oMath>
-                  </m:oMathPara>
-                </a14:m>
-                <a:endParaRPr lang="fr-FR" sz="1400" dirty="0">
-                  <a:latin typeface="Gill Sans MT" panose="020B0502020104020203" pitchFamily="34" charset="0"/>
-                </a:endParaRPr>
-              </a:p>
-            </p:txBody>
-          </p:sp>
-        </mc:Choice>
-        <mc:Fallback xmlns="">
-          <p:sp>
-            <p:nvSpPr>
-              <p:cNvPr id="15" name="ZoneTexte 14">
-                <a:extLst>
-                  <a:ext uri="{FF2B5EF4-FFF2-40B4-BE49-F238E27FC236}">
-                    <a16:creationId xmlns:a16="http://schemas.microsoft.com/office/drawing/2014/main" id="{C3B1FC5B-052E-6DDE-9DB3-DC96022BC6A3}"/>
-                  </a:ext>
-                </a:extLst>
-              </p:cNvPr>
-              <p:cNvSpPr txBox="1">
-                <a:spLocks noRot="1" noChangeAspect="1" noMove="1" noResize="1" noEditPoints="1" noAdjustHandles="1" noChangeArrowheads="1" noChangeShapeType="1" noTextEdit="1"/>
-              </p:cNvSpPr>
-              <p:nvPr/>
-            </p:nvSpPr>
-            <p:spPr>
-              <a:xfrm>
-                <a:off x="6202024" y="14869169"/>
-                <a:ext cx="4053566" cy="838435"/>
-              </a:xfrm>
-              <a:prstGeom prst="rect">
-                <a:avLst/>
-              </a:prstGeom>
-              <a:blipFill>
-                <a:blip r:embed="rId14"/>
-                <a:stretch>
-                  <a:fillRect/>
-                </a:stretch>
-              </a:blipFill>
-              <a:ln w="28575">
-                <a:solidFill>
-                  <a:srgbClr val="002060"/>
-                </a:solidFill>
-              </a:ln>
-            </p:spPr>
-            <p:txBody>
-              <a:bodyPr/>
-              <a:lstStyle/>
-              <a:p>
-                <a:r>
-                  <a:rPr lang="fr-FR">
-                    <a:noFill/>
-                  </a:rPr>
-                  <a:t> </a:t>
-                </a:r>
-              </a:p>
-            </p:txBody>
-          </p:sp>
-        </mc:Fallback>
-      </mc:AlternateContent>
       <p:sp>
         <p:nvSpPr>
           <p:cNvPr id="16" name="ZoneTexte 15">
@@ -6538,7 +5980,7 @@
           </a:bodyPr>
           <a:lstStyle/>
           <a:p>
-            <a:pPr algn="ctr">
+            <a:pPr algn="just">
               <a:lnSpc>
                 <a:spcPct val="150000"/>
               </a:lnSpc>
@@ -6564,8 +6006,8 @@
           </a:p>
         </p:txBody>
       </p:sp>
-      <mc:AlternateContent xmlns:mc="http://schemas.openxmlformats.org/markup-compatibility/2006">
-        <mc:Choice xmlns:a14="http://schemas.microsoft.com/office/drawing/2010/main" Requires="a14">
+      <mc:AlternateContent xmlns:mc="http://schemas.openxmlformats.org/markup-compatibility/2006" xmlns:a14="http://schemas.microsoft.com/office/drawing/2010/main">
+        <mc:Choice Requires="a14">
           <p:sp>
             <p:nvSpPr>
               <p:cNvPr id="19" name="ZoneTexte 18">
@@ -6645,7 +6087,7 @@
             </p:txBody>
           </p:sp>
         </mc:Choice>
-        <mc:Fallback>
+        <mc:Fallback xmlns="">
           <p:sp>
             <p:nvSpPr>
               <p:cNvPr id="19" name="ZoneTexte 18">
@@ -6808,24 +6250,13 @@
           </a:bodyPr>
           <a:lstStyle/>
           <a:p>
-            <a:pPr algn="ctr"/>
-            <a:r>
-              <a:rPr lang="fr-FR" sz="2000" b="0" i="0" dirty="0">
-                <a:solidFill>
-                  <a:srgbClr val="242424"/>
-                </a:solidFill>
-                <a:effectLst/>
-                <a:latin typeface="Segoe UI" panose="020B0502040204020203" pitchFamily="34" charset="0"/>
+            <a:pPr algn="just"/>
+            <a:r>
+              <a:rPr lang="fr-FR" sz="2000" dirty="0">
+                <a:latin typeface="Gill Sans MT" panose="020B0502020104020203" pitchFamily="34" charset="0"/>
               </a:rPr>
-              <a:t>Les taux de consultations observés et prédits présentent </a:t>
-            </a:r>
-            <a:r>
-              <a:rPr lang="fr-FR" sz="2000" dirty="0"/>
-              <a:t>structure spatiale globalement similaire. Certaines zones, notamment au sud-est et au nord-ouest, mettent toutefois en évidence des divergences marquées entre les valeurs observées et prédites.</a:t>
-            </a:r>
-            <a:endParaRPr lang="fr-FR" sz="2000" dirty="0">
-              <a:latin typeface="Gill Sans MT" panose="020B0502020104020203" pitchFamily="34" charset="0"/>
-            </a:endParaRPr>
+              <a:t>Les taux de consultations observés et prédits présentent une structure spatiale globalement similaire. Certaines zones, notamment au sud-est et au nord-ouest, mettent toutefois en évidence des divergences marquées entre les valeurs observées et prédites.</a:t>
+            </a:r>
           </a:p>
         </p:txBody>
       </p:sp>
@@ -6843,8 +6274,8 @@
         </p:nvSpPr>
         <p:spPr>
           <a:xfrm>
-            <a:off x="11285668" y="18267488"/>
-            <a:ext cx="4834865" cy="339812"/>
+            <a:off x="11122043" y="18267488"/>
+            <a:ext cx="4832428" cy="336919"/>
           </a:xfrm>
           <a:prstGeom prst="rect">
             <a:avLst/>
@@ -6870,8 +6301,8 @@
           </a:p>
         </p:txBody>
       </p:sp>
-      <mc:AlternateContent xmlns:mc="http://schemas.openxmlformats.org/markup-compatibility/2006">
-        <mc:Choice xmlns:a14="http://schemas.microsoft.com/office/drawing/2010/main" Requires="a14">
+      <mc:AlternateContent xmlns:mc="http://schemas.openxmlformats.org/markup-compatibility/2006" xmlns:a14="http://schemas.microsoft.com/office/drawing/2010/main">
+        <mc:Choice Requires="a14">
           <p:sp>
             <p:nvSpPr>
               <p:cNvPr id="28" name="ZoneTexte 27">
@@ -6988,7 +6419,7 @@
             </p:txBody>
           </p:sp>
         </mc:Choice>
-        <mc:Fallback>
+        <mc:Fallback xmlns="">
           <p:sp>
             <p:nvSpPr>
               <p:cNvPr id="28" name="ZoneTexte 27">
@@ -7527,8 +6958,8 @@
         </p:nvSpPr>
         <p:spPr>
           <a:xfrm>
-            <a:off x="11670670" y="15612194"/>
-            <a:ext cx="4066838" cy="338554"/>
+            <a:off x="14413023" y="15574156"/>
+            <a:ext cx="4066838" cy="400110"/>
           </a:xfrm>
           <a:prstGeom prst="rect">
             <a:avLst/>
@@ -7546,12 +6977,12 @@
               <a:buChar char="•"/>
             </a:pPr>
             <a:r>
-              <a:rPr lang="fr-FR" sz="1600" dirty="0">
+              <a:rPr lang="fr-FR" sz="2000" dirty="0">
                 <a:latin typeface="Gill Sans MT" panose="020B0502020104020203" pitchFamily="34" charset="0"/>
               </a:rPr>
               <a:t>Comparaison de modèles</a:t>
             </a:r>
-            <a:endParaRPr lang="fr-FR" sz="1600" b="1" dirty="0">
+            <a:endParaRPr lang="fr-FR" sz="2000" b="1" dirty="0">
               <a:latin typeface="Gill Sans MT" panose="020B0502020104020203" pitchFamily="34" charset="0"/>
             </a:endParaRPr>
           </a:p>
@@ -7713,8 +7144,8 @@
           </a:p>
         </p:txBody>
       </p:sp>
-      <mc:AlternateContent xmlns:mc="http://schemas.openxmlformats.org/markup-compatibility/2006">
-        <mc:Choice xmlns:a14="http://schemas.microsoft.com/office/drawing/2010/main" Requires="a14">
+      <mc:AlternateContent xmlns:mc="http://schemas.openxmlformats.org/markup-compatibility/2006" xmlns:a14="http://schemas.microsoft.com/office/drawing/2010/main">
+        <mc:Choice Requires="a14">
           <p:sp>
             <p:nvSpPr>
               <p:cNvPr id="39" name="ZoneTexte 38">
@@ -7838,7 +7269,7 @@
             </p:txBody>
           </p:sp>
         </mc:Choice>
-        <mc:Fallback>
+        <mc:Fallback xmlns="">
           <p:sp>
             <p:nvSpPr>
               <p:cNvPr id="39" name="ZoneTexte 38">
@@ -7897,8 +7328,8 @@
         </p:nvSpPr>
         <p:spPr>
           <a:xfrm rot="5400000">
-            <a:off x="18100281" y="18916763"/>
-            <a:ext cx="399954" cy="249105"/>
+            <a:off x="18176469" y="18840575"/>
+            <a:ext cx="302627" cy="304155"/>
           </a:xfrm>
           <a:prstGeom prst="stripedRightArrow">
             <a:avLst/>
@@ -7949,8 +7380,8 @@
         </p:nvSpPr>
         <p:spPr>
           <a:xfrm>
-            <a:off x="15722327" y="19246655"/>
-            <a:ext cx="4998978" cy="1631216"/>
+            <a:off x="16015823" y="19157755"/>
+            <a:ext cx="4705482" cy="1938992"/>
           </a:xfrm>
           <a:prstGeom prst="rect">
             <a:avLst/>
@@ -7963,7 +7394,7 @@
           </a:bodyPr>
           <a:lstStyle/>
           <a:p>
-            <a:pPr algn="ctr"/>
+            <a:pPr algn="just"/>
             <a:r>
               <a:rPr lang="fr-FR" sz="2000" dirty="0">
                 <a:latin typeface="Gill Sans MT" panose="020B0502020104020203" pitchFamily="34" charset="0"/>
@@ -7987,8 +7418,8 @@
         </p:nvSpPr>
         <p:spPr>
           <a:xfrm>
-            <a:off x="15554018" y="19241290"/>
-            <a:ext cx="5378770" cy="1648358"/>
+            <a:off x="15931652" y="19190490"/>
+            <a:ext cx="5001136" cy="1875434"/>
           </a:xfrm>
           <a:prstGeom prst="roundRect">
             <a:avLst/>
@@ -8678,7 +8109,7 @@
           </a:bodyPr>
           <a:lstStyle/>
           <a:p>
-            <a:pPr marL="0" marR="0" lvl="0" indent="0" algn="ctr" defTabSz="914400" rtl="0" eaLnBrk="0" fontAlgn="base" latinLnBrk="0" hangingPunct="0">
+            <a:pPr marL="0" marR="0" lvl="0" indent="0" algn="just" defTabSz="914400" rtl="0" eaLnBrk="0" fontAlgn="base" latinLnBrk="0" hangingPunct="0">
               <a:lnSpc>
                 <a:spcPct val="100000"/>
               </a:lnSpc>
@@ -8772,6 +8203,701 @@
           </a:p>
         </p:txBody>
       </p:sp>
+      <mc:AlternateContent xmlns:mc="http://schemas.openxmlformats.org/markup-compatibility/2006">
+        <mc:Choice xmlns:a14="http://schemas.microsoft.com/office/drawing/2010/main" Requires="a14">
+          <p:sp>
+            <p:nvSpPr>
+              <p:cNvPr id="23" name="Rectangle 22">
+                <a:extLst>
+                  <a:ext uri="{FF2B5EF4-FFF2-40B4-BE49-F238E27FC236}">
+                    <a16:creationId xmlns:a16="http://schemas.microsoft.com/office/drawing/2014/main" id="{27FF743D-08E4-F040-F47F-B72F503818DC}"/>
+                  </a:ext>
+                </a:extLst>
+              </p:cNvPr>
+              <p:cNvSpPr/>
+              <p:nvPr/>
+            </p:nvSpPr>
+            <p:spPr>
+              <a:xfrm>
+                <a:off x="6403696" y="14776793"/>
+                <a:ext cx="3837795" cy="1012275"/>
+              </a:xfrm>
+              <a:prstGeom prst="rect">
+                <a:avLst/>
+              </a:prstGeom>
+              <a:noFill/>
+              <a:ln w="28575">
+                <a:solidFill>
+                  <a:schemeClr val="tx1"/>
+                </a:solidFill>
+              </a:ln>
+            </p:spPr>
+            <p:style>
+              <a:lnRef idx="2">
+                <a:schemeClr val="accent1">
+                  <a:shade val="15000"/>
+                </a:schemeClr>
+              </a:lnRef>
+              <a:fillRef idx="1">
+                <a:schemeClr val="accent1"/>
+              </a:fillRef>
+              <a:effectRef idx="0">
+                <a:schemeClr val="accent1"/>
+              </a:effectRef>
+              <a:fontRef idx="minor">
+                <a:schemeClr val="lt1"/>
+              </a:fontRef>
+            </p:style>
+            <p:txBody>
+              <a:bodyPr rtlCol="0" anchor="ctr"/>
+              <a:lstStyle/>
+              <a:p>
+                <a:pPr algn="ctr"/>
+                <a:r>
+                  <a:rPr lang="fr-FR" sz="1400" b="1" dirty="0">
+                    <a:solidFill>
+                      <a:schemeClr val="tx1"/>
+                    </a:solidFill>
+                    <a:latin typeface="Gill Sans MT" panose="020B0502020104020203" pitchFamily="34" charset="0"/>
+                  </a:rPr>
+                  <a:t>Indice de Moran</a:t>
+                </a:r>
+              </a:p>
+              <a:p>
+                <a:pPr algn="ctr"/>
+                <a14:m>
+                  <m:oMathPara xmlns:m="http://schemas.openxmlformats.org/officeDocument/2006/math">
+                    <m:oMathParaPr>
+                      <m:jc m:val="centerGroup"/>
+                    </m:oMathParaPr>
+                    <m:oMath xmlns:m="http://schemas.openxmlformats.org/officeDocument/2006/math">
+                      <m:r>
+                        <a:rPr lang="fr-FR" sz="1400" i="1">
+                          <a:solidFill>
+                            <a:schemeClr val="tx1"/>
+                          </a:solidFill>
+                          <a:latin typeface="Cambria Math" panose="02040503050406030204" pitchFamily="18" charset="0"/>
+                        </a:rPr>
+                        <m:t>𝐼</m:t>
+                      </m:r>
+                      <m:r>
+                        <a:rPr lang="fr-FR" sz="1400" i="1">
+                          <a:solidFill>
+                            <a:schemeClr val="tx1"/>
+                          </a:solidFill>
+                          <a:latin typeface="Cambria Math" panose="02040503050406030204" pitchFamily="18" charset="0"/>
+                        </a:rPr>
+                        <m:t>=</m:t>
+                      </m:r>
+                      <m:f>
+                        <m:fPr>
+                          <m:ctrlPr>
+                            <a:rPr lang="fr-FR" sz="1400" i="1">
+                              <a:solidFill>
+                                <a:schemeClr val="tx1"/>
+                              </a:solidFill>
+                              <a:latin typeface="Cambria Math" panose="02040503050406030204" pitchFamily="18" charset="0"/>
+                            </a:rPr>
+                          </m:ctrlPr>
+                        </m:fPr>
+                        <m:num>
+                          <m:r>
+                            <a:rPr lang="fr-FR" sz="1400" i="1">
+                              <a:solidFill>
+                                <a:schemeClr val="tx1"/>
+                              </a:solidFill>
+                              <a:latin typeface="Cambria Math" panose="02040503050406030204" pitchFamily="18" charset="0"/>
+                            </a:rPr>
+                            <m:t>𝑁</m:t>
+                          </m:r>
+                        </m:num>
+                        <m:den>
+                          <m:nary>
+                            <m:naryPr>
+                              <m:chr m:val="∑"/>
+                              <m:limLoc m:val="subSup"/>
+                              <m:supHide m:val="on"/>
+                              <m:ctrlPr>
+                                <a:rPr lang="fr-FR" sz="1400" i="1">
+                                  <a:solidFill>
+                                    <a:schemeClr val="tx1"/>
+                                  </a:solidFill>
+                                  <a:latin typeface="Cambria Math" panose="02040503050406030204" pitchFamily="18" charset="0"/>
+                                </a:rPr>
+                              </m:ctrlPr>
+                            </m:naryPr>
+                            <m:sub>
+                              <m:r>
+                                <m:rPr>
+                                  <m:brk m:alnAt="9"/>
+                                </m:rPr>
+                                <a:rPr lang="fr-FR" sz="1400" i="1">
+                                  <a:solidFill>
+                                    <a:schemeClr val="tx1"/>
+                                  </a:solidFill>
+                                  <a:latin typeface="Cambria Math" panose="02040503050406030204" pitchFamily="18" charset="0"/>
+                                </a:rPr>
+                                <m:t>𝑖</m:t>
+                              </m:r>
+                            </m:sub>
+                            <m:sup/>
+                            <m:e>
+                              <m:nary>
+                                <m:naryPr>
+                                  <m:chr m:val="∑"/>
+                                  <m:limLoc m:val="subSup"/>
+                                  <m:supHide m:val="on"/>
+                                  <m:ctrlPr>
+                                    <a:rPr lang="fr-FR" sz="1400" i="1">
+                                      <a:solidFill>
+                                        <a:schemeClr val="tx1"/>
+                                      </a:solidFill>
+                                      <a:latin typeface="Cambria Math" panose="02040503050406030204" pitchFamily="18" charset="0"/>
+                                    </a:rPr>
+                                  </m:ctrlPr>
+                                </m:naryPr>
+                                <m:sub>
+                                  <m:r>
+                                    <m:rPr>
+                                      <m:brk m:alnAt="9"/>
+                                    </m:rPr>
+                                    <a:rPr lang="fr-FR" sz="1400" i="1">
+                                      <a:solidFill>
+                                        <a:schemeClr val="tx1"/>
+                                      </a:solidFill>
+                                      <a:latin typeface="Cambria Math" panose="02040503050406030204" pitchFamily="18" charset="0"/>
+                                    </a:rPr>
+                                    <m:t>𝑗</m:t>
+                                  </m:r>
+                                </m:sub>
+                                <m:sup/>
+                                <m:e>
+                                  <m:sSub>
+                                    <m:sSubPr>
+                                      <m:ctrlPr>
+                                        <a:rPr lang="fr-FR" sz="1400" i="1">
+                                          <a:solidFill>
+                                            <a:schemeClr val="tx1"/>
+                                          </a:solidFill>
+                                          <a:latin typeface="Cambria Math" panose="02040503050406030204" pitchFamily="18" charset="0"/>
+                                        </a:rPr>
+                                      </m:ctrlPr>
+                                    </m:sSubPr>
+                                    <m:e>
+                                      <m:r>
+                                        <a:rPr lang="fr-FR" sz="1400" i="1">
+                                          <a:solidFill>
+                                            <a:schemeClr val="tx1"/>
+                                          </a:solidFill>
+                                          <a:latin typeface="Cambria Math" panose="02040503050406030204" pitchFamily="18" charset="0"/>
+                                        </a:rPr>
+                                        <m:t>𝑊</m:t>
+                                      </m:r>
+                                    </m:e>
+                                    <m:sub>
+                                      <m:r>
+                                        <a:rPr lang="fr-FR" sz="1400" i="1">
+                                          <a:solidFill>
+                                            <a:schemeClr val="tx1"/>
+                                          </a:solidFill>
+                                          <a:latin typeface="Cambria Math" panose="02040503050406030204" pitchFamily="18" charset="0"/>
+                                        </a:rPr>
+                                        <m:t>𝑖𝑗</m:t>
+                                      </m:r>
+                                    </m:sub>
+                                  </m:sSub>
+                                </m:e>
+                              </m:nary>
+                            </m:e>
+                          </m:nary>
+                        </m:den>
+                      </m:f>
+                      <m:r>
+                        <a:rPr lang="fr-FR" sz="1400" i="1">
+                          <a:solidFill>
+                            <a:schemeClr val="tx1"/>
+                          </a:solidFill>
+                          <a:latin typeface="Cambria Math" panose="02040503050406030204" pitchFamily="18" charset="0"/>
+                        </a:rPr>
+                        <m:t>∙</m:t>
+                      </m:r>
+                      <m:f>
+                        <m:fPr>
+                          <m:ctrlPr>
+                            <a:rPr lang="fr-FR" sz="1400" i="1">
+                              <a:solidFill>
+                                <a:schemeClr val="tx1"/>
+                              </a:solidFill>
+                              <a:latin typeface="Cambria Math" panose="02040503050406030204" pitchFamily="18" charset="0"/>
+                            </a:rPr>
+                          </m:ctrlPr>
+                        </m:fPr>
+                        <m:num>
+                          <m:nary>
+                            <m:naryPr>
+                              <m:chr m:val="∑"/>
+                              <m:limLoc m:val="subSup"/>
+                              <m:supHide m:val="on"/>
+                              <m:ctrlPr>
+                                <a:rPr lang="fr-FR" sz="1400" i="1">
+                                  <a:solidFill>
+                                    <a:schemeClr val="tx1"/>
+                                  </a:solidFill>
+                                  <a:latin typeface="Cambria Math" panose="02040503050406030204" pitchFamily="18" charset="0"/>
+                                </a:rPr>
+                              </m:ctrlPr>
+                            </m:naryPr>
+                            <m:sub>
+                              <m:r>
+                                <m:rPr>
+                                  <m:brk m:alnAt="9"/>
+                                </m:rPr>
+                                <a:rPr lang="fr-FR" sz="1400" i="1">
+                                  <a:solidFill>
+                                    <a:schemeClr val="tx1"/>
+                                  </a:solidFill>
+                                  <a:latin typeface="Cambria Math" panose="02040503050406030204" pitchFamily="18" charset="0"/>
+                                </a:rPr>
+                                <m:t>𝑖</m:t>
+                              </m:r>
+                            </m:sub>
+                            <m:sup/>
+                            <m:e>
+                              <m:nary>
+                                <m:naryPr>
+                                  <m:chr m:val="∑"/>
+                                  <m:limLoc m:val="subSup"/>
+                                  <m:supHide m:val="on"/>
+                                  <m:ctrlPr>
+                                    <a:rPr lang="fr-FR" sz="1400" i="1">
+                                      <a:solidFill>
+                                        <a:schemeClr val="tx1"/>
+                                      </a:solidFill>
+                                      <a:latin typeface="Cambria Math" panose="02040503050406030204" pitchFamily="18" charset="0"/>
+                                    </a:rPr>
+                                  </m:ctrlPr>
+                                </m:naryPr>
+                                <m:sub>
+                                  <m:r>
+                                    <m:rPr>
+                                      <m:brk m:alnAt="9"/>
+                                    </m:rPr>
+                                    <a:rPr lang="fr-FR" sz="1400" i="1">
+                                      <a:solidFill>
+                                        <a:schemeClr val="tx1"/>
+                                      </a:solidFill>
+                                      <a:latin typeface="Cambria Math" panose="02040503050406030204" pitchFamily="18" charset="0"/>
+                                    </a:rPr>
+                                    <m:t>𝑗</m:t>
+                                  </m:r>
+                                </m:sub>
+                                <m:sup/>
+                                <m:e>
+                                  <m:sSub>
+                                    <m:sSubPr>
+                                      <m:ctrlPr>
+                                        <a:rPr lang="fr-FR" sz="1400" i="1">
+                                          <a:solidFill>
+                                            <a:schemeClr val="tx1"/>
+                                          </a:solidFill>
+                                          <a:latin typeface="Cambria Math" panose="02040503050406030204" pitchFamily="18" charset="0"/>
+                                        </a:rPr>
+                                      </m:ctrlPr>
+                                    </m:sSubPr>
+                                    <m:e>
+                                      <m:r>
+                                        <a:rPr lang="fr-FR" sz="1400" i="1">
+                                          <a:solidFill>
+                                            <a:schemeClr val="tx1"/>
+                                          </a:solidFill>
+                                          <a:latin typeface="Cambria Math" panose="02040503050406030204" pitchFamily="18" charset="0"/>
+                                        </a:rPr>
+                                        <m:t>𝑊</m:t>
+                                      </m:r>
+                                    </m:e>
+                                    <m:sub>
+                                      <m:r>
+                                        <a:rPr lang="fr-FR" sz="1400" i="1">
+                                          <a:solidFill>
+                                            <a:schemeClr val="tx1"/>
+                                          </a:solidFill>
+                                          <a:latin typeface="Cambria Math" panose="02040503050406030204" pitchFamily="18" charset="0"/>
+                                        </a:rPr>
+                                        <m:t>𝑖𝑗</m:t>
+                                      </m:r>
+                                    </m:sub>
+                                  </m:sSub>
+                                </m:e>
+                              </m:nary>
+                            </m:e>
+                          </m:nary>
+                          <m:d>
+                            <m:dPr>
+                              <m:ctrlPr>
+                                <a:rPr lang="fr-FR" sz="1400" i="1">
+                                  <a:solidFill>
+                                    <a:schemeClr val="tx1"/>
+                                  </a:solidFill>
+                                  <a:latin typeface="Cambria Math" panose="02040503050406030204" pitchFamily="18" charset="0"/>
+                                </a:rPr>
+                              </m:ctrlPr>
+                            </m:dPr>
+                            <m:e>
+                              <m:sSub>
+                                <m:sSubPr>
+                                  <m:ctrlPr>
+                                    <a:rPr lang="fr-FR" sz="1400" i="1">
+                                      <a:solidFill>
+                                        <a:schemeClr val="tx1"/>
+                                      </a:solidFill>
+                                      <a:latin typeface="Cambria Math" panose="02040503050406030204" pitchFamily="18" charset="0"/>
+                                    </a:rPr>
+                                  </m:ctrlPr>
+                                </m:sSubPr>
+                                <m:e>
+                                  <m:r>
+                                    <a:rPr lang="fr-FR" sz="1400" i="1">
+                                      <a:solidFill>
+                                        <a:schemeClr val="tx1"/>
+                                      </a:solidFill>
+                                      <a:latin typeface="Cambria Math" panose="02040503050406030204" pitchFamily="18" charset="0"/>
+                                    </a:rPr>
+                                    <m:t>𝑦</m:t>
+                                  </m:r>
+                                </m:e>
+                                <m:sub>
+                                  <m:r>
+                                    <a:rPr lang="fr-FR" sz="1400" i="1">
+                                      <a:solidFill>
+                                        <a:schemeClr val="tx1"/>
+                                      </a:solidFill>
+                                      <a:latin typeface="Cambria Math" panose="02040503050406030204" pitchFamily="18" charset="0"/>
+                                    </a:rPr>
+                                    <m:t>𝑖</m:t>
+                                  </m:r>
+                                </m:sub>
+                              </m:sSub>
+                              <m:r>
+                                <a:rPr lang="fr-FR" sz="1400" i="1">
+                                  <a:solidFill>
+                                    <a:schemeClr val="tx1"/>
+                                  </a:solidFill>
+                                  <a:latin typeface="Cambria Math" panose="02040503050406030204" pitchFamily="18" charset="0"/>
+                                </a:rPr>
+                                <m:t>−</m:t>
+                              </m:r>
+                              <m:acc>
+                                <m:accPr>
+                                  <m:chr m:val="̅"/>
+                                  <m:ctrlPr>
+                                    <a:rPr lang="fr-FR" sz="1400" i="1">
+                                      <a:solidFill>
+                                        <a:schemeClr val="tx1"/>
+                                      </a:solidFill>
+                                      <a:latin typeface="Cambria Math" panose="02040503050406030204" pitchFamily="18" charset="0"/>
+                                    </a:rPr>
+                                  </m:ctrlPr>
+                                </m:accPr>
+                                <m:e>
+                                  <m:r>
+                                    <a:rPr lang="fr-FR" sz="1400" i="1">
+                                      <a:solidFill>
+                                        <a:schemeClr val="tx1"/>
+                                      </a:solidFill>
+                                      <a:latin typeface="Cambria Math" panose="02040503050406030204" pitchFamily="18" charset="0"/>
+                                    </a:rPr>
+                                    <m:t>𝑦</m:t>
+                                  </m:r>
+                                </m:e>
+                              </m:acc>
+                            </m:e>
+                          </m:d>
+                          <m:d>
+                            <m:dPr>
+                              <m:ctrlPr>
+                                <a:rPr lang="fr-FR" sz="1400" i="1">
+                                  <a:solidFill>
+                                    <a:schemeClr val="tx1"/>
+                                  </a:solidFill>
+                                  <a:latin typeface="Cambria Math" panose="02040503050406030204" pitchFamily="18" charset="0"/>
+                                </a:rPr>
+                              </m:ctrlPr>
+                            </m:dPr>
+                            <m:e>
+                              <m:sSub>
+                                <m:sSubPr>
+                                  <m:ctrlPr>
+                                    <a:rPr lang="fr-FR" sz="1400" i="1">
+                                      <a:solidFill>
+                                        <a:schemeClr val="tx1"/>
+                                      </a:solidFill>
+                                      <a:latin typeface="Cambria Math" panose="02040503050406030204" pitchFamily="18" charset="0"/>
+                                    </a:rPr>
+                                  </m:ctrlPr>
+                                </m:sSubPr>
+                                <m:e>
+                                  <m:r>
+                                    <a:rPr lang="fr-FR" sz="1400" i="1">
+                                      <a:solidFill>
+                                        <a:schemeClr val="tx1"/>
+                                      </a:solidFill>
+                                      <a:latin typeface="Cambria Math" panose="02040503050406030204" pitchFamily="18" charset="0"/>
+                                    </a:rPr>
+                                    <m:t>𝑦</m:t>
+                                  </m:r>
+                                </m:e>
+                                <m:sub>
+                                  <m:r>
+                                    <a:rPr lang="fr-FR" sz="1400" i="1">
+                                      <a:solidFill>
+                                        <a:schemeClr val="tx1"/>
+                                      </a:solidFill>
+                                      <a:latin typeface="Cambria Math" panose="02040503050406030204" pitchFamily="18" charset="0"/>
+                                    </a:rPr>
+                                    <m:t>𝑗</m:t>
+                                  </m:r>
+                                </m:sub>
+                              </m:sSub>
+                              <m:r>
+                                <a:rPr lang="fr-FR" sz="1400" i="1">
+                                  <a:solidFill>
+                                    <a:schemeClr val="tx1"/>
+                                  </a:solidFill>
+                                  <a:latin typeface="Cambria Math" panose="02040503050406030204" pitchFamily="18" charset="0"/>
+                                </a:rPr>
+                                <m:t>−</m:t>
+                              </m:r>
+                              <m:acc>
+                                <m:accPr>
+                                  <m:chr m:val="̅"/>
+                                  <m:ctrlPr>
+                                    <a:rPr lang="fr-FR" sz="1400" i="1">
+                                      <a:solidFill>
+                                        <a:schemeClr val="tx1"/>
+                                      </a:solidFill>
+                                      <a:latin typeface="Cambria Math" panose="02040503050406030204" pitchFamily="18" charset="0"/>
+                                    </a:rPr>
+                                  </m:ctrlPr>
+                                </m:accPr>
+                                <m:e>
+                                  <m:r>
+                                    <a:rPr lang="fr-FR" sz="1400" i="1">
+                                      <a:solidFill>
+                                        <a:schemeClr val="tx1"/>
+                                      </a:solidFill>
+                                      <a:latin typeface="Cambria Math" panose="02040503050406030204" pitchFamily="18" charset="0"/>
+                                    </a:rPr>
+                                    <m:t>𝑦</m:t>
+                                  </m:r>
+                                </m:e>
+                              </m:acc>
+                            </m:e>
+                          </m:d>
+                        </m:num>
+                        <m:den>
+                          <m:nary>
+                            <m:naryPr>
+                              <m:chr m:val="∑"/>
+                              <m:limLoc m:val="subSup"/>
+                              <m:supHide m:val="on"/>
+                              <m:ctrlPr>
+                                <a:rPr lang="fr-FR" sz="1400" i="1">
+                                  <a:solidFill>
+                                    <a:schemeClr val="tx1"/>
+                                  </a:solidFill>
+                                  <a:latin typeface="Cambria Math" panose="02040503050406030204" pitchFamily="18" charset="0"/>
+                                </a:rPr>
+                              </m:ctrlPr>
+                            </m:naryPr>
+                            <m:sub>
+                              <m:r>
+                                <m:rPr>
+                                  <m:brk m:alnAt="9"/>
+                                </m:rPr>
+                                <a:rPr lang="fr-FR" sz="1400" i="1">
+                                  <a:solidFill>
+                                    <a:schemeClr val="tx1"/>
+                                  </a:solidFill>
+                                  <a:latin typeface="Cambria Math" panose="02040503050406030204" pitchFamily="18" charset="0"/>
+                                </a:rPr>
+                                <m:t>𝑖</m:t>
+                              </m:r>
+                            </m:sub>
+                            <m:sup/>
+                            <m:e>
+                              <m:sSup>
+                                <m:sSupPr>
+                                  <m:ctrlPr>
+                                    <a:rPr lang="fr-FR" sz="1400" i="1">
+                                      <a:solidFill>
+                                        <a:schemeClr val="tx1"/>
+                                      </a:solidFill>
+                                      <a:latin typeface="Cambria Math" panose="02040503050406030204" pitchFamily="18" charset="0"/>
+                                    </a:rPr>
+                                  </m:ctrlPr>
+                                </m:sSupPr>
+                                <m:e>
+                                  <m:d>
+                                    <m:dPr>
+                                      <m:ctrlPr>
+                                        <a:rPr lang="fr-FR" sz="1400" i="1">
+                                          <a:solidFill>
+                                            <a:schemeClr val="tx1"/>
+                                          </a:solidFill>
+                                          <a:latin typeface="Cambria Math" panose="02040503050406030204" pitchFamily="18" charset="0"/>
+                                        </a:rPr>
+                                      </m:ctrlPr>
+                                    </m:dPr>
+                                    <m:e>
+                                      <m:sSub>
+                                        <m:sSubPr>
+                                          <m:ctrlPr>
+                                            <a:rPr lang="fr-FR" sz="1400" i="1">
+                                              <a:solidFill>
+                                                <a:schemeClr val="tx1"/>
+                                              </a:solidFill>
+                                              <a:latin typeface="Cambria Math" panose="02040503050406030204" pitchFamily="18" charset="0"/>
+                                            </a:rPr>
+                                          </m:ctrlPr>
+                                        </m:sSubPr>
+                                        <m:e>
+                                          <m:r>
+                                            <a:rPr lang="fr-FR" sz="1400" i="1">
+                                              <a:solidFill>
+                                                <a:schemeClr val="tx1"/>
+                                              </a:solidFill>
+                                              <a:latin typeface="Cambria Math" panose="02040503050406030204" pitchFamily="18" charset="0"/>
+                                            </a:rPr>
+                                            <m:t>𝑦</m:t>
+                                          </m:r>
+                                        </m:e>
+                                        <m:sub>
+                                          <m:r>
+                                            <a:rPr lang="fr-FR" sz="1400" i="1">
+                                              <a:solidFill>
+                                                <a:schemeClr val="tx1"/>
+                                              </a:solidFill>
+                                              <a:latin typeface="Cambria Math" panose="02040503050406030204" pitchFamily="18" charset="0"/>
+                                            </a:rPr>
+                                            <m:t>𝑖</m:t>
+                                          </m:r>
+                                        </m:sub>
+                                      </m:sSub>
+                                      <m:r>
+                                        <a:rPr lang="fr-FR" sz="1400" i="1">
+                                          <a:solidFill>
+                                            <a:schemeClr val="tx1"/>
+                                          </a:solidFill>
+                                          <a:latin typeface="Cambria Math" panose="02040503050406030204" pitchFamily="18" charset="0"/>
+                                        </a:rPr>
+                                        <m:t>−</m:t>
+                                      </m:r>
+                                      <m:acc>
+                                        <m:accPr>
+                                          <m:chr m:val="̅"/>
+                                          <m:ctrlPr>
+                                            <a:rPr lang="fr-FR" sz="1400" i="1">
+                                              <a:solidFill>
+                                                <a:schemeClr val="tx1"/>
+                                              </a:solidFill>
+                                              <a:latin typeface="Cambria Math" panose="02040503050406030204" pitchFamily="18" charset="0"/>
+                                            </a:rPr>
+                                          </m:ctrlPr>
+                                        </m:accPr>
+                                        <m:e>
+                                          <m:r>
+                                            <a:rPr lang="fr-FR" sz="1400" i="1">
+                                              <a:solidFill>
+                                                <a:schemeClr val="tx1"/>
+                                              </a:solidFill>
+                                              <a:latin typeface="Cambria Math" panose="02040503050406030204" pitchFamily="18" charset="0"/>
+                                            </a:rPr>
+                                            <m:t>𝑦</m:t>
+                                          </m:r>
+                                        </m:e>
+                                      </m:acc>
+                                    </m:e>
+                                  </m:d>
+                                </m:e>
+                                <m:sup>
+                                  <m:r>
+                                    <a:rPr lang="fr-FR" sz="1400" i="1">
+                                      <a:solidFill>
+                                        <a:schemeClr val="tx1"/>
+                                      </a:solidFill>
+                                      <a:latin typeface="Cambria Math" panose="02040503050406030204" pitchFamily="18" charset="0"/>
+                                    </a:rPr>
+                                    <m:t>2</m:t>
+                                  </m:r>
+                                </m:sup>
+                              </m:sSup>
+                            </m:e>
+                          </m:nary>
+                        </m:den>
+                      </m:f>
+                    </m:oMath>
+                  </m:oMathPara>
+                </a14:m>
+                <a:endParaRPr lang="en-US" sz="1400" i="1" dirty="0">
+                  <a:solidFill>
+                    <a:schemeClr val="tx1"/>
+                  </a:solidFill>
+                  <a:latin typeface="Cambria Math" panose="02040503050406030204" pitchFamily="18" charset="0"/>
+                </a:endParaRPr>
+              </a:p>
+            </p:txBody>
+          </p:sp>
+        </mc:Choice>
+        <mc:Fallback>
+          <p:sp>
+            <p:nvSpPr>
+              <p:cNvPr id="23" name="Rectangle 22">
+                <a:extLst>
+                  <a:ext uri="{FF2B5EF4-FFF2-40B4-BE49-F238E27FC236}">
+                    <a16:creationId xmlns:a16="http://schemas.microsoft.com/office/drawing/2014/main" id="{27FF743D-08E4-F040-F47F-B72F503818DC}"/>
+                  </a:ext>
+                </a:extLst>
+              </p:cNvPr>
+              <p:cNvSpPr>
+                <a:spLocks noRot="1" noChangeAspect="1" noMove="1" noResize="1" noEditPoints="1" noAdjustHandles="1" noChangeArrowheads="1" noChangeShapeType="1" noTextEdit="1"/>
+              </p:cNvSpPr>
+              <p:nvPr/>
+            </p:nvSpPr>
+            <p:spPr>
+              <a:xfrm>
+                <a:off x="6403696" y="14776793"/>
+                <a:ext cx="3837795" cy="1012275"/>
+              </a:xfrm>
+              <a:prstGeom prst="rect">
+                <a:avLst/>
+              </a:prstGeom>
+              <a:blipFill>
+                <a:blip r:embed="rId23"/>
+                <a:stretch>
+                  <a:fillRect/>
+                </a:stretch>
+              </a:blipFill>
+              <a:ln w="28575">
+                <a:solidFill>
+                  <a:schemeClr val="tx1"/>
+                </a:solidFill>
+              </a:ln>
+            </p:spPr>
+            <p:txBody>
+              <a:bodyPr/>
+              <a:lstStyle/>
+              <a:p>
+                <a:r>
+                  <a:rPr lang="en-US">
+                    <a:noFill/>
+                  </a:rPr>
+                  <a:t> </a:t>
+                </a:r>
+              </a:p>
+            </p:txBody>
+          </p:sp>
+        </mc:Fallback>
+      </mc:AlternateContent>
     </p:spTree>
     <p:extLst>
       <p:ext uri="{BB962C8B-B14F-4D97-AF65-F5344CB8AC3E}">

--- a/Présentation/MODELISATION-DU-NOMBRE-DE-VISITES.pptx
+++ b/Présentation/MODELISATION-DU-NOMBRE-DE-VISITES.pptx
@@ -6564,8 +6564,8 @@
           </a:p>
         </p:txBody>
       </p:sp>
-      <mc:AlternateContent xmlns:mc="http://schemas.openxmlformats.org/markup-compatibility/2006">
-        <mc:Choice xmlns:a14="http://schemas.microsoft.com/office/drawing/2010/main" Requires="a14">
+      <mc:AlternateContent xmlns:mc="http://schemas.openxmlformats.org/markup-compatibility/2006" xmlns:a14="http://schemas.microsoft.com/office/drawing/2010/main">
+        <mc:Choice Requires="a14">
           <p:sp>
             <p:nvSpPr>
               <p:cNvPr id="19" name="ZoneTexte 18">
@@ -6645,7 +6645,7 @@
             </p:txBody>
           </p:sp>
         </mc:Choice>
-        <mc:Fallback>
+        <mc:Fallback xmlns="">
           <p:sp>
             <p:nvSpPr>
               <p:cNvPr id="19" name="ZoneTexte 18">
@@ -6705,7 +6705,7 @@
         <p:spPr>
           <a:xfrm>
             <a:off x="15931652" y="14538045"/>
-            <a:ext cx="852973" cy="257699"/>
+            <a:ext cx="614175" cy="249659"/>
           </a:xfrm>
           <a:prstGeom prst="stripedRightArrow">
             <a:avLst/>
@@ -6756,7 +6756,7 @@
         </p:nvSpPr>
         <p:spPr>
           <a:xfrm>
-            <a:off x="16885608" y="14468346"/>
+            <a:off x="16679652" y="14469059"/>
             <a:ext cx="4132327" cy="400110"/>
           </a:xfrm>
           <a:prstGeom prst="rect">
@@ -6794,7 +6794,7 @@
         </p:nvSpPr>
         <p:spPr>
           <a:xfrm>
-            <a:off x="11431215" y="24065348"/>
+            <a:off x="11431215" y="23992283"/>
             <a:ext cx="9537454" cy="1015663"/>
           </a:xfrm>
           <a:prstGeom prst="rect">
@@ -6870,8 +6870,8 @@
           </a:p>
         </p:txBody>
       </p:sp>
-      <mc:AlternateContent xmlns:mc="http://schemas.openxmlformats.org/markup-compatibility/2006">
-        <mc:Choice xmlns:a14="http://schemas.microsoft.com/office/drawing/2010/main" Requires="a14">
+      <mc:AlternateContent xmlns:mc="http://schemas.openxmlformats.org/markup-compatibility/2006" xmlns:a14="http://schemas.microsoft.com/office/drawing/2010/main">
+        <mc:Choice Requires="a14">
           <p:sp>
             <p:nvSpPr>
               <p:cNvPr id="28" name="ZoneTexte 27">
@@ -6988,7 +6988,7 @@
             </p:txBody>
           </p:sp>
         </mc:Choice>
-        <mc:Fallback>
+        <mc:Fallback xmlns="">
           <p:sp>
             <p:nvSpPr>
               <p:cNvPr id="28" name="ZoneTexte 27">
@@ -7047,8 +7047,8 @@
         </p:nvSpPr>
         <p:spPr>
           <a:xfrm>
-            <a:off x="15954470" y="15081235"/>
-            <a:ext cx="801737" cy="257699"/>
+            <a:off x="15954470" y="15081236"/>
+            <a:ext cx="591357" cy="249660"/>
           </a:xfrm>
           <a:prstGeom prst="stripedRightArrow">
             <a:avLst/>
@@ -7099,8 +7099,8 @@
         </p:nvSpPr>
         <p:spPr>
           <a:xfrm>
-            <a:off x="16756207" y="15019039"/>
-            <a:ext cx="4702277" cy="400110"/>
+            <a:off x="16650961" y="15019039"/>
+            <a:ext cx="4554126" cy="400110"/>
           </a:xfrm>
           <a:prstGeom prst="rect">
             <a:avLst/>
@@ -7713,8 +7713,8 @@
           </a:p>
         </p:txBody>
       </p:sp>
-      <mc:AlternateContent xmlns:mc="http://schemas.openxmlformats.org/markup-compatibility/2006">
-        <mc:Choice xmlns:a14="http://schemas.microsoft.com/office/drawing/2010/main" Requires="a14">
+      <mc:AlternateContent xmlns:mc="http://schemas.openxmlformats.org/markup-compatibility/2006" xmlns:a14="http://schemas.microsoft.com/office/drawing/2010/main">
+        <mc:Choice Requires="a14">
           <p:sp>
             <p:nvSpPr>
               <p:cNvPr id="39" name="ZoneTexte 38">
@@ -7838,7 +7838,7 @@
             </p:txBody>
           </p:sp>
         </mc:Choice>
-        <mc:Fallback>
+        <mc:Fallback xmlns="">
           <p:sp>
             <p:nvSpPr>
               <p:cNvPr id="39" name="ZoneTexte 38">

--- a/Présentation/MODELISATION-DU-NOMBRE-DE-VISITES.pptx
+++ b/Présentation/MODELISATION-DU-NOMBRE-DE-VISITES.pptx
@@ -8203,8 +8203,8 @@
           </a:p>
         </p:txBody>
       </p:sp>
-      <mc:AlternateContent xmlns:mc="http://schemas.openxmlformats.org/markup-compatibility/2006">
-        <mc:Choice xmlns:a14="http://schemas.microsoft.com/office/drawing/2010/main" Requires="a14">
+      <mc:AlternateContent xmlns:mc="http://schemas.openxmlformats.org/markup-compatibility/2006" xmlns:a14="http://schemas.microsoft.com/office/drawing/2010/main">
+        <mc:Choice Requires="a14">
           <p:sp>
             <p:nvSpPr>
               <p:cNvPr id="23" name="Rectangle 22">
@@ -8848,7 +8848,7 @@
             </p:txBody>
           </p:sp>
         </mc:Choice>
-        <mc:Fallback>
+        <mc:Fallback xmlns="">
           <p:sp>
             <p:nvSpPr>
               <p:cNvPr id="23" name="Rectangle 22">
